--- a/ppt/4-深入理解系统调用.pptx
+++ b/ppt/4-深入理解系统调用.pptx
@@ -3010,72 +3010,9 @@
           </a:p>
         </p:txBody>
       </p:sp>
-      <p:pic>
-        <p:nvPicPr>
-          <p:cNvPr id="120" name="pasted-image.png"/>
-          <p:cNvPicPr>
-            <a:picLocks noChangeAspect="1"/>
-          </p:cNvPicPr>
-          <p:nvPr/>
-        </p:nvPicPr>
-        <p:blipFill>
-          <a:blip r:embed="rId1"/>
-          <a:stretch>
-            <a:fillRect/>
-          </a:stretch>
-        </p:blipFill>
-        <p:spPr>
-          <a:xfrm>
-            <a:off x="19086777" y="9340198"/>
-            <a:ext cx="3604906" cy="3604905"/>
-          </a:xfrm>
-          <a:prstGeom prst="rect">
-            <a:avLst/>
-          </a:prstGeom>
-          <a:ln w="12700">
-            <a:miter lim="400000"/>
-            <a:headEnd/>
-            <a:tailEnd/>
-          </a:ln>
-        </p:spPr>
-      </p:pic>
       <p:sp>
         <p:nvSpPr>
-          <p:cNvPr id="121" name="Shape 121"/>
-          <p:cNvSpPr/>
-          <p:nvPr/>
-        </p:nvSpPr>
-        <p:spPr>
-          <a:xfrm>
-            <a:off x="20070080" y="12798845"/>
-            <a:ext cx="1638301" cy="635001"/>
-          </a:xfrm>
-          <a:prstGeom prst="rect">
-            <a:avLst/>
-          </a:prstGeom>
-          <a:ln w="12700">
-            <a:miter lim="400000"/>
-          </a:ln>
-        </p:spPr>
-        <p:txBody>
-          <a:bodyPr wrap="none" lIns="50800" tIns="50800" rIns="50800" bIns="50800" anchor="ctr">
-            <a:spAutoFit/>
-          </a:bodyPr>
-          <a:lstStyle>
-            <a:lvl1pPr>
-              <a:defRPr sz="3000"/>
-            </a:lvl1pPr>
-          </a:lstStyle>
-          <a:p>
-            <a:r>
-              <a:t>关注孟宁</a:t>
-            </a:r>
-          </a:p>
-        </p:txBody>
-      </p:sp>
-      <p:sp>
-        <p:nvSpPr>
-          <p:cNvPr id="122" name="Shape 122"/>
+          <p:cNvPr id="158" name="Shape 158"/>
           <p:cNvSpPr/>
           <p:nvPr/>
         </p:nvSpPr>
@@ -3102,40 +3039,28 @@
           </a:lstStyle>
           <a:p>
             <a:r>
+              <a:rPr>
+                <a:sym typeface="+mn-ea"/>
+              </a:rPr>
               <a:t>孟宁</a:t>
             </a:r>
+            <a:endParaRPr>
+              <a:sym typeface="+mn-ea"/>
+            </a:endParaRPr>
+          </a:p>
+          <a:p>
+            <a:r>
+              <a:rPr lang="en-US" altLang="zh-CN">
+                <a:sym typeface="+mn-ea"/>
+              </a:rPr>
+              <a:t>mengning@ustc.edu.cn</a:t>
+            </a:r>
+            <a:endParaRPr lang="en-US" altLang="zh-CN">
+              <a:sym typeface="+mn-ea"/>
+            </a:endParaRPr>
           </a:p>
         </p:txBody>
       </p:sp>
-      <p:pic>
-        <p:nvPicPr>
-          <p:cNvPr id="123" name="pasted-image.png"/>
-          <p:cNvPicPr>
-            <a:picLocks noChangeAspect="1"/>
-          </p:cNvPicPr>
-          <p:nvPr/>
-        </p:nvPicPr>
-        <p:blipFill>
-          <a:blip r:embed="rId2"/>
-          <a:stretch>
-            <a:fillRect/>
-          </a:stretch>
-        </p:blipFill>
-        <p:spPr>
-          <a:xfrm>
-            <a:off x="18982463" y="8889223"/>
-            <a:ext cx="4506855" cy="4506856"/>
-          </a:xfrm>
-          <a:prstGeom prst="rect">
-            <a:avLst/>
-          </a:prstGeom>
-          <a:ln w="12700">
-            <a:miter lim="400000"/>
-            <a:headEnd/>
-            <a:tailEnd/>
-          </a:ln>
-        </p:spPr>
-      </p:pic>
     </p:spTree>
   </p:cSld>
   <p:clrMapOvr>
@@ -4314,6 +4239,9 @@
               </a:rPr>
               <a:t>系统调用</a:t>
             </a:r>
+            <a:endParaRPr>
+              <a:sym typeface="+mn-ea"/>
+            </a:endParaRPr>
           </a:p>
         </p:txBody>
       </p:sp>
@@ -4928,8 +4856,8 @@
         </p:nvSpPr>
         <p:spPr>
           <a:xfrm>
-            <a:off x="1273572" y="-2960100"/>
-            <a:ext cx="21322031" cy="18135601"/>
+            <a:off x="4127262" y="521606"/>
+            <a:ext cx="15387320" cy="12843510"/>
           </a:xfrm>
           <a:prstGeom prst="rect">
             <a:avLst/>
@@ -4946,140 +4874,416 @@
           <a:p>
             <a:pPr algn="l"/>
             <a:r>
+              <a:rPr sz="3600">
+                <a:solidFill>
+                  <a:srgbClr val="000000"/>
+                </a:solidFill>
+                <a:uFillTx/>
+              </a:rPr>
               <a:t>#include &lt;stdio.h&gt;</a:t>
             </a:r>
+            <a:endParaRPr sz="3600">
+              <a:solidFill>
+                <a:srgbClr val="000000"/>
+              </a:solidFill>
+              <a:uFillTx/>
+            </a:endParaRPr>
           </a:p>
           <a:p>
             <a:pPr algn="l"/>
             <a:r>
+              <a:rPr sz="3600">
+                <a:solidFill>
+                  <a:srgbClr val="000000"/>
+                </a:solidFill>
+                <a:uFillTx/>
+              </a:rPr>
               <a:t>#include &lt;time.h&gt;</a:t>
             </a:r>
+            <a:endParaRPr sz="3600">
+              <a:solidFill>
+                <a:srgbClr val="000000"/>
+              </a:solidFill>
+              <a:uFillTx/>
+            </a:endParaRPr>
           </a:p>
           <a:p>
             <a:pPr algn="l"/>
             <a:r>
+              <a:rPr sz="3600">
+                <a:solidFill>
+                  <a:srgbClr val="000000"/>
+                </a:solidFill>
+                <a:uFillTx/>
+              </a:rPr>
               <a:t>int main()</a:t>
             </a:r>
+            <a:endParaRPr sz="3600">
+              <a:solidFill>
+                <a:srgbClr val="000000"/>
+              </a:solidFill>
+              <a:uFillTx/>
+            </a:endParaRPr>
           </a:p>
           <a:p>
             <a:pPr algn="l"/>
             <a:r>
+              <a:rPr sz="3600">
+                <a:solidFill>
+                  <a:srgbClr val="000000"/>
+                </a:solidFill>
+                <a:uFillTx/>
+              </a:rPr>
               <a:t>{</a:t>
             </a:r>
+            <a:endParaRPr sz="3600">
+              <a:solidFill>
+                <a:srgbClr val="000000"/>
+              </a:solidFill>
+              <a:uFillTx/>
+            </a:endParaRPr>
           </a:p>
           <a:p>
             <a:pPr algn="l"/>
             <a:r>
+              <a:rPr sz="3600">
+                <a:solidFill>
+                  <a:srgbClr val="000000"/>
+                </a:solidFill>
+                <a:uFillTx/>
+              </a:rPr>
               <a:t>    time_t tt;</a:t>
             </a:r>
+            <a:endParaRPr sz="3600">
+              <a:solidFill>
+                <a:srgbClr val="000000"/>
+              </a:solidFill>
+              <a:uFillTx/>
+            </a:endParaRPr>
           </a:p>
           <a:p>
             <a:pPr algn="l"/>
             <a:r>
+              <a:rPr sz="3600">
+                <a:solidFill>
+                  <a:srgbClr val="000000"/>
+                </a:solidFill>
+                <a:uFillTx/>
+              </a:rPr>
               <a:t>    struct tm *t;</a:t>
             </a:r>
+            <a:endParaRPr sz="3600">
+              <a:solidFill>
+                <a:srgbClr val="000000"/>
+              </a:solidFill>
+              <a:uFillTx/>
+            </a:endParaRPr>
           </a:p>
           <a:p>
             <a:pPr algn="l"/>
             <a:r>
+              <a:rPr sz="3600">
+                <a:solidFill>
+                  <a:srgbClr val="000000"/>
+                </a:solidFill>
+                <a:uFillTx/>
+              </a:rPr>
               <a:t>    asm volatile(</a:t>
             </a:r>
+            <a:endParaRPr sz="3600">
+              <a:solidFill>
+                <a:srgbClr val="000000"/>
+              </a:solidFill>
+              <a:uFillTx/>
+            </a:endParaRPr>
           </a:p>
           <a:p>
             <a:pPr algn="l"/>
             <a:r>
+              <a:rPr sz="3600">
+                <a:solidFill>
+                  <a:srgbClr val="000000"/>
+                </a:solidFill>
+                <a:uFillTx/>
+              </a:rPr>
               <a:t>        "movl $0,%%ebx\n\t"  //系统调用传递第一个参数使用EBX寄存器为0</a:t>
             </a:r>
+            <a:endParaRPr sz="3600">
+              <a:solidFill>
+                <a:srgbClr val="000000"/>
+              </a:solidFill>
+              <a:uFillTx/>
+            </a:endParaRPr>
           </a:p>
           <a:p>
             <a:pPr algn="l"/>
             <a:r>
+              <a:rPr sz="3600">
+                <a:solidFill>
+                  <a:srgbClr val="000000"/>
+                </a:solidFill>
+                <a:uFillTx/>
+              </a:rPr>
               <a:t>        "movl $0xd,%%eax\n\t"//使用%eax传递系统调用号13，用16进制为0xd</a:t>
             </a:r>
+            <a:endParaRPr sz="3600">
+              <a:solidFill>
+                <a:srgbClr val="000000"/>
+              </a:solidFill>
+              <a:uFillTx/>
+            </a:endParaRPr>
           </a:p>
           <a:p>
             <a:pPr algn="l"/>
             <a:r>
+              <a:rPr sz="3600">
+                <a:solidFill>
+                  <a:srgbClr val="000000"/>
+                </a:solidFill>
+                <a:uFillTx/>
+              </a:rPr>
               <a:t>        "int $0x80\n\t"     //触发系统调用</a:t>
             </a:r>
+            <a:endParaRPr sz="3600">
+              <a:solidFill>
+                <a:srgbClr val="000000"/>
+              </a:solidFill>
+              <a:uFillTx/>
+            </a:endParaRPr>
           </a:p>
           <a:p>
             <a:pPr algn="l"/>
             <a:r>
+              <a:rPr sz="3600">
+                <a:solidFill>
+                  <a:srgbClr val="000000"/>
+                </a:solidFill>
+                <a:uFillTx/>
+              </a:rPr>
               <a:t>        "movl %%eax,%0\n\t"  //通过EAX寄存器返回系统调用值      </a:t>
             </a:r>
+            <a:endParaRPr sz="3600">
+              <a:solidFill>
+                <a:srgbClr val="000000"/>
+              </a:solidFill>
+              <a:uFillTx/>
+            </a:endParaRPr>
           </a:p>
           <a:p>
             <a:pPr algn="l"/>
             <a:r>
+              <a:rPr sz="3600">
+                <a:solidFill>
+                  <a:srgbClr val="000000"/>
+                </a:solidFill>
+                <a:uFillTx/>
+              </a:rPr>
               <a:t>      :"=m"(tt)</a:t>
             </a:r>
+            <a:endParaRPr sz="3600">
+              <a:solidFill>
+                <a:srgbClr val="000000"/>
+              </a:solidFill>
+              <a:uFillTx/>
+            </a:endParaRPr>
           </a:p>
           <a:p>
             <a:pPr algn="l"/>
             <a:r>
+              <a:rPr sz="3600">
+                <a:solidFill>
+                  <a:srgbClr val="000000"/>
+                </a:solidFill>
+                <a:uFillTx/>
+              </a:rPr>
               <a:t>    );</a:t>
             </a:r>
+            <a:endParaRPr sz="3600">
+              <a:solidFill>
+                <a:srgbClr val="000000"/>
+              </a:solidFill>
+              <a:uFillTx/>
+            </a:endParaRPr>
           </a:p>
           <a:p>
             <a:pPr algn="l"/>
             <a:r>
+              <a:rPr sz="3600">
+                <a:solidFill>
+                  <a:srgbClr val="000000"/>
+                </a:solidFill>
+                <a:uFillTx/>
+              </a:rPr>
               <a:t>    t = localtime(&amp;tt);</a:t>
             </a:r>
+            <a:endParaRPr sz="3600">
+              <a:solidFill>
+                <a:srgbClr val="000000"/>
+              </a:solidFill>
+              <a:uFillTx/>
+            </a:endParaRPr>
           </a:p>
           <a:p>
             <a:pPr algn="l"/>
             <a:r>
+              <a:rPr sz="3600">
+                <a:solidFill>
+                  <a:srgbClr val="000000"/>
+                </a:solidFill>
+                <a:uFillTx/>
+              </a:rPr>
               <a:t>    printf("time: %d/%d/%d  %d:%d:%d\n",</a:t>
             </a:r>
+            <a:endParaRPr sz="3600">
+              <a:solidFill>
+                <a:srgbClr val="000000"/>
+              </a:solidFill>
+              <a:uFillTx/>
+            </a:endParaRPr>
           </a:p>
           <a:p>
             <a:pPr algn="l"/>
             <a:r>
+              <a:rPr sz="3600">
+                <a:solidFill>
+                  <a:srgbClr val="000000"/>
+                </a:solidFill>
+                <a:uFillTx/>
+              </a:rPr>
               <a:t>           t-&gt;tm_year + 1900,</a:t>
             </a:r>
+            <a:endParaRPr sz="3600">
+              <a:solidFill>
+                <a:srgbClr val="000000"/>
+              </a:solidFill>
+              <a:uFillTx/>
+            </a:endParaRPr>
           </a:p>
           <a:p>
             <a:pPr algn="l"/>
             <a:r>
+              <a:rPr sz="3600">
+                <a:solidFill>
+                  <a:srgbClr val="000000"/>
+                </a:solidFill>
+                <a:uFillTx/>
+              </a:rPr>
               <a:t>           t-&gt;tm_mon,</a:t>
             </a:r>
+            <a:endParaRPr sz="3600">
+              <a:solidFill>
+                <a:srgbClr val="000000"/>
+              </a:solidFill>
+              <a:uFillTx/>
+            </a:endParaRPr>
           </a:p>
           <a:p>
             <a:pPr algn="l"/>
             <a:r>
+              <a:rPr sz="3600">
+                <a:solidFill>
+                  <a:srgbClr val="000000"/>
+                </a:solidFill>
+                <a:uFillTx/>
+              </a:rPr>
               <a:t>           t-&gt;tm_mday,</a:t>
             </a:r>
+            <a:endParaRPr sz="3600">
+              <a:solidFill>
+                <a:srgbClr val="000000"/>
+              </a:solidFill>
+              <a:uFillTx/>
+            </a:endParaRPr>
           </a:p>
           <a:p>
             <a:pPr algn="l"/>
             <a:r>
+              <a:rPr sz="3600">
+                <a:solidFill>
+                  <a:srgbClr val="000000"/>
+                </a:solidFill>
+                <a:uFillTx/>
+              </a:rPr>
               <a:t>           t-&gt;tm_hour,</a:t>
             </a:r>
+            <a:endParaRPr sz="3600">
+              <a:solidFill>
+                <a:srgbClr val="000000"/>
+              </a:solidFill>
+              <a:uFillTx/>
+            </a:endParaRPr>
           </a:p>
           <a:p>
             <a:pPr algn="l"/>
             <a:r>
+              <a:rPr sz="3600">
+                <a:solidFill>
+                  <a:srgbClr val="000000"/>
+                </a:solidFill>
+                <a:uFillTx/>
+              </a:rPr>
               <a:t>           t-&gt;tm_min,</a:t>
             </a:r>
+            <a:endParaRPr sz="3600">
+              <a:solidFill>
+                <a:srgbClr val="000000"/>
+              </a:solidFill>
+              <a:uFillTx/>
+            </a:endParaRPr>
           </a:p>
           <a:p>
             <a:pPr algn="l"/>
             <a:r>
+              <a:rPr sz="3600">
+                <a:solidFill>
+                  <a:srgbClr val="000000"/>
+                </a:solidFill>
+                <a:uFillTx/>
+              </a:rPr>
               <a:t>           t-&gt;tm_sec);</a:t>
             </a:r>
+            <a:endParaRPr sz="3600">
+              <a:solidFill>
+                <a:srgbClr val="000000"/>
+              </a:solidFill>
+              <a:uFillTx/>
+            </a:endParaRPr>
           </a:p>
           <a:p>
             <a:pPr algn="l"/>
             <a:r>
+              <a:rPr sz="3600">
+                <a:solidFill>
+                  <a:srgbClr val="000000"/>
+                </a:solidFill>
+                <a:uFillTx/>
+              </a:rPr>
               <a:t>    return 0;</a:t>
             </a:r>
+            <a:endParaRPr sz="3600">
+              <a:solidFill>
+                <a:srgbClr val="000000"/>
+              </a:solidFill>
+              <a:uFillTx/>
+            </a:endParaRPr>
           </a:p>
           <a:p>
             <a:pPr algn="l"/>
             <a:r>
+              <a:rPr sz="3600">
+                <a:solidFill>
+                  <a:srgbClr val="000000"/>
+                </a:solidFill>
+                <a:uFillTx/>
+              </a:rPr>
               <a:t>}</a:t>
             </a:r>
+            <a:endParaRPr sz="3600">
+              <a:solidFill>
+                <a:srgbClr val="000000"/>
+              </a:solidFill>
+              <a:uFillTx/>
+            </a:endParaRPr>
           </a:p>
         </p:txBody>
       </p:sp>
@@ -5126,7 +5330,7 @@
         </p:nvSpPr>
         <p:spPr>
           <a:xfrm>
-            <a:off x="3210174" y="180261"/>
+            <a:off x="3210174" y="1529636"/>
             <a:ext cx="21005801" cy="2286001"/>
           </a:xfrm>
           <a:prstGeom prst="rect">
@@ -5155,8 +5359,8 @@
         </p:nvSpPr>
         <p:spPr>
           <a:xfrm>
-            <a:off x="1339588" y="-2836513"/>
-            <a:ext cx="16135351" cy="17373601"/>
+            <a:off x="4774938" y="881413"/>
+            <a:ext cx="11729720" cy="12289790"/>
           </a:xfrm>
           <a:prstGeom prst="rect">
             <a:avLst/>
@@ -5173,134 +5377,398 @@
           <a:p>
             <a:pPr algn="l"/>
             <a:r>
+              <a:rPr sz="3600">
+                <a:solidFill>
+                  <a:srgbClr val="000000"/>
+                </a:solidFill>
+                <a:uFillTx/>
+              </a:rPr>
               <a:t>#include &lt;stdio.h&gt;</a:t>
             </a:r>
+            <a:endParaRPr sz="3600">
+              <a:solidFill>
+                <a:srgbClr val="000000"/>
+              </a:solidFill>
+              <a:uFillTx/>
+            </a:endParaRPr>
           </a:p>
           <a:p>
             <a:pPr algn="l"/>
             <a:r>
+              <a:rPr sz="3600">
+                <a:solidFill>
+                  <a:srgbClr val="000000"/>
+                </a:solidFill>
+                <a:uFillTx/>
+              </a:rPr>
               <a:t>#include &lt;time.h&gt;</a:t>
             </a:r>
+            <a:endParaRPr sz="3600">
+              <a:solidFill>
+                <a:srgbClr val="000000"/>
+              </a:solidFill>
+              <a:uFillTx/>
+            </a:endParaRPr>
           </a:p>
           <a:p>
             <a:pPr algn="l"/>
             <a:r>
+              <a:rPr sz="3600">
+                <a:solidFill>
+                  <a:srgbClr val="000000"/>
+                </a:solidFill>
+                <a:uFillTx/>
+              </a:rPr>
               <a:t>int main()</a:t>
             </a:r>
+            <a:endParaRPr sz="3600">
+              <a:solidFill>
+                <a:srgbClr val="000000"/>
+              </a:solidFill>
+              <a:uFillTx/>
+            </a:endParaRPr>
           </a:p>
           <a:p>
             <a:pPr algn="l"/>
             <a:r>
+              <a:rPr sz="3600">
+                <a:solidFill>
+                  <a:srgbClr val="000000"/>
+                </a:solidFill>
+                <a:uFillTx/>
+              </a:rPr>
               <a:t>{</a:t>
             </a:r>
+            <a:endParaRPr sz="3600">
+              <a:solidFill>
+                <a:srgbClr val="000000"/>
+              </a:solidFill>
+              <a:uFillTx/>
+            </a:endParaRPr>
           </a:p>
           <a:p>
             <a:pPr algn="l"/>
             <a:r>
+              <a:rPr sz="3600">
+                <a:solidFill>
+                  <a:srgbClr val="000000"/>
+                </a:solidFill>
+                <a:uFillTx/>
+              </a:rPr>
               <a:t>      time_t tt;</a:t>
             </a:r>
+            <a:endParaRPr sz="3600">
+              <a:solidFill>
+                <a:srgbClr val="000000"/>
+              </a:solidFill>
+              <a:uFillTx/>
+            </a:endParaRPr>
           </a:p>
           <a:p>
             <a:pPr algn="l"/>
             <a:r>
+              <a:rPr sz="3600">
+                <a:solidFill>
+                  <a:srgbClr val="000000"/>
+                </a:solidFill>
+                <a:uFillTx/>
+              </a:rPr>
               <a:t>      struct tm *t;</a:t>
             </a:r>
+            <a:endParaRPr sz="3600">
+              <a:solidFill>
+                <a:srgbClr val="000000"/>
+              </a:solidFill>
+              <a:uFillTx/>
+            </a:endParaRPr>
           </a:p>
           <a:p>
             <a:pPr algn="l"/>
             <a:r>
+              <a:rPr sz="3600">
+                <a:solidFill>
+                  <a:srgbClr val="000000"/>
+                </a:solidFill>
+                <a:uFillTx/>
+              </a:rPr>
               <a:t>      asm volatile(</a:t>
             </a:r>
+            <a:endParaRPr sz="3600">
+              <a:solidFill>
+                <a:srgbClr val="000000"/>
+              </a:solidFill>
+              <a:uFillTx/>
+            </a:endParaRPr>
           </a:p>
           <a:p>
             <a:pPr algn="l"/>
             <a:r>
+              <a:rPr sz="3600">
+                <a:solidFill>
+                  <a:srgbClr val="000000"/>
+                </a:solidFill>
+                <a:uFillTx/>
+              </a:rPr>
               <a:t>          "movl $0, %%edi\n\t"   //EDI寄存器用于传递参数</a:t>
             </a:r>
+            <a:endParaRPr sz="3600">
+              <a:solidFill>
+                <a:srgbClr val="000000"/>
+              </a:solidFill>
+              <a:uFillTx/>
+            </a:endParaRPr>
           </a:p>
           <a:p>
             <a:pPr algn="l"/>
             <a:r>
+              <a:rPr sz="3600">
+                <a:solidFill>
+                  <a:srgbClr val="000000"/>
+                </a:solidFill>
+                <a:uFillTx/>
+              </a:rPr>
               <a:t>          "movl $0xc9,%%eax\n\t" //使用EAX传递系统调用号</a:t>
             </a:r>
+            <a:endParaRPr sz="3600">
+              <a:solidFill>
+                <a:srgbClr val="000000"/>
+              </a:solidFill>
+              <a:uFillTx/>
+            </a:endParaRPr>
           </a:p>
           <a:p>
             <a:pPr algn="l"/>
             <a:r>
+              <a:rPr sz="3600">
+                <a:solidFill>
+                  <a:srgbClr val="000000"/>
+                </a:solidFill>
+                <a:uFillTx/>
+              </a:rPr>
               <a:t>          "syscall\n\t"          //触发系统调用</a:t>
             </a:r>
+            <a:endParaRPr sz="3600">
+              <a:solidFill>
+                <a:srgbClr val="000000"/>
+              </a:solidFill>
+              <a:uFillTx/>
+            </a:endParaRPr>
           </a:p>
           <a:p>
             <a:pPr algn="l"/>
             <a:r>
+              <a:rPr sz="3600">
+                <a:solidFill>
+                  <a:srgbClr val="000000"/>
+                </a:solidFill>
+                <a:uFillTx/>
+              </a:rPr>
               <a:t>          "movq %%rax,%0\n\t"    //保存返回值</a:t>
             </a:r>
+            <a:endParaRPr sz="3600">
+              <a:solidFill>
+                <a:srgbClr val="000000"/>
+              </a:solidFill>
+              <a:uFillTx/>
+            </a:endParaRPr>
           </a:p>
           <a:p>
             <a:pPr algn="l"/>
             <a:r>
+              <a:rPr sz="3600">
+                <a:solidFill>
+                  <a:srgbClr val="000000"/>
+                </a:solidFill>
+                <a:uFillTx/>
+              </a:rPr>
               <a:t>          : "=m"(tt));</a:t>
             </a:r>
+            <a:endParaRPr sz="3600">
+              <a:solidFill>
+                <a:srgbClr val="000000"/>
+              </a:solidFill>
+              <a:uFillTx/>
+            </a:endParaRPr>
           </a:p>
           <a:p>
             <a:pPr algn="l"/>
             <a:r>
+              <a:rPr sz="3600">
+                <a:solidFill>
+                  <a:srgbClr val="000000"/>
+                </a:solidFill>
+                <a:uFillTx/>
+              </a:rPr>
               <a:t>      t = localtime(&amp;tt);</a:t>
             </a:r>
+            <a:endParaRPr sz="3600">
+              <a:solidFill>
+                <a:srgbClr val="000000"/>
+              </a:solidFill>
+              <a:uFillTx/>
+            </a:endParaRPr>
           </a:p>
           <a:p>
             <a:pPr algn="l"/>
             <a:r>
+              <a:rPr sz="3600">
+                <a:solidFill>
+                  <a:srgbClr val="000000"/>
+                </a:solidFill>
+                <a:uFillTx/>
+              </a:rPr>
               <a:t>      printf("time: %d/%d/%d %d:%d:%d\n",</a:t>
             </a:r>
+            <a:endParaRPr sz="3600">
+              <a:solidFill>
+                <a:srgbClr val="000000"/>
+              </a:solidFill>
+              <a:uFillTx/>
+            </a:endParaRPr>
           </a:p>
           <a:p>
             <a:pPr algn="l"/>
             <a:r>
+              <a:rPr sz="3600">
+                <a:solidFill>
+                  <a:srgbClr val="000000"/>
+                </a:solidFill>
+                <a:uFillTx/>
+              </a:rPr>
               <a:t>             t-&gt;tm_year + 1900,</a:t>
             </a:r>
+            <a:endParaRPr sz="3600">
+              <a:solidFill>
+                <a:srgbClr val="000000"/>
+              </a:solidFill>
+              <a:uFillTx/>
+            </a:endParaRPr>
           </a:p>
           <a:p>
             <a:pPr algn="l"/>
             <a:r>
+              <a:rPr sz="3600">
+                <a:solidFill>
+                  <a:srgbClr val="000000"/>
+                </a:solidFill>
+                <a:uFillTx/>
+              </a:rPr>
               <a:t>             t-&gt;tm_mon,</a:t>
             </a:r>
+            <a:endParaRPr sz="3600">
+              <a:solidFill>
+                <a:srgbClr val="000000"/>
+              </a:solidFill>
+              <a:uFillTx/>
+            </a:endParaRPr>
           </a:p>
           <a:p>
             <a:pPr algn="l"/>
             <a:r>
+              <a:rPr sz="3600">
+                <a:solidFill>
+                  <a:srgbClr val="000000"/>
+                </a:solidFill>
+                <a:uFillTx/>
+              </a:rPr>
               <a:t>             t-&gt;tm_mday,</a:t>
             </a:r>
+            <a:endParaRPr sz="3600">
+              <a:solidFill>
+                <a:srgbClr val="000000"/>
+              </a:solidFill>
+              <a:uFillTx/>
+            </a:endParaRPr>
           </a:p>
           <a:p>
             <a:pPr algn="l"/>
             <a:r>
+              <a:rPr sz="3600">
+                <a:solidFill>
+                  <a:srgbClr val="000000"/>
+                </a:solidFill>
+                <a:uFillTx/>
+              </a:rPr>
               <a:t>             t-&gt;tm_hour,</a:t>
             </a:r>
+            <a:endParaRPr sz="3600">
+              <a:solidFill>
+                <a:srgbClr val="000000"/>
+              </a:solidFill>
+              <a:uFillTx/>
+            </a:endParaRPr>
           </a:p>
           <a:p>
             <a:pPr algn="l"/>
             <a:r>
+              <a:rPr sz="3600">
+                <a:solidFill>
+                  <a:srgbClr val="000000"/>
+                </a:solidFill>
+                <a:uFillTx/>
+              </a:rPr>
               <a:t>             t-&gt;tm_min,</a:t>
             </a:r>
+            <a:endParaRPr sz="3600">
+              <a:solidFill>
+                <a:srgbClr val="000000"/>
+              </a:solidFill>
+              <a:uFillTx/>
+            </a:endParaRPr>
           </a:p>
           <a:p>
             <a:pPr algn="l"/>
             <a:r>
+              <a:rPr sz="3600">
+                <a:solidFill>
+                  <a:srgbClr val="000000"/>
+                </a:solidFill>
+                <a:uFillTx/>
+              </a:rPr>
               <a:t>             t-&gt;tm_sec);</a:t>
             </a:r>
+            <a:endParaRPr sz="3600">
+              <a:solidFill>
+                <a:srgbClr val="000000"/>
+              </a:solidFill>
+              <a:uFillTx/>
+            </a:endParaRPr>
           </a:p>
           <a:p>
             <a:pPr algn="l"/>
             <a:r>
+              <a:rPr sz="3600">
+                <a:solidFill>
+                  <a:srgbClr val="000000"/>
+                </a:solidFill>
+                <a:uFillTx/>
+              </a:rPr>
               <a:t>      return 0;</a:t>
             </a:r>
+            <a:endParaRPr sz="3600">
+              <a:solidFill>
+                <a:srgbClr val="000000"/>
+              </a:solidFill>
+              <a:uFillTx/>
+            </a:endParaRPr>
           </a:p>
           <a:p>
             <a:pPr algn="l"/>
             <a:r>
+              <a:rPr sz="3600">
+                <a:solidFill>
+                  <a:srgbClr val="000000"/>
+                </a:solidFill>
+                <a:uFillTx/>
+              </a:rPr>
               <a:t>}</a:t>
             </a:r>
+            <a:endParaRPr sz="3600">
+              <a:solidFill>
+                <a:srgbClr val="000000"/>
+              </a:solidFill>
+              <a:uFillTx/>
+            </a:endParaRPr>
           </a:p>
         </p:txBody>
       </p:sp>
@@ -5490,7 +5958,7 @@
         <p:spPr>
           <a:xfrm>
             <a:off x="1689100" y="968375"/>
-            <a:ext cx="7585710" cy="11477625"/>
+            <a:ext cx="9149715" cy="11477625"/>
           </a:xfrm>
           <a:prstGeom prst="rect">
             <a:avLst/>
@@ -5528,8 +5996,8 @@
         </p:nvSpPr>
         <p:spPr>
           <a:xfrm>
-            <a:off x="9671685" y="-2286000"/>
-            <a:ext cx="13359765" cy="18568670"/>
+            <a:off x="12120245" y="-1351597"/>
+            <a:ext cx="10713720" cy="14874875"/>
           </a:xfrm>
           <a:prstGeom prst="rect">
             <a:avLst/>
@@ -5573,7 +6041,7 @@
               <a:buNone/>
             </a:pPr>
             <a:r>
-              <a:rPr kumimoji="0" lang="zh-CN" altLang="en-US" sz="4000" b="0" i="0" u="none" strike="noStrike" cap="none" spc="0" normalizeH="0" baseline="0">
+              <a:rPr kumimoji="0" lang="zh-CN" altLang="en-US" sz="3200" b="0" i="0" baseline="0">
                 <a:ln>
                   <a:noFill/>
                 </a:ln>
@@ -5589,7 +6057,7 @@
               </a:rPr>
               <a:t>#include &lt;stdio.h&gt;</a:t>
             </a:r>
-            <a:endParaRPr kumimoji="0" lang="zh-CN" altLang="en-US" sz="4000" b="0" i="0" u="none" strike="noStrike" cap="none" spc="0" normalizeH="0" baseline="0">
+            <a:endParaRPr kumimoji="0" lang="zh-CN" altLang="en-US" sz="3200" b="0" i="0" baseline="0">
               <a:ln>
                 <a:noFill/>
               </a:ln>
@@ -5621,7 +6089,7 @@
               <a:buNone/>
             </a:pPr>
             <a:r>
-              <a:rPr kumimoji="0" lang="zh-CN" altLang="en-US" sz="4000" b="0" i="0" u="none" strike="noStrike" cap="none" spc="0" normalizeH="0" baseline="0">
+              <a:rPr kumimoji="0" lang="zh-CN" altLang="en-US" sz="3200" b="0" i="0" baseline="0">
                 <a:ln>
                   <a:noFill/>
                 </a:ln>
@@ -5637,7 +6105,7 @@
               </a:rPr>
               <a:t>#include &lt;time.h&gt;</a:t>
             </a:r>
-            <a:endParaRPr kumimoji="0" lang="zh-CN" altLang="en-US" sz="4000" b="0" i="0" u="none" strike="noStrike" cap="none" spc="0" normalizeH="0" baseline="0">
+            <a:endParaRPr kumimoji="0" lang="zh-CN" altLang="en-US" sz="3200" b="0" i="0" baseline="0">
               <a:ln>
                 <a:noFill/>
               </a:ln>
@@ -5669,7 +6137,7 @@
               <a:buNone/>
             </a:pPr>
             <a:r>
-              <a:rPr kumimoji="0" lang="zh-CN" altLang="en-US" sz="4000" b="0" i="0" u="none" strike="noStrike" cap="none" spc="0" normalizeH="0" baseline="0">
+              <a:rPr kumimoji="0" lang="zh-CN" altLang="en-US" sz="3200" b="0" i="0" baseline="0">
                 <a:ln>
                   <a:noFill/>
                 </a:ln>
@@ -5685,7 +6153,7 @@
               </a:rPr>
               <a:t>#include &lt;sys/time.h&gt;</a:t>
             </a:r>
-            <a:endParaRPr kumimoji="0" lang="zh-CN" altLang="en-US" sz="4000" b="0" i="0" u="none" strike="noStrike" cap="none" spc="0" normalizeH="0" baseline="0">
+            <a:endParaRPr kumimoji="0" lang="zh-CN" altLang="en-US" sz="3200" b="0" i="0" baseline="0">
               <a:ln>
                 <a:noFill/>
               </a:ln>
@@ -5716,7 +6184,7 @@
               <a:buFontTx/>
               <a:buNone/>
             </a:pPr>
-            <a:endParaRPr kumimoji="0" lang="zh-CN" altLang="en-US" sz="4000" b="0" i="0" u="none" strike="noStrike" cap="none" spc="0" normalizeH="0" baseline="0">
+            <a:endParaRPr kumimoji="0" lang="zh-CN" altLang="en-US" sz="3200" b="0" i="0" baseline="0">
               <a:ln>
                 <a:noFill/>
               </a:ln>
@@ -5748,7 +6216,7 @@
               <a:buNone/>
             </a:pPr>
             <a:r>
-              <a:rPr kumimoji="0" lang="zh-CN" altLang="en-US" sz="4000" b="0" i="0" u="none" strike="noStrike" cap="none" spc="0" normalizeH="0" baseline="0">
+              <a:rPr kumimoji="0" lang="zh-CN" altLang="en-US" sz="3200" b="0" i="0" baseline="0">
                 <a:ln>
                   <a:noFill/>
                 </a:ln>
@@ -5764,7 +6232,7 @@
               </a:rPr>
               <a:t>int main()</a:t>
             </a:r>
-            <a:endParaRPr kumimoji="0" lang="zh-CN" altLang="en-US" sz="4000" b="0" i="0" u="none" strike="noStrike" cap="none" spc="0" normalizeH="0" baseline="0">
+            <a:endParaRPr kumimoji="0" lang="zh-CN" altLang="en-US" sz="3200" b="0" i="0" baseline="0">
               <a:ln>
                 <a:noFill/>
               </a:ln>
@@ -5796,7 +6264,7 @@
               <a:buNone/>
             </a:pPr>
             <a:r>
-              <a:rPr kumimoji="0" lang="zh-CN" altLang="en-US" sz="4000" b="0" i="0" u="none" strike="noStrike" cap="none" spc="0" normalizeH="0" baseline="0">
+              <a:rPr kumimoji="0" lang="zh-CN" altLang="en-US" sz="3200" b="0" i="0" baseline="0">
                 <a:ln>
                   <a:noFill/>
                 </a:ln>
@@ -5812,7 +6280,7 @@
               </a:rPr>
               <a:t>{</a:t>
             </a:r>
-            <a:endParaRPr kumimoji="0" lang="zh-CN" altLang="en-US" sz="4000" b="0" i="0" u="none" strike="noStrike" cap="none" spc="0" normalizeH="0" baseline="0">
+            <a:endParaRPr kumimoji="0" lang="zh-CN" altLang="en-US" sz="3200" b="0" i="0" baseline="0">
               <a:ln>
                 <a:noFill/>
               </a:ln>
@@ -5844,7 +6312,7 @@
               <a:buNone/>
             </a:pPr>
             <a:r>
-              <a:rPr kumimoji="0" lang="zh-CN" altLang="en-US" sz="4000" b="0" i="0" u="none" strike="noStrike" cap="none" spc="0" normalizeH="0" baseline="0">
+              <a:rPr kumimoji="0" lang="zh-CN" altLang="en-US" sz="3200" b="0" i="0" baseline="0">
                 <a:ln>
                   <a:noFill/>
                 </a:ln>
@@ -5860,7 +6328,7 @@
               </a:rPr>
               <a:t>      time_t tt;</a:t>
             </a:r>
-            <a:endParaRPr kumimoji="0" lang="zh-CN" altLang="en-US" sz="4000" b="0" i="0" u="none" strike="noStrike" cap="none" spc="0" normalizeH="0" baseline="0">
+            <a:endParaRPr kumimoji="0" lang="zh-CN" altLang="en-US" sz="3200" b="0" i="0" baseline="0">
               <a:ln>
                 <a:noFill/>
               </a:ln>
@@ -5892,7 +6360,7 @@
               <a:buNone/>
             </a:pPr>
             <a:r>
-              <a:rPr kumimoji="0" lang="zh-CN" altLang="en-US" sz="4000" b="0" i="0" u="none" strike="noStrike" cap="none" spc="0" normalizeH="0" baseline="0">
+              <a:rPr kumimoji="0" lang="zh-CN" altLang="en-US" sz="3200" b="0" i="0" baseline="0">
                 <a:ln>
                   <a:noFill/>
                 </a:ln>
@@ -5908,7 +6376,7 @@
               </a:rPr>
               <a:t>      struct timeval tv;</a:t>
             </a:r>
-            <a:endParaRPr kumimoji="0" lang="zh-CN" altLang="en-US" sz="4000" b="0" i="0" u="none" strike="noStrike" cap="none" spc="0" normalizeH="0" baseline="0">
+            <a:endParaRPr kumimoji="0" lang="zh-CN" altLang="en-US" sz="3200" b="0" i="0" baseline="0">
               <a:ln>
                 <a:noFill/>
               </a:ln>
@@ -5940,7 +6408,7 @@
               <a:buNone/>
             </a:pPr>
             <a:r>
-              <a:rPr kumimoji="0" lang="zh-CN" altLang="en-US" sz="4000" b="0" i="0" u="none" strike="noStrike" cap="none" spc="0" normalizeH="0" baseline="0">
+              <a:rPr kumimoji="0" lang="zh-CN" altLang="en-US" sz="3200" b="0" i="0" baseline="0">
                 <a:ln>
                   <a:noFill/>
                 </a:ln>
@@ -5956,7 +6424,7 @@
               </a:rPr>
               <a:t>      struct tm *t;</a:t>
             </a:r>
-            <a:endParaRPr kumimoji="0" lang="zh-CN" altLang="en-US" sz="4000" b="0" i="0" u="none" strike="noStrike" cap="none" spc="0" normalizeH="0" baseline="0">
+            <a:endParaRPr kumimoji="0" lang="zh-CN" altLang="en-US" sz="3200" b="0" i="0" baseline="0">
               <a:ln>
                 <a:noFill/>
               </a:ln>
@@ -5988,7 +6456,7 @@
               <a:buNone/>
             </a:pPr>
             <a:r>
-              <a:rPr kumimoji="0" lang="zh-CN" altLang="en-US" sz="4000" b="0" i="0" u="none" strike="noStrike" cap="none" spc="0" normalizeH="0" baseline="0">
+              <a:rPr kumimoji="0" lang="zh-CN" altLang="en-US" sz="3200" b="0" i="0" baseline="0">
                 <a:ln>
                   <a:noFill/>
                 </a:ln>
@@ -6004,7 +6472,7 @@
               </a:rPr>
               <a:t>#if 0</a:t>
             </a:r>
-            <a:endParaRPr kumimoji="0" lang="zh-CN" altLang="en-US" sz="4000" b="0" i="0" u="none" strike="noStrike" cap="none" spc="0" normalizeH="0" baseline="0">
+            <a:endParaRPr kumimoji="0" lang="zh-CN" altLang="en-US" sz="3200" b="0" i="0" baseline="0">
               <a:ln>
                 <a:noFill/>
               </a:ln>
@@ -6036,7 +6504,7 @@
               <a:buNone/>
             </a:pPr>
             <a:r>
-              <a:rPr kumimoji="0" lang="zh-CN" altLang="en-US" sz="4000" b="0" i="0" u="none" strike="noStrike" cap="none" spc="0" normalizeH="0" baseline="0">
+              <a:rPr kumimoji="0" lang="zh-CN" altLang="en-US" sz="3200" b="0" i="0" baseline="0">
                 <a:ln>
                   <a:noFill/>
                 </a:ln>
@@ -6052,7 +6520,7 @@
               </a:rPr>
               <a:t>      gettimeofday(&amp;tv,NULL);</a:t>
             </a:r>
-            <a:endParaRPr kumimoji="0" lang="zh-CN" altLang="en-US" sz="4000" b="0" i="0" u="none" strike="noStrike" cap="none" spc="0" normalizeH="0" baseline="0">
+            <a:endParaRPr kumimoji="0" lang="zh-CN" altLang="en-US" sz="3200" b="0" i="0" baseline="0">
               <a:ln>
                 <a:noFill/>
               </a:ln>
@@ -6084,7 +6552,7 @@
               <a:buNone/>
             </a:pPr>
             <a:r>
-              <a:rPr kumimoji="0" lang="zh-CN" altLang="en-US" sz="4000" b="0" i="0" u="none" strike="noStrike" cap="none" spc="0" normalizeH="0" baseline="0">
+              <a:rPr kumimoji="0" lang="zh-CN" altLang="en-US" sz="3200" b="0" i="0" baseline="0">
                 <a:ln>
                   <a:noFill/>
                 </a:ln>
@@ -6100,7 +6568,7 @@
               </a:rPr>
               <a:t>#else</a:t>
             </a:r>
-            <a:endParaRPr kumimoji="0" lang="zh-CN" altLang="en-US" sz="4000" b="0" i="0" u="none" strike="noStrike" cap="none" spc="0" normalizeH="0" baseline="0">
+            <a:endParaRPr kumimoji="0" lang="zh-CN" altLang="en-US" sz="3200" b="0" i="0" baseline="0">
               <a:ln>
                 <a:noFill/>
               </a:ln>
@@ -6132,7 +6600,7 @@
               <a:buNone/>
             </a:pPr>
             <a:r>
-              <a:rPr kumimoji="0" lang="zh-CN" altLang="en-US" sz="4000" b="0" i="0" u="none" strike="noStrike" cap="none" spc="0" normalizeH="0" baseline="0">
+              <a:rPr kumimoji="0" lang="zh-CN" altLang="en-US" sz="3200" b="0" i="0" baseline="0">
                 <a:ln>
                   <a:noFill/>
                 </a:ln>
@@ -6148,7 +6616,7 @@
               </a:rPr>
               <a:t>      asm volatile(</a:t>
             </a:r>
-            <a:endParaRPr kumimoji="0" lang="zh-CN" altLang="en-US" sz="4000" b="0" i="0" u="none" strike="noStrike" cap="none" spc="0" normalizeH="0" baseline="0">
+            <a:endParaRPr kumimoji="0" lang="zh-CN" altLang="en-US" sz="3200" b="0" i="0" baseline="0">
               <a:ln>
                 <a:noFill/>
               </a:ln>
@@ -6180,7 +6648,7 @@
               <a:buNone/>
             </a:pPr>
             <a:r>
-              <a:rPr kumimoji="0" lang="zh-CN" altLang="en-US" sz="4000" b="0" i="0" u="none" strike="noStrike" cap="none" spc="0" normalizeH="0" baseline="0">
+              <a:rPr kumimoji="0" lang="zh-CN" altLang="en-US" sz="3200" b="0" i="0" baseline="0">
                 <a:ln>
                   <a:noFill/>
                 </a:ln>
@@ -6196,7 +6664,7 @@
               </a:rPr>
               <a:t>          "add   x0, x29, 16\n\t"  //X0寄存器用于传递参数&amp;tv</a:t>
             </a:r>
-            <a:endParaRPr kumimoji="0" lang="zh-CN" altLang="en-US" sz="4000" b="0" i="0" u="none" strike="noStrike" cap="none" spc="0" normalizeH="0" baseline="0">
+            <a:endParaRPr kumimoji="0" lang="zh-CN" altLang="en-US" sz="3200" b="0" i="0" baseline="0">
               <a:ln>
                 <a:noFill/>
               </a:ln>
@@ -6228,7 +6696,7 @@
               <a:buNone/>
             </a:pPr>
             <a:r>
-              <a:rPr kumimoji="0" lang="zh-CN" altLang="en-US" sz="4000" b="0" i="0" u="none" strike="noStrike" cap="none" spc="0" normalizeH="0" baseline="0">
+              <a:rPr kumimoji="0" lang="zh-CN" altLang="en-US" sz="3200" b="0" i="0" baseline="0">
                 <a:ln>
                   <a:noFill/>
                 </a:ln>
@@ -6244,7 +6712,7 @@
               </a:rPr>
               <a:t>          "mov   x1, #0x0\n\t"     //X1寄存器用于传递参数NULL</a:t>
             </a:r>
-            <a:endParaRPr kumimoji="0" lang="zh-CN" altLang="en-US" sz="4000" b="0" i="0" u="none" strike="noStrike" cap="none" spc="0" normalizeH="0" baseline="0">
+            <a:endParaRPr kumimoji="0" lang="zh-CN" altLang="en-US" sz="3200" b="0" i="0" baseline="0">
               <a:ln>
                 <a:noFill/>
               </a:ln>
@@ -6276,7 +6744,7 @@
               <a:buNone/>
             </a:pPr>
             <a:r>
-              <a:rPr kumimoji="0" lang="zh-CN" altLang="en-US" sz="4000" b="0" i="0" u="none" strike="noStrike" cap="none" spc="0" normalizeH="0" baseline="0">
+              <a:rPr kumimoji="0" lang="zh-CN" altLang="en-US" sz="3200" b="0" i="0" baseline="0">
                 <a:ln>
                   <a:noFill/>
                 </a:ln>
@@ -6292,7 +6760,7 @@
               </a:rPr>
               <a:t>          "mov   x8, #0xa9\n\t"   //使用X8传递系统调用号169</a:t>
             </a:r>
-            <a:endParaRPr kumimoji="0" lang="zh-CN" altLang="en-US" sz="4000" b="0" i="0" u="none" strike="noStrike" cap="none" spc="0" normalizeH="0" baseline="0">
+            <a:endParaRPr kumimoji="0" lang="zh-CN" altLang="en-US" sz="3200" b="0" i="0" baseline="0">
               <a:ln>
                 <a:noFill/>
               </a:ln>
@@ -6324,7 +6792,7 @@
               <a:buNone/>
             </a:pPr>
             <a:r>
-              <a:rPr kumimoji="0" lang="zh-CN" altLang="en-US" sz="4000" b="0" i="0" u="none" strike="noStrike" cap="none" spc="0" normalizeH="0" baseline="0">
+              <a:rPr kumimoji="0" lang="zh-CN" altLang="en-US" sz="3200" b="0" i="0" baseline="0">
                 <a:ln>
                   <a:noFill/>
                 </a:ln>
@@ -6341,7 +6809,7 @@
               <a:t>          "svc   #0x0\n\t"          </a:t>
             </a:r>
             <a:r>
-              <a:rPr kumimoji="0" lang="en-US" altLang="zh-CN" sz="4000" b="0" i="0" u="none" strike="noStrike" cap="none" spc="0" normalizeH="0" baseline="0">
+              <a:rPr kumimoji="0" lang="en-US" altLang="zh-CN" sz="3200" b="0" i="0" baseline="0">
                 <a:ln>
                   <a:noFill/>
                 </a:ln>
@@ -6358,7 +6826,7 @@
               <a:t>  </a:t>
             </a:r>
             <a:r>
-              <a:rPr kumimoji="0" lang="zh-CN" altLang="en-US" sz="4000" b="0" i="0" u="none" strike="noStrike" cap="none" spc="0" normalizeH="0" baseline="0">
+              <a:rPr kumimoji="0" lang="zh-CN" altLang="en-US" sz="3200" b="0" i="0" baseline="0">
                 <a:ln>
                   <a:noFill/>
                 </a:ln>
@@ -6374,7 +6842,7 @@
               </a:rPr>
               <a:t>//触发系统调用</a:t>
             </a:r>
-            <a:endParaRPr kumimoji="0" lang="zh-CN" altLang="en-US" sz="4000" b="0" i="0" u="none" strike="noStrike" cap="none" spc="0" normalizeH="0" baseline="0">
+            <a:endParaRPr kumimoji="0" lang="zh-CN" altLang="en-US" sz="3200" b="0" i="0" baseline="0">
               <a:ln>
                 <a:noFill/>
               </a:ln>
@@ -6406,7 +6874,7 @@
               <a:buNone/>
             </a:pPr>
             <a:r>
-              <a:rPr kumimoji="0" lang="zh-CN" altLang="en-US" sz="4000" b="0" i="0" u="none" strike="noStrike" cap="none" spc="0" normalizeH="0" baseline="0">
+              <a:rPr kumimoji="0" lang="zh-CN" altLang="en-US" sz="3200" b="0" i="0" baseline="0">
                 <a:ln>
                   <a:noFill/>
                 </a:ln>
@@ -6422,7 +6890,7 @@
               </a:rPr>
               <a:t>      );</a:t>
             </a:r>
-            <a:endParaRPr kumimoji="0" lang="zh-CN" altLang="en-US" sz="4000" b="0" i="0" u="none" strike="noStrike" cap="none" spc="0" normalizeH="0" baseline="0">
+            <a:endParaRPr kumimoji="0" lang="zh-CN" altLang="en-US" sz="3200" b="0" i="0" baseline="0">
               <a:ln>
                 <a:noFill/>
               </a:ln>
@@ -6454,7 +6922,7 @@
               <a:buNone/>
             </a:pPr>
             <a:r>
-              <a:rPr kumimoji="0" lang="zh-CN" altLang="en-US" sz="4000" b="0" i="0" u="none" strike="noStrike" cap="none" spc="0" normalizeH="0" baseline="0">
+              <a:rPr kumimoji="0" lang="zh-CN" altLang="en-US" sz="3200" b="0" i="0" baseline="0">
                 <a:ln>
                   <a:noFill/>
                 </a:ln>
@@ -6470,7 +6938,7 @@
               </a:rPr>
               <a:t>#endif</a:t>
             </a:r>
-            <a:endParaRPr kumimoji="0" lang="zh-CN" altLang="en-US" sz="4000" b="0" i="0" u="none" strike="noStrike" cap="none" spc="0" normalizeH="0" baseline="0">
+            <a:endParaRPr kumimoji="0" lang="zh-CN" altLang="en-US" sz="3200" b="0" i="0" baseline="0">
               <a:ln>
                 <a:noFill/>
               </a:ln>
@@ -6502,7 +6970,7 @@
               <a:buNone/>
             </a:pPr>
             <a:r>
-              <a:rPr kumimoji="0" lang="zh-CN" altLang="en-US" sz="4000" b="0" i="0" u="none" strike="noStrike" cap="none" spc="0" normalizeH="0" baseline="0">
+              <a:rPr kumimoji="0" lang="zh-CN" altLang="en-US" sz="3200" b="0" i="0" baseline="0">
                 <a:ln>
                   <a:noFill/>
                 </a:ln>
@@ -6518,7 +6986,7 @@
               </a:rPr>
               <a:t>      tt = tv.tv_sec;</a:t>
             </a:r>
-            <a:endParaRPr kumimoji="0" lang="zh-CN" altLang="en-US" sz="4000" b="0" i="0" u="none" strike="noStrike" cap="none" spc="0" normalizeH="0" baseline="0">
+            <a:endParaRPr kumimoji="0" lang="zh-CN" altLang="en-US" sz="3200" b="0" i="0" baseline="0">
               <a:ln>
                 <a:noFill/>
               </a:ln>
@@ -6550,7 +7018,7 @@
               <a:buNone/>
             </a:pPr>
             <a:r>
-              <a:rPr kumimoji="0" lang="zh-CN" altLang="en-US" sz="4000" b="0" i="0" u="none" strike="noStrike" cap="none" spc="0" normalizeH="0" baseline="0">
+              <a:rPr kumimoji="0" lang="zh-CN" altLang="en-US" sz="3200" b="0" i="0" baseline="0">
                 <a:ln>
                   <a:noFill/>
                 </a:ln>
@@ -6566,7 +7034,7 @@
               </a:rPr>
               <a:t>      t = localtime(&amp;tt);</a:t>
             </a:r>
-            <a:endParaRPr kumimoji="0" lang="zh-CN" altLang="en-US" sz="4000" b="0" i="0" u="none" strike="noStrike" cap="none" spc="0" normalizeH="0" baseline="0">
+            <a:endParaRPr kumimoji="0" lang="zh-CN" altLang="en-US" sz="3200" b="0" i="0" baseline="0">
               <a:ln>
                 <a:noFill/>
               </a:ln>
@@ -6598,7 +7066,7 @@
               <a:buNone/>
             </a:pPr>
             <a:r>
-              <a:rPr kumimoji="0" lang="zh-CN" altLang="en-US" sz="4000" b="0" i="0" u="none" strike="noStrike" cap="none" spc="0" normalizeH="0" baseline="0">
+              <a:rPr kumimoji="0" lang="zh-CN" altLang="en-US" sz="3200" b="0" i="0" baseline="0">
                 <a:ln>
                   <a:noFill/>
                 </a:ln>
@@ -6614,7 +7082,7 @@
               </a:rPr>
               <a:t>      printf("time: %d/%d/%d %d:%d:%d\n",</a:t>
             </a:r>
-            <a:endParaRPr kumimoji="0" lang="zh-CN" altLang="en-US" sz="4000" b="0" i="0" u="none" strike="noStrike" cap="none" spc="0" normalizeH="0" baseline="0">
+            <a:endParaRPr kumimoji="0" lang="zh-CN" altLang="en-US" sz="3200" b="0" i="0" baseline="0">
               <a:ln>
                 <a:noFill/>
               </a:ln>
@@ -6646,7 +7114,7 @@
               <a:buNone/>
             </a:pPr>
             <a:r>
-              <a:rPr kumimoji="0" lang="zh-CN" altLang="en-US" sz="4000" b="0" i="0" u="none" strike="noStrike" cap="none" spc="0" normalizeH="0" baseline="0">
+              <a:rPr kumimoji="0" lang="zh-CN" altLang="en-US" sz="3200" b="0" i="0" baseline="0">
                 <a:ln>
                   <a:noFill/>
                 </a:ln>
@@ -6662,7 +7130,7 @@
               </a:rPr>
               <a:t>             t-&gt;tm_year + 1900,</a:t>
             </a:r>
-            <a:endParaRPr kumimoji="0" lang="zh-CN" altLang="en-US" sz="4000" b="0" i="0" u="none" strike="noStrike" cap="none" spc="0" normalizeH="0" baseline="0">
+            <a:endParaRPr kumimoji="0" lang="zh-CN" altLang="en-US" sz="3200" b="0" i="0" baseline="0">
               <a:ln>
                 <a:noFill/>
               </a:ln>
@@ -6694,7 +7162,7 @@
               <a:buNone/>
             </a:pPr>
             <a:r>
-              <a:rPr kumimoji="0" lang="zh-CN" altLang="en-US" sz="4000" b="0" i="0" u="none" strike="noStrike" cap="none" spc="0" normalizeH="0" baseline="0">
+              <a:rPr kumimoji="0" lang="zh-CN" altLang="en-US" sz="3200" b="0" i="0" baseline="0">
                 <a:ln>
                   <a:noFill/>
                 </a:ln>
@@ -6710,7 +7178,7 @@
               </a:rPr>
               <a:t>             t-&gt;tm_mon,</a:t>
             </a:r>
-            <a:endParaRPr kumimoji="0" lang="zh-CN" altLang="en-US" sz="4000" b="0" i="0" u="none" strike="noStrike" cap="none" spc="0" normalizeH="0" baseline="0">
+            <a:endParaRPr kumimoji="0" lang="zh-CN" altLang="en-US" sz="3200" b="0" i="0" baseline="0">
               <a:ln>
                 <a:noFill/>
               </a:ln>
@@ -6742,7 +7210,7 @@
               <a:buNone/>
             </a:pPr>
             <a:r>
-              <a:rPr kumimoji="0" lang="zh-CN" altLang="en-US" sz="4000" b="0" i="0" u="none" strike="noStrike" cap="none" spc="0" normalizeH="0" baseline="0">
+              <a:rPr kumimoji="0" lang="zh-CN" altLang="en-US" sz="3200" b="0" i="0" baseline="0">
                 <a:ln>
                   <a:noFill/>
                 </a:ln>
@@ -6758,7 +7226,7 @@
               </a:rPr>
               <a:t>             t-&gt;tm_mday,</a:t>
             </a:r>
-            <a:endParaRPr kumimoji="0" lang="zh-CN" altLang="en-US" sz="4000" b="0" i="0" u="none" strike="noStrike" cap="none" spc="0" normalizeH="0" baseline="0">
+            <a:endParaRPr kumimoji="0" lang="zh-CN" altLang="en-US" sz="3200" b="0" i="0" baseline="0">
               <a:ln>
                 <a:noFill/>
               </a:ln>
@@ -6790,7 +7258,7 @@
               <a:buNone/>
             </a:pPr>
             <a:r>
-              <a:rPr kumimoji="0" lang="zh-CN" altLang="en-US" sz="4000" b="0" i="0" u="none" strike="noStrike" cap="none" spc="0" normalizeH="0" baseline="0">
+              <a:rPr kumimoji="0" lang="zh-CN" altLang="en-US" sz="3200" b="0" i="0" baseline="0">
                 <a:ln>
                   <a:noFill/>
                 </a:ln>
@@ -6806,7 +7274,7 @@
               </a:rPr>
               <a:t>             t-&gt;tm_hour,</a:t>
             </a:r>
-            <a:endParaRPr kumimoji="0" lang="zh-CN" altLang="en-US" sz="4000" b="0" i="0" u="none" strike="noStrike" cap="none" spc="0" normalizeH="0" baseline="0">
+            <a:endParaRPr kumimoji="0" lang="zh-CN" altLang="en-US" sz="3200" b="0" i="0" baseline="0">
               <a:ln>
                 <a:noFill/>
               </a:ln>
@@ -6838,7 +7306,7 @@
               <a:buNone/>
             </a:pPr>
             <a:r>
-              <a:rPr kumimoji="0" lang="zh-CN" altLang="en-US" sz="4000" b="0" i="0" u="none" strike="noStrike" cap="none" spc="0" normalizeH="0" baseline="0">
+              <a:rPr kumimoji="0" lang="zh-CN" altLang="en-US" sz="3200" b="0" i="0" baseline="0">
                 <a:ln>
                   <a:noFill/>
                 </a:ln>
@@ -6854,7 +7322,7 @@
               </a:rPr>
               <a:t>             t-&gt;tm_min,</a:t>
             </a:r>
-            <a:endParaRPr kumimoji="0" lang="zh-CN" altLang="en-US" sz="4000" b="0" i="0" u="none" strike="noStrike" cap="none" spc="0" normalizeH="0" baseline="0">
+            <a:endParaRPr kumimoji="0" lang="zh-CN" altLang="en-US" sz="3200" b="0" i="0" baseline="0">
               <a:ln>
                 <a:noFill/>
               </a:ln>
@@ -6886,7 +7354,7 @@
               <a:buNone/>
             </a:pPr>
             <a:r>
-              <a:rPr kumimoji="0" lang="zh-CN" altLang="en-US" sz="4000" b="0" i="0" u="none" strike="noStrike" cap="none" spc="0" normalizeH="0" baseline="0">
+              <a:rPr kumimoji="0" lang="zh-CN" altLang="en-US" sz="3200" b="0" i="0" baseline="0">
                 <a:ln>
                   <a:noFill/>
                 </a:ln>
@@ -6902,7 +7370,7 @@
               </a:rPr>
               <a:t>             t-&gt;tm_sec);</a:t>
             </a:r>
-            <a:endParaRPr kumimoji="0" lang="zh-CN" altLang="en-US" sz="4000" b="0" i="0" u="none" strike="noStrike" cap="none" spc="0" normalizeH="0" baseline="0">
+            <a:endParaRPr kumimoji="0" lang="zh-CN" altLang="en-US" sz="3200" b="0" i="0" baseline="0">
               <a:ln>
                 <a:noFill/>
               </a:ln>
@@ -6934,7 +7402,7 @@
               <a:buNone/>
             </a:pPr>
             <a:r>
-              <a:rPr kumimoji="0" lang="zh-CN" altLang="en-US" sz="4000" b="0" i="0" u="none" strike="noStrike" cap="none" spc="0" normalizeH="0" baseline="0">
+              <a:rPr kumimoji="0" lang="zh-CN" altLang="en-US" sz="3200" b="0" i="0" baseline="0">
                 <a:ln>
                   <a:noFill/>
                 </a:ln>
@@ -6950,7 +7418,7 @@
               </a:rPr>
               <a:t>      return 0;</a:t>
             </a:r>
-            <a:endParaRPr kumimoji="0" lang="zh-CN" altLang="en-US" sz="4000" b="0" i="0" u="none" strike="noStrike" cap="none" spc="0" normalizeH="0" baseline="0">
+            <a:endParaRPr kumimoji="0" lang="zh-CN" altLang="en-US" sz="3200" b="0" i="0" baseline="0">
               <a:ln>
                 <a:noFill/>
               </a:ln>
@@ -6982,7 +7450,7 @@
               <a:buNone/>
             </a:pPr>
             <a:r>
-              <a:rPr kumimoji="0" lang="zh-CN" altLang="en-US" sz="4000" b="0" i="0" u="none" strike="noStrike" cap="none" spc="0" normalizeH="0" baseline="0">
+              <a:rPr kumimoji="0" lang="zh-CN" altLang="en-US" sz="3200" b="0" i="0" baseline="0">
                 <a:ln>
                   <a:noFill/>
                 </a:ln>
@@ -6998,7 +7466,7 @@
               </a:rPr>
               <a:t>}</a:t>
             </a:r>
-            <a:endParaRPr kumimoji="0" lang="zh-CN" altLang="en-US" sz="4000" b="0" i="0" u="none" strike="noStrike" cap="none" spc="0" normalizeH="0" baseline="0">
+            <a:endParaRPr kumimoji="0" lang="zh-CN" altLang="en-US" sz="3200" b="0" i="0" baseline="0">
               <a:ln>
                 <a:noFill/>
               </a:ln>
@@ -8796,6 +9264,9 @@
               </a:rPr>
               <a:t>异常向量表的初始化</a:t>
             </a:r>
+            <a:endParaRPr>
+              <a:sym typeface="+mn-ea"/>
+            </a:endParaRPr>
           </a:p>
         </p:txBody>
       </p:sp>
@@ -9896,7 +10367,7 @@
         </p:nvSpPr>
         <p:spPr>
           <a:xfrm>
-            <a:off x="11184255" y="-2575242"/>
+            <a:off x="11184255" y="-1999297"/>
             <a:ext cx="12743815" cy="15798165"/>
           </a:xfrm>
           <a:prstGeom prst="rect">
@@ -12477,6 +12948,10 @@
           </p:nvPr>
         </p:nvSpPr>
         <p:spPr>
+          <a:xfrm>
+            <a:off x="5567045" y="6497955"/>
+            <a:ext cx="21005800" cy="2286000"/>
+          </a:xfrm>
           <a:prstGeom prst="rect">
             <a:avLst/>
           </a:prstGeom>
@@ -12489,24 +12964,40 @@
           <a:p>
             <a:pPr algn="ctr"/>
             <a:r>
-              <a:rPr sz="11000">
+              <a:rPr sz="4800">
+                <a:solidFill>
+                  <a:srgbClr val="000000"/>
+                </a:solidFill>
+                <a:uFillTx/>
                 <a:sym typeface="+mn-ea"/>
               </a:rPr>
               <a:t>ARM64</a:t>
             </a:r>
             <a:r>
-              <a:rPr lang="en-US" sz="11000">
+              <a:rPr lang="en-US" sz="4800">
+                <a:solidFill>
+                  <a:srgbClr val="000000"/>
+                </a:solidFill>
+                <a:uFillTx/>
                 <a:sym typeface="+mn-ea"/>
               </a:rPr>
               <a:t> </a:t>
             </a:r>
             <a:r>
-              <a:rPr sz="11000">
+              <a:rPr sz="4800">
+                <a:solidFill>
+                  <a:srgbClr val="000000"/>
+                </a:solidFill>
+                <a:uFillTx/>
                 <a:sym typeface="+mn-ea"/>
               </a:rPr>
               <a:t>struct pt_regs数据结构</a:t>
             </a:r>
-            <a:endParaRPr sz="11000">
+            <a:endParaRPr sz="4800">
+              <a:solidFill>
+                <a:srgbClr val="000000"/>
+              </a:solidFill>
+              <a:uFillTx/>
               <a:sym typeface="+mn-ea"/>
             </a:endParaRPr>
           </a:p>
@@ -12520,8 +13011,8 @@
         </p:nvSpPr>
         <p:spPr>
           <a:xfrm>
-            <a:off x="2183130" y="2969578"/>
-            <a:ext cx="21348700" cy="22416135"/>
+            <a:off x="3910965" y="-126999"/>
+            <a:ext cx="13703300" cy="13889990"/>
           </a:xfrm>
           <a:prstGeom prst="rect">
             <a:avLst/>
@@ -12565,7 +13056,7 @@
               <a:buNone/>
             </a:pPr>
             <a:r>
-              <a:rPr kumimoji="0" lang="zh-CN" altLang="en-US" sz="5000" b="0" i="0" u="none" strike="noStrike" cap="none" spc="0" normalizeH="0" baseline="0">
+              <a:rPr kumimoji="0" lang="zh-CN" altLang="en-US" sz="3200" b="0" i="0" baseline="0">
                 <a:ln>
                   <a:noFill/>
                 </a:ln>
@@ -12581,7 +13072,7 @@
               </a:rPr>
               <a:t>/*</a:t>
             </a:r>
-            <a:endParaRPr kumimoji="0" lang="zh-CN" altLang="en-US" sz="5000" b="0" i="0" u="none" strike="noStrike" cap="none" spc="0" normalizeH="0" baseline="0">
+            <a:endParaRPr kumimoji="0" lang="zh-CN" altLang="en-US" sz="3200" b="0" i="0" baseline="0">
               <a:ln>
                 <a:noFill/>
               </a:ln>
@@ -12613,7 +13104,7 @@
               <a:buNone/>
             </a:pPr>
             <a:r>
-              <a:rPr kumimoji="0" lang="zh-CN" altLang="en-US" sz="5000" b="0" i="0" u="none" strike="noStrike" cap="none" spc="0" normalizeH="0" baseline="0">
+              <a:rPr kumimoji="0" lang="zh-CN" altLang="en-US" sz="3200" b="0" i="0" baseline="0">
                 <a:ln>
                   <a:noFill/>
                 </a:ln>
@@ -12629,7 +13120,7 @@
               </a:rPr>
               <a:t> * This struct defines the way the registers are stored on the stack during an</a:t>
             </a:r>
-            <a:endParaRPr kumimoji="0" lang="zh-CN" altLang="en-US" sz="5000" b="0" i="0" u="none" strike="noStrike" cap="none" spc="0" normalizeH="0" baseline="0">
+            <a:endParaRPr kumimoji="0" lang="zh-CN" altLang="en-US" sz="3200" b="0" i="0" baseline="0">
               <a:ln>
                 <a:noFill/>
               </a:ln>
@@ -12661,7 +13152,7 @@
               <a:buNone/>
             </a:pPr>
             <a:r>
-              <a:rPr kumimoji="0" lang="zh-CN" altLang="en-US" sz="5000" b="0" i="0" u="none" strike="noStrike" cap="none" spc="0" normalizeH="0" baseline="0">
+              <a:rPr kumimoji="0" lang="zh-CN" altLang="en-US" sz="3200" b="0" i="0" baseline="0">
                 <a:ln>
                   <a:noFill/>
                 </a:ln>
@@ -12677,7 +13168,7 @@
               </a:rPr>
               <a:t> * exception. Note that sizeof(struct pt_regs) has to be a multiple of 16 (for</a:t>
             </a:r>
-            <a:endParaRPr kumimoji="0" lang="zh-CN" altLang="en-US" sz="5000" b="0" i="0" u="none" strike="noStrike" cap="none" spc="0" normalizeH="0" baseline="0">
+            <a:endParaRPr kumimoji="0" lang="zh-CN" altLang="en-US" sz="3200" b="0" i="0" baseline="0">
               <a:ln>
                 <a:noFill/>
               </a:ln>
@@ -12709,7 +13200,7 @@
               <a:buNone/>
             </a:pPr>
             <a:r>
-              <a:rPr kumimoji="0" lang="zh-CN" altLang="en-US" sz="5000" b="0" i="0" u="none" strike="noStrike" cap="none" spc="0" normalizeH="0" baseline="0">
+              <a:rPr kumimoji="0" lang="zh-CN" altLang="en-US" sz="3200" b="0" i="0" baseline="0">
                 <a:ln>
                   <a:noFill/>
                 </a:ln>
@@ -12725,7 +13216,7 @@
               </a:rPr>
               <a:t> * stack alignment). struct user_pt_regs must form a prefix of struct pt_regs.</a:t>
             </a:r>
-            <a:endParaRPr kumimoji="0" lang="zh-CN" altLang="en-US" sz="5000" b="0" i="0" u="none" strike="noStrike" cap="none" spc="0" normalizeH="0" baseline="0">
+            <a:endParaRPr kumimoji="0" lang="zh-CN" altLang="en-US" sz="3200" b="0" i="0" baseline="0">
               <a:ln>
                 <a:noFill/>
               </a:ln>
@@ -12757,7 +13248,7 @@
               <a:buNone/>
             </a:pPr>
             <a:r>
-              <a:rPr kumimoji="0" lang="zh-CN" altLang="en-US" sz="5000" b="0" i="0" u="none" strike="noStrike" cap="none" spc="0" normalizeH="0" baseline="0">
+              <a:rPr kumimoji="0" lang="zh-CN" altLang="en-US" sz="3200" b="0" i="0" baseline="0">
                 <a:ln>
                   <a:noFill/>
                 </a:ln>
@@ -12773,7 +13264,7 @@
               </a:rPr>
               <a:t> */</a:t>
             </a:r>
-            <a:endParaRPr kumimoji="0" lang="zh-CN" altLang="en-US" sz="5000" b="0" i="0" u="none" strike="noStrike" cap="none" spc="0" normalizeH="0" baseline="0">
+            <a:endParaRPr kumimoji="0" lang="zh-CN" altLang="en-US" sz="3200" b="0" i="0" baseline="0">
               <a:ln>
                 <a:noFill/>
               </a:ln>
@@ -12805,7 +13296,7 @@
               <a:buNone/>
             </a:pPr>
             <a:r>
-              <a:rPr kumimoji="0" lang="zh-CN" altLang="en-US" sz="5000" b="0" i="0" u="none" strike="noStrike" cap="none" spc="0" normalizeH="0" baseline="0">
+              <a:rPr kumimoji="0" lang="zh-CN" altLang="en-US" sz="3200" b="0" i="0" baseline="0">
                 <a:ln>
                   <a:noFill/>
                 </a:ln>
@@ -12821,7 +13312,7 @@
               </a:rPr>
               <a:t>struct pt_regs {</a:t>
             </a:r>
-            <a:endParaRPr kumimoji="0" lang="zh-CN" altLang="en-US" sz="5000" b="0" i="0" u="none" strike="noStrike" cap="none" spc="0" normalizeH="0" baseline="0">
+            <a:endParaRPr kumimoji="0" lang="zh-CN" altLang="en-US" sz="3200" b="0" i="0" baseline="0">
               <a:ln>
                 <a:noFill/>
               </a:ln>
@@ -12853,7 +13344,7 @@
               <a:buNone/>
             </a:pPr>
             <a:r>
-              <a:rPr kumimoji="0" lang="zh-CN" altLang="en-US" sz="5000" b="0" i="0" u="none" strike="noStrike" cap="none" spc="0" normalizeH="0" baseline="0">
+              <a:rPr kumimoji="0" lang="zh-CN" altLang="en-US" sz="3200" b="0" i="0" baseline="0">
                 <a:ln>
                   <a:noFill/>
                 </a:ln>
@@ -12869,7 +13360,7 @@
               </a:rPr>
               <a:t>	union {</a:t>
             </a:r>
-            <a:endParaRPr kumimoji="0" lang="zh-CN" altLang="en-US" sz="5000" b="0" i="0" u="none" strike="noStrike" cap="none" spc="0" normalizeH="0" baseline="0">
+            <a:endParaRPr kumimoji="0" lang="zh-CN" altLang="en-US" sz="3200" b="0" i="0" baseline="0">
               <a:ln>
                 <a:noFill/>
               </a:ln>
@@ -12901,7 +13392,7 @@
               <a:buNone/>
             </a:pPr>
             <a:r>
-              <a:rPr kumimoji="0" lang="zh-CN" altLang="en-US" sz="5000" b="0" i="0" u="none" strike="noStrike" cap="none" spc="0" normalizeH="0" baseline="0">
+              <a:rPr kumimoji="0" lang="zh-CN" altLang="en-US" sz="3200" b="0" i="0" baseline="0">
                 <a:ln>
                   <a:noFill/>
                 </a:ln>
@@ -12917,7 +13408,7 @@
               </a:rPr>
               <a:t>		struct user_pt_regs user_regs;</a:t>
             </a:r>
-            <a:endParaRPr kumimoji="0" lang="zh-CN" altLang="en-US" sz="5000" b="0" i="0" u="none" strike="noStrike" cap="none" spc="0" normalizeH="0" baseline="0">
+            <a:endParaRPr kumimoji="0" lang="zh-CN" altLang="en-US" sz="3200" b="0" i="0" baseline="0">
               <a:ln>
                 <a:noFill/>
               </a:ln>
@@ -12949,7 +13440,7 @@
               <a:buNone/>
             </a:pPr>
             <a:r>
-              <a:rPr kumimoji="0" lang="zh-CN" altLang="en-US" sz="5000" b="0" i="0" u="none" strike="noStrike" cap="none" spc="0" normalizeH="0" baseline="0">
+              <a:rPr kumimoji="0" lang="zh-CN" altLang="en-US" sz="3200" b="0" i="0" baseline="0">
                 <a:ln>
                   <a:noFill/>
                 </a:ln>
@@ -12965,7 +13456,7 @@
               </a:rPr>
               <a:t>		struct {</a:t>
             </a:r>
-            <a:endParaRPr kumimoji="0" lang="zh-CN" altLang="en-US" sz="5000" b="0" i="0" u="none" strike="noStrike" cap="none" spc="0" normalizeH="0" baseline="0">
+            <a:endParaRPr kumimoji="0" lang="zh-CN" altLang="en-US" sz="3200" b="0" i="0" baseline="0">
               <a:ln>
                 <a:noFill/>
               </a:ln>
@@ -12997,7 +13488,7 @@
               <a:buNone/>
             </a:pPr>
             <a:r>
-              <a:rPr kumimoji="0" lang="zh-CN" altLang="en-US" sz="5000" b="0" i="0" u="none" strike="noStrike" cap="none" spc="0" normalizeH="0" baseline="0">
+              <a:rPr kumimoji="0" lang="zh-CN" altLang="en-US" sz="3200" b="0" i="0" baseline="0">
                 <a:ln>
                   <a:noFill/>
                 </a:ln>
@@ -13013,7 +13504,7 @@
               </a:rPr>
               <a:t>			u64 regs[31];</a:t>
             </a:r>
-            <a:endParaRPr kumimoji="0" lang="zh-CN" altLang="en-US" sz="5000" b="0" i="0" u="none" strike="noStrike" cap="none" spc="0" normalizeH="0" baseline="0">
+            <a:endParaRPr kumimoji="0" lang="zh-CN" altLang="en-US" sz="3200" b="0" i="0" baseline="0">
               <a:ln>
                 <a:noFill/>
               </a:ln>
@@ -13045,7 +13536,7 @@
               <a:buNone/>
             </a:pPr>
             <a:r>
-              <a:rPr kumimoji="0" lang="zh-CN" altLang="en-US" sz="5000" b="0" i="0" u="none" strike="noStrike" cap="none" spc="0" normalizeH="0" baseline="0">
+              <a:rPr kumimoji="0" lang="zh-CN" altLang="en-US" sz="3200" b="0" i="0" baseline="0">
                 <a:ln>
                   <a:noFill/>
                 </a:ln>
@@ -13061,7 +13552,7 @@
               </a:rPr>
               <a:t>			u64 sp;</a:t>
             </a:r>
-            <a:endParaRPr kumimoji="0" lang="zh-CN" altLang="en-US" sz="5000" b="0" i="0" u="none" strike="noStrike" cap="none" spc="0" normalizeH="0" baseline="0">
+            <a:endParaRPr kumimoji="0" lang="zh-CN" altLang="en-US" sz="3200" b="0" i="0" baseline="0">
               <a:ln>
                 <a:noFill/>
               </a:ln>
@@ -13093,7 +13584,7 @@
               <a:buNone/>
             </a:pPr>
             <a:r>
-              <a:rPr kumimoji="0" lang="zh-CN" altLang="en-US" sz="5000" b="0" i="0" u="none" strike="noStrike" cap="none" spc="0" normalizeH="0" baseline="0">
+              <a:rPr kumimoji="0" lang="zh-CN" altLang="en-US" sz="3200" b="0" i="0" baseline="0">
                 <a:ln>
                   <a:noFill/>
                 </a:ln>
@@ -13109,7 +13600,7 @@
               </a:rPr>
               <a:t>			u64 pc;</a:t>
             </a:r>
-            <a:endParaRPr kumimoji="0" lang="zh-CN" altLang="en-US" sz="5000" b="0" i="0" u="none" strike="noStrike" cap="none" spc="0" normalizeH="0" baseline="0">
+            <a:endParaRPr kumimoji="0" lang="zh-CN" altLang="en-US" sz="3200" b="0" i="0" baseline="0">
               <a:ln>
                 <a:noFill/>
               </a:ln>
@@ -13141,7 +13632,7 @@
               <a:buNone/>
             </a:pPr>
             <a:r>
-              <a:rPr kumimoji="0" lang="zh-CN" altLang="en-US" sz="5000" b="0" i="0" u="none" strike="noStrike" cap="none" spc="0" normalizeH="0" baseline="0">
+              <a:rPr kumimoji="0" lang="zh-CN" altLang="en-US" sz="3200" b="0" i="0" baseline="0">
                 <a:ln>
                   <a:noFill/>
                 </a:ln>
@@ -13157,7 +13648,7 @@
               </a:rPr>
               <a:t>			u64 pstate;</a:t>
             </a:r>
-            <a:endParaRPr kumimoji="0" lang="zh-CN" altLang="en-US" sz="5000" b="0" i="0" u="none" strike="noStrike" cap="none" spc="0" normalizeH="0" baseline="0">
+            <a:endParaRPr kumimoji="0" lang="zh-CN" altLang="en-US" sz="3200" b="0" i="0" baseline="0">
               <a:ln>
                 <a:noFill/>
               </a:ln>
@@ -13189,7 +13680,7 @@
               <a:buNone/>
             </a:pPr>
             <a:r>
-              <a:rPr kumimoji="0" lang="zh-CN" altLang="en-US" sz="5000" b="0" i="0" u="none" strike="noStrike" cap="none" spc="0" normalizeH="0" baseline="0">
+              <a:rPr kumimoji="0" lang="zh-CN" altLang="en-US" sz="3200" b="0" i="0" baseline="0">
                 <a:ln>
                   <a:noFill/>
                 </a:ln>
@@ -13205,7 +13696,7 @@
               </a:rPr>
               <a:t>		};</a:t>
             </a:r>
-            <a:endParaRPr kumimoji="0" lang="zh-CN" altLang="en-US" sz="5000" b="0" i="0" u="none" strike="noStrike" cap="none" spc="0" normalizeH="0" baseline="0">
+            <a:endParaRPr kumimoji="0" lang="zh-CN" altLang="en-US" sz="3200" b="0" i="0" baseline="0">
               <a:ln>
                 <a:noFill/>
               </a:ln>
@@ -13237,7 +13728,7 @@
               <a:buNone/>
             </a:pPr>
             <a:r>
-              <a:rPr kumimoji="0" lang="zh-CN" altLang="en-US" sz="5000" b="0" i="0" u="none" strike="noStrike" cap="none" spc="0" normalizeH="0" baseline="0">
+              <a:rPr kumimoji="0" lang="zh-CN" altLang="en-US" sz="3200" b="0" i="0" baseline="0">
                 <a:ln>
                   <a:noFill/>
                 </a:ln>
@@ -13253,7 +13744,7 @@
               </a:rPr>
               <a:t>	};</a:t>
             </a:r>
-            <a:endParaRPr kumimoji="0" lang="zh-CN" altLang="en-US" sz="5000" b="0" i="0" u="none" strike="noStrike" cap="none" spc="0" normalizeH="0" baseline="0">
+            <a:endParaRPr kumimoji="0" lang="zh-CN" altLang="en-US" sz="3200" b="0" i="0" baseline="0">
               <a:ln>
                 <a:noFill/>
               </a:ln>
@@ -13285,7 +13776,7 @@
               <a:buNone/>
             </a:pPr>
             <a:r>
-              <a:rPr kumimoji="0" lang="zh-CN" altLang="en-US" sz="5000" b="0" i="0" u="none" strike="noStrike" cap="none" spc="0" normalizeH="0" baseline="0">
+              <a:rPr kumimoji="0" lang="zh-CN" altLang="en-US" sz="3200" b="0" i="0" baseline="0">
                 <a:ln>
                   <a:noFill/>
                 </a:ln>
@@ -13301,7 +13792,7 @@
               </a:rPr>
               <a:t>	u64 orig_x0;</a:t>
             </a:r>
-            <a:endParaRPr kumimoji="0" lang="zh-CN" altLang="en-US" sz="5000" b="0" i="0" u="none" strike="noStrike" cap="none" spc="0" normalizeH="0" baseline="0">
+            <a:endParaRPr kumimoji="0" lang="zh-CN" altLang="en-US" sz="3200" b="0" i="0" baseline="0">
               <a:ln>
                 <a:noFill/>
               </a:ln>
@@ -13333,7 +13824,7 @@
               <a:buNone/>
             </a:pPr>
             <a:r>
-              <a:rPr kumimoji="0" lang="zh-CN" altLang="en-US" sz="5000" b="0" i="0" u="none" strike="noStrike" cap="none" spc="0" normalizeH="0" baseline="0">
+              <a:rPr kumimoji="0" lang="zh-CN" altLang="en-US" sz="3200" b="0" i="0" baseline="0">
                 <a:ln>
                   <a:noFill/>
                 </a:ln>
@@ -13349,7 +13840,7 @@
               </a:rPr>
               <a:t>#ifdef __AARCH64EB__</a:t>
             </a:r>
-            <a:endParaRPr kumimoji="0" lang="zh-CN" altLang="en-US" sz="5000" b="0" i="0" u="none" strike="noStrike" cap="none" spc="0" normalizeH="0" baseline="0">
+            <a:endParaRPr kumimoji="0" lang="zh-CN" altLang="en-US" sz="3200" b="0" i="0" baseline="0">
               <a:ln>
                 <a:noFill/>
               </a:ln>
@@ -13381,7 +13872,7 @@
               <a:buNone/>
             </a:pPr>
             <a:r>
-              <a:rPr kumimoji="0" lang="zh-CN" altLang="en-US" sz="5000" b="0" i="0" u="none" strike="noStrike" cap="none" spc="0" normalizeH="0" baseline="0">
+              <a:rPr kumimoji="0" lang="zh-CN" altLang="en-US" sz="3200" b="0" i="0" baseline="0">
                 <a:ln>
                   <a:noFill/>
                 </a:ln>
@@ -13397,7 +13888,7 @@
               </a:rPr>
               <a:t>	u32 unused2;</a:t>
             </a:r>
-            <a:endParaRPr kumimoji="0" lang="zh-CN" altLang="en-US" sz="5000" b="0" i="0" u="none" strike="noStrike" cap="none" spc="0" normalizeH="0" baseline="0">
+            <a:endParaRPr kumimoji="0" lang="zh-CN" altLang="en-US" sz="3200" b="0" i="0" baseline="0">
               <a:ln>
                 <a:noFill/>
               </a:ln>
@@ -13429,7 +13920,7 @@
               <a:buNone/>
             </a:pPr>
             <a:r>
-              <a:rPr kumimoji="0" lang="zh-CN" altLang="en-US" sz="5000" b="0" i="0" u="none" strike="noStrike" cap="none" spc="0" normalizeH="0" baseline="0">
+              <a:rPr kumimoji="0" lang="zh-CN" altLang="en-US" sz="3200" b="0" i="0" baseline="0">
                 <a:ln>
                   <a:noFill/>
                 </a:ln>
@@ -13445,7 +13936,7 @@
               </a:rPr>
               <a:t>	s32 syscallno;</a:t>
             </a:r>
-            <a:endParaRPr kumimoji="0" lang="zh-CN" altLang="en-US" sz="5000" b="0" i="0" u="none" strike="noStrike" cap="none" spc="0" normalizeH="0" baseline="0">
+            <a:endParaRPr kumimoji="0" lang="zh-CN" altLang="en-US" sz="3200" b="0" i="0" baseline="0">
               <a:ln>
                 <a:noFill/>
               </a:ln>
@@ -13477,7 +13968,7 @@
               <a:buNone/>
             </a:pPr>
             <a:r>
-              <a:rPr kumimoji="0" lang="zh-CN" altLang="en-US" sz="5000" b="0" i="0" u="none" strike="noStrike" cap="none" spc="0" normalizeH="0" baseline="0">
+              <a:rPr kumimoji="0" lang="zh-CN" altLang="en-US" sz="3200" b="0" i="0" baseline="0">
                 <a:ln>
                   <a:noFill/>
                 </a:ln>
@@ -13493,7 +13984,7 @@
               </a:rPr>
               <a:t>#else</a:t>
             </a:r>
-            <a:endParaRPr kumimoji="0" lang="zh-CN" altLang="en-US" sz="5000" b="0" i="0" u="none" strike="noStrike" cap="none" spc="0" normalizeH="0" baseline="0">
+            <a:endParaRPr kumimoji="0" lang="zh-CN" altLang="en-US" sz="3200" b="0" i="0" baseline="0">
               <a:ln>
                 <a:noFill/>
               </a:ln>
@@ -13525,7 +14016,7 @@
               <a:buNone/>
             </a:pPr>
             <a:r>
-              <a:rPr kumimoji="0" lang="zh-CN" altLang="en-US" sz="5000" b="0" i="0" u="none" strike="noStrike" cap="none" spc="0" normalizeH="0" baseline="0">
+              <a:rPr kumimoji="0" lang="zh-CN" altLang="en-US" sz="3200" b="0" i="0" baseline="0">
                 <a:ln>
                   <a:noFill/>
                 </a:ln>
@@ -13541,7 +14032,7 @@
               </a:rPr>
               <a:t>	s32 syscallno;</a:t>
             </a:r>
-            <a:endParaRPr kumimoji="0" lang="zh-CN" altLang="en-US" sz="5000" b="0" i="0" u="none" strike="noStrike" cap="none" spc="0" normalizeH="0" baseline="0">
+            <a:endParaRPr kumimoji="0" lang="zh-CN" altLang="en-US" sz="3200" b="0" i="0" baseline="0">
               <a:ln>
                 <a:noFill/>
               </a:ln>
@@ -13573,7 +14064,7 @@
               <a:buNone/>
             </a:pPr>
             <a:r>
-              <a:rPr kumimoji="0" lang="zh-CN" altLang="en-US" sz="5000" b="0" i="0" u="none" strike="noStrike" cap="none" spc="0" normalizeH="0" baseline="0">
+              <a:rPr kumimoji="0" lang="zh-CN" altLang="en-US" sz="3200" b="0" i="0" baseline="0">
                 <a:ln>
                   <a:noFill/>
                 </a:ln>
@@ -13589,7 +14080,7 @@
               </a:rPr>
               <a:t>	u32 unused2;</a:t>
             </a:r>
-            <a:endParaRPr kumimoji="0" lang="zh-CN" altLang="en-US" sz="5000" b="0" i="0" u="none" strike="noStrike" cap="none" spc="0" normalizeH="0" baseline="0">
+            <a:endParaRPr kumimoji="0" lang="zh-CN" altLang="en-US" sz="3200" b="0" i="0" baseline="0">
               <a:ln>
                 <a:noFill/>
               </a:ln>
@@ -13621,7 +14112,7 @@
               <a:buNone/>
             </a:pPr>
             <a:r>
-              <a:rPr kumimoji="0" lang="zh-CN" altLang="en-US" sz="5000" b="0" i="0" u="none" strike="noStrike" cap="none" spc="0" normalizeH="0" baseline="0">
+              <a:rPr kumimoji="0" lang="zh-CN" altLang="en-US" sz="3200" b="0" i="0" baseline="0">
                 <a:ln>
                   <a:noFill/>
                 </a:ln>
@@ -13637,7 +14128,7 @@
               </a:rPr>
               <a:t>#endif</a:t>
             </a:r>
-            <a:endParaRPr kumimoji="0" lang="zh-CN" altLang="en-US" sz="5000" b="0" i="0" u="none" strike="noStrike" cap="none" spc="0" normalizeH="0" baseline="0">
+            <a:endParaRPr kumimoji="0" lang="zh-CN" altLang="en-US" sz="3200" b="0" i="0" baseline="0">
               <a:ln>
                 <a:noFill/>
               </a:ln>
@@ -13668,7 +14159,24 @@
               <a:buFontTx/>
               <a:buNone/>
             </a:pPr>
-            <a:endParaRPr kumimoji="0" lang="zh-CN" altLang="en-US" sz="5000" b="0" i="0" u="none" strike="noStrike" cap="none" spc="0" normalizeH="0" baseline="0">
+            <a:r>
+              <a:rPr kumimoji="0" lang="zh-CN" altLang="en-US" sz="3200" b="0" i="0" baseline="0">
+                <a:ln>
+                  <a:noFill/>
+                </a:ln>
+                <a:solidFill>
+                  <a:srgbClr val="000000"/>
+                </a:solidFill>
+                <a:effectLst/>
+                <a:uFillTx/>
+                <a:latin typeface="+mn-lt"/>
+                <a:ea typeface="+mn-ea"/>
+                <a:cs typeface="+mn-cs"/>
+                <a:sym typeface="Helvetica Light"/>
+              </a:rPr>
+              <a:t>	u64 orig_addr_limit;</a:t>
+            </a:r>
+            <a:endParaRPr kumimoji="0" lang="zh-CN" altLang="en-US" sz="3200" b="0" i="0" baseline="0">
               <a:ln>
                 <a:noFill/>
               </a:ln>
@@ -13700,7 +14208,7 @@
               <a:buNone/>
             </a:pPr>
             <a:r>
-              <a:rPr kumimoji="0" lang="zh-CN" altLang="en-US" sz="5000" b="0" i="0" u="none" strike="noStrike" cap="none" spc="0" normalizeH="0" baseline="0">
+              <a:rPr kumimoji="0" lang="zh-CN" altLang="en-US" sz="3200" b="0" i="0" baseline="0">
                 <a:ln>
                   <a:noFill/>
                 </a:ln>
@@ -13714,9 +14222,9 @@
                 <a:cs typeface="+mn-cs"/>
                 <a:sym typeface="Helvetica Light"/>
               </a:rPr>
-              <a:t>	u64 orig_addr_limit;</a:t>
-            </a:r>
-            <a:endParaRPr kumimoji="0" lang="zh-CN" altLang="en-US" sz="5000" b="0" i="0" u="none" strike="noStrike" cap="none" spc="0" normalizeH="0" baseline="0">
+              <a:t>	/* Only valid when ARM64_HAS_IRQ_PRIO_MASKING is enabled. */</a:t>
+            </a:r>
+            <a:endParaRPr kumimoji="0" lang="zh-CN" altLang="en-US" sz="3200" b="0" i="0" baseline="0">
               <a:ln>
                 <a:noFill/>
               </a:ln>
@@ -13748,7 +14256,7 @@
               <a:buNone/>
             </a:pPr>
             <a:r>
-              <a:rPr kumimoji="0" lang="zh-CN" altLang="en-US" sz="5000" b="0" i="0" u="none" strike="noStrike" cap="none" spc="0" normalizeH="0" baseline="0">
+              <a:rPr kumimoji="0" lang="zh-CN" altLang="en-US" sz="3200" b="0" i="0" baseline="0">
                 <a:ln>
                   <a:noFill/>
                 </a:ln>
@@ -13762,9 +14270,9 @@
                 <a:cs typeface="+mn-cs"/>
                 <a:sym typeface="Helvetica Light"/>
               </a:rPr>
-              <a:t>	/* Only valid when ARM64_HAS_IRQ_PRIO_MASKING is enabled. */</a:t>
-            </a:r>
-            <a:endParaRPr kumimoji="0" lang="zh-CN" altLang="en-US" sz="5000" b="0" i="0" u="none" strike="noStrike" cap="none" spc="0" normalizeH="0" baseline="0">
+              <a:t>	u64 pmr_save;</a:t>
+            </a:r>
+            <a:endParaRPr kumimoji="0" lang="zh-CN" altLang="en-US" sz="3200" b="0" i="0" baseline="0">
               <a:ln>
                 <a:noFill/>
               </a:ln>
@@ -13796,7 +14304,7 @@
               <a:buNone/>
             </a:pPr>
             <a:r>
-              <a:rPr kumimoji="0" lang="zh-CN" altLang="en-US" sz="5000" b="0" i="0" u="none" strike="noStrike" cap="none" spc="0" normalizeH="0" baseline="0">
+              <a:rPr kumimoji="0" lang="zh-CN" altLang="en-US" sz="3200" b="0" i="0" baseline="0">
                 <a:ln>
                   <a:noFill/>
                 </a:ln>
@@ -13810,9 +14318,9 @@
                 <a:cs typeface="+mn-cs"/>
                 <a:sym typeface="Helvetica Light"/>
               </a:rPr>
-              <a:t>	u64 pmr_save;</a:t>
-            </a:r>
-            <a:endParaRPr kumimoji="0" lang="zh-CN" altLang="en-US" sz="5000" b="0" i="0" u="none" strike="noStrike" cap="none" spc="0" normalizeH="0" baseline="0">
+              <a:t>	u64 stackframe[2];</a:t>
+            </a:r>
+            <a:endParaRPr kumimoji="0" lang="zh-CN" altLang="en-US" sz="3200" b="0" i="0" baseline="0">
               <a:ln>
                 <a:noFill/>
               </a:ln>
@@ -13844,7 +14352,7 @@
               <a:buNone/>
             </a:pPr>
             <a:r>
-              <a:rPr kumimoji="0" lang="zh-CN" altLang="en-US" sz="5000" b="0" i="0" u="none" strike="noStrike" cap="none" spc="0" normalizeH="0" baseline="0">
+              <a:rPr kumimoji="0" lang="zh-CN" altLang="en-US" sz="3200" b="0" i="0" baseline="0">
                 <a:ln>
                   <a:noFill/>
                 </a:ln>
@@ -13858,57 +14366,9 @@
                 <a:cs typeface="+mn-cs"/>
                 <a:sym typeface="Helvetica Light"/>
               </a:rPr>
-              <a:t>	u64 stackframe[2];</a:t>
-            </a:r>
-            <a:endParaRPr kumimoji="0" lang="zh-CN" altLang="en-US" sz="5000" b="0" i="0" u="none" strike="noStrike" cap="none" spc="0" normalizeH="0" baseline="0">
-              <a:ln>
-                <a:noFill/>
-              </a:ln>
-              <a:solidFill>
-                <a:srgbClr val="000000"/>
-              </a:solidFill>
-              <a:effectLst/>
-              <a:uFillTx/>
-              <a:latin typeface="+mn-lt"/>
-              <a:ea typeface="+mn-ea"/>
-              <a:cs typeface="+mn-cs"/>
-              <a:sym typeface="Helvetica Light"/>
-            </a:endParaRPr>
-          </a:p>
-          <a:p>
-            <a:pPr marL="0" marR="0" indent="0" algn="l" defTabSz="825500" rtl="0" fontAlgn="auto" latinLnBrk="0" hangingPunct="0">
-              <a:lnSpc>
-                <a:spcPct val="100000"/>
-              </a:lnSpc>
-              <a:spcBef>
-                <a:spcPts val="0"/>
-              </a:spcBef>
-              <a:spcAft>
-                <a:spcPts val="0"/>
-              </a:spcAft>
-              <a:buClrTx/>
-              <a:buSzTx/>
-              <a:buFontTx/>
-              <a:buNone/>
-            </a:pPr>
-            <a:r>
-              <a:rPr kumimoji="0" lang="zh-CN" altLang="en-US" sz="5000" b="0" i="0" u="none" strike="noStrike" cap="none" spc="0" normalizeH="0" baseline="0">
-                <a:ln>
-                  <a:noFill/>
-                </a:ln>
-                <a:solidFill>
-                  <a:srgbClr val="000000"/>
-                </a:solidFill>
-                <a:effectLst/>
-                <a:uFillTx/>
-                <a:latin typeface="+mn-lt"/>
-                <a:ea typeface="+mn-ea"/>
-                <a:cs typeface="+mn-cs"/>
-                <a:sym typeface="Helvetica Light"/>
-              </a:rPr>
               <a:t>};</a:t>
             </a:r>
-            <a:endParaRPr kumimoji="0" lang="zh-CN" altLang="en-US" sz="5000" b="0" i="0" u="none" strike="noStrike" cap="none" spc="0" normalizeH="0" baseline="0">
+            <a:endParaRPr kumimoji="0" lang="zh-CN" altLang="en-US" sz="3200" b="0" i="0" baseline="0">
               <a:ln>
                 <a:noFill/>
               </a:ln>
@@ -13983,6 +14443,9 @@
               </a:rPr>
               <a:t>ARM64 Linux系统调用的执行</a:t>
             </a:r>
+            <a:endParaRPr>
+              <a:sym typeface="+mn-ea"/>
+            </a:endParaRPr>
           </a:p>
         </p:txBody>
       </p:sp>
@@ -16863,7 +17326,7 @@
         <p:spPr>
           <a:xfrm>
             <a:off x="1174750" y="1022985"/>
-            <a:ext cx="7800975" cy="11864975"/>
+            <a:ext cx="8924925" cy="11864975"/>
           </a:xfrm>
           <a:prstGeom prst="rect">
             <a:avLst/>
@@ -16871,7 +17334,7 @@
         </p:spPr>
         <p:txBody>
           <a:bodyPr>
-            <a:normAutofit fontScale="80000"/>
+            <a:normAutofit fontScale="90000"/>
           </a:bodyPr>
           <a:lstStyle/>
           <a:p>
@@ -16897,8 +17360,8 @@
         </p:nvSpPr>
         <p:spPr>
           <a:xfrm>
-            <a:off x="9343073" y="-3222624"/>
-            <a:ext cx="14058265" cy="16722090"/>
+            <a:off x="11471593" y="89218"/>
+            <a:ext cx="11268710" cy="13397865"/>
           </a:xfrm>
           <a:prstGeom prst="rect">
             <a:avLst/>
@@ -16942,7 +17405,7 @@
               <a:buNone/>
             </a:pPr>
             <a:r>
-              <a:rPr kumimoji="0" lang="zh-CN" altLang="en-US" sz="4000" b="0" i="0" u="none" strike="noStrike" cap="none" spc="0" normalizeH="0" baseline="0">
+              <a:rPr kumimoji="0" lang="zh-CN" altLang="en-US" sz="3200" b="0" i="0" baseline="0">
                 <a:ln>
                   <a:noFill/>
                 </a:ln>
@@ -16958,7 +17421,7 @@
               </a:rPr>
               <a:t>/*</a:t>
             </a:r>
-            <a:endParaRPr kumimoji="0" lang="zh-CN" altLang="en-US" sz="4000" b="0" i="0" u="none" strike="noStrike" cap="none" spc="0" normalizeH="0" baseline="0">
+            <a:endParaRPr kumimoji="0" lang="zh-CN" altLang="en-US" sz="3200" b="0" i="0" baseline="0">
               <a:ln>
                 <a:noFill/>
               </a:ln>
@@ -16990,7 +17453,7 @@
               <a:buNone/>
             </a:pPr>
             <a:r>
-              <a:rPr kumimoji="0" lang="zh-CN" altLang="en-US" sz="4000" b="0" i="0" u="none" strike="noStrike" cap="none" spc="0" normalizeH="0" baseline="0">
+              <a:rPr kumimoji="0" lang="zh-CN" altLang="en-US" sz="3200" b="0" i="0" baseline="0">
                 <a:ln>
                   <a:noFill/>
                 </a:ln>
@@ -17006,7 +17469,7 @@
               </a:rPr>
               <a:t> * Ok, we need to do extra processing, enter the slow path.</a:t>
             </a:r>
-            <a:endParaRPr kumimoji="0" lang="zh-CN" altLang="en-US" sz="4000" b="0" i="0" u="none" strike="noStrike" cap="none" spc="0" normalizeH="0" baseline="0">
+            <a:endParaRPr kumimoji="0" lang="zh-CN" altLang="en-US" sz="3200" b="0" i="0" baseline="0">
               <a:ln>
                 <a:noFill/>
               </a:ln>
@@ -17038,7 +17501,7 @@
               <a:buNone/>
             </a:pPr>
             <a:r>
-              <a:rPr kumimoji="0" lang="zh-CN" altLang="en-US" sz="4000" b="0" i="0" u="none" strike="noStrike" cap="none" spc="0" normalizeH="0" baseline="0">
+              <a:rPr kumimoji="0" lang="zh-CN" altLang="en-US" sz="3200" b="0" i="0" baseline="0">
                 <a:ln>
                   <a:noFill/>
                 </a:ln>
@@ -17054,7 +17517,7 @@
               </a:rPr>
               <a:t> */</a:t>
             </a:r>
-            <a:endParaRPr kumimoji="0" lang="zh-CN" altLang="en-US" sz="4000" b="0" i="0" u="none" strike="noStrike" cap="none" spc="0" normalizeH="0" baseline="0">
+            <a:endParaRPr kumimoji="0" lang="zh-CN" altLang="en-US" sz="3200" b="0" i="0" baseline="0">
               <a:ln>
                 <a:noFill/>
               </a:ln>
@@ -17086,7 +17549,7 @@
               <a:buNone/>
             </a:pPr>
             <a:r>
-              <a:rPr kumimoji="0" lang="zh-CN" altLang="en-US" sz="4000" b="0" i="0" u="none" strike="noStrike" cap="none" spc="0" normalizeH="0" baseline="0">
+              <a:rPr kumimoji="0" lang="zh-CN" altLang="en-US" sz="3200" b="0" i="0" baseline="0">
                 <a:ln>
                   <a:noFill/>
                 </a:ln>
@@ -17102,7 +17565,7 @@
               </a:rPr>
               <a:t>work_pending:</a:t>
             </a:r>
-            <a:endParaRPr kumimoji="0" lang="zh-CN" altLang="en-US" sz="4000" b="0" i="0" u="none" strike="noStrike" cap="none" spc="0" normalizeH="0" baseline="0">
+            <a:endParaRPr kumimoji="0" lang="zh-CN" altLang="en-US" sz="3200" b="0" i="0" baseline="0">
               <a:ln>
                 <a:noFill/>
               </a:ln>
@@ -17134,7 +17597,7 @@
               <a:buNone/>
             </a:pPr>
             <a:r>
-              <a:rPr kumimoji="0" lang="zh-CN" altLang="en-US" sz="4000" b="0" i="0" u="none" strike="noStrike" cap="none" spc="0" normalizeH="0" baseline="0">
+              <a:rPr kumimoji="0" lang="zh-CN" altLang="en-US" sz="3200" b="0" i="0" baseline="0">
                 <a:ln>
                   <a:noFill/>
                 </a:ln>
@@ -17150,7 +17613,7 @@
               </a:rPr>
               <a:t>	mov	x0, sp				// 'regs'</a:t>
             </a:r>
-            <a:endParaRPr kumimoji="0" lang="zh-CN" altLang="en-US" sz="4000" b="0" i="0" u="none" strike="noStrike" cap="none" spc="0" normalizeH="0" baseline="0">
+            <a:endParaRPr kumimoji="0" lang="zh-CN" altLang="en-US" sz="3200" b="0" i="0" baseline="0">
               <a:ln>
                 <a:noFill/>
               </a:ln>
@@ -17182,7 +17645,7 @@
               <a:buNone/>
             </a:pPr>
             <a:r>
-              <a:rPr kumimoji="0" lang="zh-CN" altLang="en-US" sz="4000" b="0" i="0" u="none" strike="noStrike" cap="none" spc="0" normalizeH="0" baseline="0">
+              <a:rPr kumimoji="0" lang="zh-CN" altLang="en-US" sz="3200" b="0" i="0" baseline="0">
                 <a:ln>
                   <a:noFill/>
                 </a:ln>
@@ -17198,7 +17661,7 @@
               </a:rPr>
               <a:t>	bl	do_notify_resume</a:t>
             </a:r>
-            <a:endParaRPr kumimoji="0" lang="zh-CN" altLang="en-US" sz="4000" b="0" i="0" u="none" strike="noStrike" cap="none" spc="0" normalizeH="0" baseline="0">
+            <a:endParaRPr kumimoji="0" lang="zh-CN" altLang="en-US" sz="3200" b="0" i="0" baseline="0">
               <a:ln>
                 <a:noFill/>
               </a:ln>
@@ -17230,7 +17693,7 @@
               <a:buNone/>
             </a:pPr>
             <a:r>
-              <a:rPr kumimoji="0" lang="zh-CN" altLang="en-US" sz="4000" b="0" i="0" u="none" strike="noStrike" cap="none" spc="0" normalizeH="0" baseline="0">
+              <a:rPr kumimoji="0" lang="zh-CN" altLang="en-US" sz="3200" b="0" i="0" baseline="0">
                 <a:ln>
                   <a:noFill/>
                 </a:ln>
@@ -17246,7 +17709,7 @@
               </a:rPr>
               <a:t>#ifdef CONFIG_TRACE_IRQFLAGS</a:t>
             </a:r>
-            <a:endParaRPr kumimoji="0" lang="zh-CN" altLang="en-US" sz="4000" b="0" i="0" u="none" strike="noStrike" cap="none" spc="0" normalizeH="0" baseline="0">
+            <a:endParaRPr kumimoji="0" lang="zh-CN" altLang="en-US" sz="3200" b="0" i="0" baseline="0">
               <a:ln>
                 <a:noFill/>
               </a:ln>
@@ -17278,7 +17741,7 @@
               <a:buNone/>
             </a:pPr>
             <a:r>
-              <a:rPr kumimoji="0" lang="zh-CN" altLang="en-US" sz="4000" b="0" i="0" u="none" strike="noStrike" cap="none" spc="0" normalizeH="0" baseline="0">
+              <a:rPr kumimoji="0" lang="zh-CN" altLang="en-US" sz="3200" b="0" i="0" baseline="0">
                 <a:ln>
                   <a:noFill/>
                 </a:ln>
@@ -17294,7 +17757,7 @@
               </a:rPr>
               <a:t>	bl	trace_hardirqs_on		// enabled while in userspace</a:t>
             </a:r>
-            <a:endParaRPr kumimoji="0" lang="zh-CN" altLang="en-US" sz="4000" b="0" i="0" u="none" strike="noStrike" cap="none" spc="0" normalizeH="0" baseline="0">
+            <a:endParaRPr kumimoji="0" lang="zh-CN" altLang="en-US" sz="3200" b="0" i="0" baseline="0">
               <a:ln>
                 <a:noFill/>
               </a:ln>
@@ -17326,7 +17789,7 @@
               <a:buNone/>
             </a:pPr>
             <a:r>
-              <a:rPr kumimoji="0" lang="zh-CN" altLang="en-US" sz="4000" b="0" i="0" u="none" strike="noStrike" cap="none" spc="0" normalizeH="0" baseline="0">
+              <a:rPr kumimoji="0" lang="zh-CN" altLang="en-US" sz="3200" b="0" i="0" baseline="0">
                 <a:ln>
                   <a:noFill/>
                 </a:ln>
@@ -17342,7 +17805,7 @@
               </a:rPr>
               <a:t>#endif</a:t>
             </a:r>
-            <a:endParaRPr kumimoji="0" lang="zh-CN" altLang="en-US" sz="4000" b="0" i="0" u="none" strike="noStrike" cap="none" spc="0" normalizeH="0" baseline="0">
+            <a:endParaRPr kumimoji="0" lang="zh-CN" altLang="en-US" sz="3200" b="0" i="0" baseline="0">
               <a:ln>
                 <a:noFill/>
               </a:ln>
@@ -17374,7 +17837,7 @@
               <a:buNone/>
             </a:pPr>
             <a:r>
-              <a:rPr kumimoji="0" lang="zh-CN" altLang="en-US" sz="4000" b="0" i="0" u="none" strike="noStrike" cap="none" spc="0" normalizeH="0" baseline="0">
+              <a:rPr kumimoji="0" lang="zh-CN" altLang="en-US" sz="3200" b="0" i="0" baseline="0">
                 <a:ln>
                   <a:noFill/>
                 </a:ln>
@@ -17390,7 +17853,7 @@
               </a:rPr>
               <a:t>	ldr	x1, [tsk, #TSK_TI_FLAGS]	// re-check for single-step</a:t>
             </a:r>
-            <a:endParaRPr kumimoji="0" lang="zh-CN" altLang="en-US" sz="4000" b="0" i="0" u="none" strike="noStrike" cap="none" spc="0" normalizeH="0" baseline="0">
+            <a:endParaRPr kumimoji="0" lang="zh-CN" altLang="en-US" sz="3200" b="0" i="0" baseline="0">
               <a:ln>
                 <a:noFill/>
               </a:ln>
@@ -17422,7 +17885,7 @@
               <a:buNone/>
             </a:pPr>
             <a:r>
-              <a:rPr kumimoji="0" lang="zh-CN" altLang="en-US" sz="4000" b="0" i="0" u="none" strike="noStrike" cap="none" spc="0" normalizeH="0" baseline="0">
+              <a:rPr kumimoji="0" lang="zh-CN" altLang="en-US" sz="3200" b="0" i="0" baseline="0">
                 <a:ln>
                   <a:noFill/>
                 </a:ln>
@@ -17438,7 +17901,7 @@
               </a:rPr>
               <a:t>	b	finish_ret_to_user</a:t>
             </a:r>
-            <a:endParaRPr kumimoji="0" lang="zh-CN" altLang="en-US" sz="4000" b="0" i="0" u="none" strike="noStrike" cap="none" spc="0" normalizeH="0" baseline="0">
+            <a:endParaRPr kumimoji="0" lang="zh-CN" altLang="en-US" sz="3200" b="0" i="0" baseline="0">
               <a:ln>
                 <a:noFill/>
               </a:ln>
@@ -17470,7 +17933,7 @@
               <a:buNone/>
             </a:pPr>
             <a:r>
-              <a:rPr kumimoji="0" lang="zh-CN" altLang="en-US" sz="4000" b="0" i="0" u="none" strike="noStrike" cap="none" spc="0" normalizeH="0" baseline="0">
+              <a:rPr kumimoji="0" lang="zh-CN" altLang="en-US" sz="3200" b="0" i="0" baseline="0">
                 <a:ln>
                   <a:noFill/>
                 </a:ln>
@@ -17486,7 +17949,7 @@
               </a:rPr>
               <a:t>/*</a:t>
             </a:r>
-            <a:endParaRPr kumimoji="0" lang="zh-CN" altLang="en-US" sz="4000" b="0" i="0" u="none" strike="noStrike" cap="none" spc="0" normalizeH="0" baseline="0">
+            <a:endParaRPr kumimoji="0" lang="zh-CN" altLang="en-US" sz="3200" b="0" i="0" baseline="0">
               <a:ln>
                 <a:noFill/>
               </a:ln>
@@ -17518,7 +17981,7 @@
               <a:buNone/>
             </a:pPr>
             <a:r>
-              <a:rPr kumimoji="0" lang="zh-CN" altLang="en-US" sz="4000" b="0" i="0" u="none" strike="noStrike" cap="none" spc="0" normalizeH="0" baseline="0">
+              <a:rPr kumimoji="0" lang="zh-CN" altLang="en-US" sz="3200" b="0" i="0" baseline="0">
                 <a:ln>
                   <a:noFill/>
                 </a:ln>
@@ -17534,7 +17997,7 @@
               </a:rPr>
               <a:t> * "slow" syscall return path.</a:t>
             </a:r>
-            <a:endParaRPr kumimoji="0" lang="zh-CN" altLang="en-US" sz="4000" b="0" i="0" u="none" strike="noStrike" cap="none" spc="0" normalizeH="0" baseline="0">
+            <a:endParaRPr kumimoji="0" lang="zh-CN" altLang="en-US" sz="3200" b="0" i="0" baseline="0">
               <a:ln>
                 <a:noFill/>
               </a:ln>
@@ -17566,7 +18029,7 @@
               <a:buNone/>
             </a:pPr>
             <a:r>
-              <a:rPr kumimoji="0" lang="zh-CN" altLang="en-US" sz="4000" b="0" i="0" u="none" strike="noStrike" cap="none" spc="0" normalizeH="0" baseline="0">
+              <a:rPr kumimoji="0" lang="zh-CN" altLang="en-US" sz="3200" b="0" i="0" baseline="0">
                 <a:ln>
                   <a:noFill/>
                 </a:ln>
@@ -17582,7 +18045,7 @@
               </a:rPr>
               <a:t> */</a:t>
             </a:r>
-            <a:endParaRPr kumimoji="0" lang="zh-CN" altLang="en-US" sz="4000" b="0" i="0" u="none" strike="noStrike" cap="none" spc="0" normalizeH="0" baseline="0">
+            <a:endParaRPr kumimoji="0" lang="zh-CN" altLang="en-US" sz="3200" b="0" i="0" baseline="0">
               <a:ln>
                 <a:noFill/>
               </a:ln>
@@ -17614,7 +18077,7 @@
               <a:buNone/>
             </a:pPr>
             <a:r>
-              <a:rPr kumimoji="0" lang="zh-CN" altLang="en-US" sz="4000" b="0" i="0" u="none" strike="noStrike" cap="none" spc="0" normalizeH="0" baseline="0">
+              <a:rPr kumimoji="0" lang="zh-CN" altLang="en-US" sz="3200" b="0" i="0" baseline="0">
                 <a:ln>
                   <a:noFill/>
                 </a:ln>
@@ -17630,7 +18093,7 @@
               </a:rPr>
               <a:t>ret_to_user:</a:t>
             </a:r>
-            <a:endParaRPr kumimoji="0" lang="zh-CN" altLang="en-US" sz="4000" b="0" i="0" u="none" strike="noStrike" cap="none" spc="0" normalizeH="0" baseline="0">
+            <a:endParaRPr kumimoji="0" lang="zh-CN" altLang="en-US" sz="3200" b="0" i="0" baseline="0">
               <a:ln>
                 <a:noFill/>
               </a:ln>
@@ -17662,7 +18125,7 @@
               <a:buNone/>
             </a:pPr>
             <a:r>
-              <a:rPr kumimoji="0" lang="zh-CN" altLang="en-US" sz="4000" b="0" i="0" u="none" strike="noStrike" cap="none" spc="0" normalizeH="0" baseline="0">
+              <a:rPr kumimoji="0" lang="zh-CN" altLang="en-US" sz="3200" b="0" i="0" baseline="0">
                 <a:ln>
                   <a:noFill/>
                 </a:ln>
@@ -17678,7 +18141,7 @@
               </a:rPr>
               <a:t>	disable_daif</a:t>
             </a:r>
-            <a:endParaRPr kumimoji="0" lang="zh-CN" altLang="en-US" sz="4000" b="0" i="0" u="none" strike="noStrike" cap="none" spc="0" normalizeH="0" baseline="0">
+            <a:endParaRPr kumimoji="0" lang="zh-CN" altLang="en-US" sz="3200" b="0" i="0" baseline="0">
               <a:ln>
                 <a:noFill/>
               </a:ln>
@@ -17710,7 +18173,7 @@
               <a:buNone/>
             </a:pPr>
             <a:r>
-              <a:rPr kumimoji="0" lang="zh-CN" altLang="en-US" sz="4000" b="0" i="0" u="none" strike="noStrike" cap="none" spc="0" normalizeH="0" baseline="0">
+              <a:rPr kumimoji="0" lang="zh-CN" altLang="en-US" sz="3200" b="0" i="0" baseline="0">
                 <a:ln>
                   <a:noFill/>
                 </a:ln>
@@ -17726,7 +18189,7 @@
               </a:rPr>
               <a:t>	gic_prio_kentry_setup tmp=x3</a:t>
             </a:r>
-            <a:endParaRPr kumimoji="0" lang="zh-CN" altLang="en-US" sz="4000" b="0" i="0" u="none" strike="noStrike" cap="none" spc="0" normalizeH="0" baseline="0">
+            <a:endParaRPr kumimoji="0" lang="zh-CN" altLang="en-US" sz="3200" b="0" i="0" baseline="0">
               <a:ln>
                 <a:noFill/>
               </a:ln>
@@ -17758,7 +18221,7 @@
               <a:buNone/>
             </a:pPr>
             <a:r>
-              <a:rPr kumimoji="0" lang="zh-CN" altLang="en-US" sz="4000" b="0" i="0" u="none" strike="noStrike" cap="none" spc="0" normalizeH="0" baseline="0">
+              <a:rPr kumimoji="0" lang="zh-CN" altLang="en-US" sz="3200" b="0" i="0" baseline="0">
                 <a:ln>
                   <a:noFill/>
                 </a:ln>
@@ -17774,7 +18237,7 @@
               </a:rPr>
               <a:t>	ldr	x1, [tsk, #TSK_TI_FLAGS]</a:t>
             </a:r>
-            <a:endParaRPr kumimoji="0" lang="zh-CN" altLang="en-US" sz="4000" b="0" i="0" u="none" strike="noStrike" cap="none" spc="0" normalizeH="0" baseline="0">
+            <a:endParaRPr kumimoji="0" lang="zh-CN" altLang="en-US" sz="3200" b="0" i="0" baseline="0">
               <a:ln>
                 <a:noFill/>
               </a:ln>
@@ -17806,7 +18269,7 @@
               <a:buNone/>
             </a:pPr>
             <a:r>
-              <a:rPr kumimoji="0" lang="zh-CN" altLang="en-US" sz="4000" b="0" i="0" u="none" strike="noStrike" cap="none" spc="0" normalizeH="0" baseline="0">
+              <a:rPr kumimoji="0" lang="zh-CN" altLang="en-US" sz="3200" b="0" i="0" baseline="0">
                 <a:ln>
                   <a:noFill/>
                 </a:ln>
@@ -17822,7 +18285,7 @@
               </a:rPr>
               <a:t>	and	x2, x1, #_TIF_WORK_MASK</a:t>
             </a:r>
-            <a:endParaRPr kumimoji="0" lang="zh-CN" altLang="en-US" sz="4000" b="0" i="0" u="none" strike="noStrike" cap="none" spc="0" normalizeH="0" baseline="0">
+            <a:endParaRPr kumimoji="0" lang="zh-CN" altLang="en-US" sz="3200" b="0" i="0" baseline="0">
               <a:ln>
                 <a:noFill/>
               </a:ln>
@@ -17854,7 +18317,7 @@
               <a:buNone/>
             </a:pPr>
             <a:r>
-              <a:rPr kumimoji="0" lang="zh-CN" altLang="en-US" sz="4000" b="0" i="0" u="none" strike="noStrike" cap="none" spc="0" normalizeH="0" baseline="0">
+              <a:rPr kumimoji="0" lang="zh-CN" altLang="en-US" sz="3200" b="0" i="0" baseline="0">
                 <a:ln>
                   <a:noFill/>
                 </a:ln>
@@ -17870,7 +18333,7 @@
               </a:rPr>
               <a:t>	cbnz	x2, work_pending</a:t>
             </a:r>
-            <a:endParaRPr kumimoji="0" lang="zh-CN" altLang="en-US" sz="4000" b="0" i="0" u="none" strike="noStrike" cap="none" spc="0" normalizeH="0" baseline="0">
+            <a:endParaRPr kumimoji="0" lang="zh-CN" altLang="en-US" sz="3200" b="0" i="0" baseline="0">
               <a:ln>
                 <a:noFill/>
               </a:ln>
@@ -17902,7 +18365,7 @@
               <a:buNone/>
             </a:pPr>
             <a:r>
-              <a:rPr kumimoji="0" lang="zh-CN" altLang="en-US" sz="4000" b="0" i="0" u="none" strike="noStrike" cap="none" spc="0" normalizeH="0" baseline="0">
+              <a:rPr kumimoji="0" lang="zh-CN" altLang="en-US" sz="3200" b="0" i="0" baseline="0">
                 <a:ln>
                   <a:noFill/>
                 </a:ln>
@@ -17918,7 +18381,7 @@
               </a:rPr>
               <a:t>finish_ret_to_user:</a:t>
             </a:r>
-            <a:endParaRPr kumimoji="0" lang="zh-CN" altLang="en-US" sz="4000" b="0" i="0" u="none" strike="noStrike" cap="none" spc="0" normalizeH="0" baseline="0">
+            <a:endParaRPr kumimoji="0" lang="zh-CN" altLang="en-US" sz="3200" b="0" i="0" baseline="0">
               <a:ln>
                 <a:noFill/>
               </a:ln>
@@ -17950,7 +18413,7 @@
               <a:buNone/>
             </a:pPr>
             <a:r>
-              <a:rPr kumimoji="0" lang="zh-CN" altLang="en-US" sz="4000" b="0" i="0" u="none" strike="noStrike" cap="none" spc="0" normalizeH="0" baseline="0">
+              <a:rPr kumimoji="0" lang="zh-CN" altLang="en-US" sz="3200" b="0" i="0" baseline="0">
                 <a:ln>
                   <a:noFill/>
                 </a:ln>
@@ -17966,7 +18429,7 @@
               </a:rPr>
               <a:t>	enable_step_tsk x1, x2</a:t>
             </a:r>
-            <a:endParaRPr kumimoji="0" lang="zh-CN" altLang="en-US" sz="4000" b="0" i="0" u="none" strike="noStrike" cap="none" spc="0" normalizeH="0" baseline="0">
+            <a:endParaRPr kumimoji="0" lang="zh-CN" altLang="en-US" sz="3200" b="0" i="0" baseline="0">
               <a:ln>
                 <a:noFill/>
               </a:ln>
@@ -17998,7 +18461,7 @@
               <a:buNone/>
             </a:pPr>
             <a:r>
-              <a:rPr kumimoji="0" lang="zh-CN" altLang="en-US" sz="4000" b="0" i="0" u="none" strike="noStrike" cap="none" spc="0" normalizeH="0" baseline="0">
+              <a:rPr kumimoji="0" lang="zh-CN" altLang="en-US" sz="3200" b="0" i="0" baseline="0">
                 <a:ln>
                   <a:noFill/>
                 </a:ln>
@@ -18014,7 +18477,7 @@
               </a:rPr>
               <a:t>#ifdef CONFIG_GCC_PLUGIN_STACKLEAK</a:t>
             </a:r>
-            <a:endParaRPr kumimoji="0" lang="zh-CN" altLang="en-US" sz="4000" b="0" i="0" u="none" strike="noStrike" cap="none" spc="0" normalizeH="0" baseline="0">
+            <a:endParaRPr kumimoji="0" lang="zh-CN" altLang="en-US" sz="3200" b="0" i="0" baseline="0">
               <a:ln>
                 <a:noFill/>
               </a:ln>
@@ -18046,7 +18509,7 @@
               <a:buNone/>
             </a:pPr>
             <a:r>
-              <a:rPr kumimoji="0" lang="zh-CN" altLang="en-US" sz="4000" b="0" i="0" u="none" strike="noStrike" cap="none" spc="0" normalizeH="0" baseline="0">
+              <a:rPr kumimoji="0" lang="zh-CN" altLang="en-US" sz="3200" b="0" i="0" baseline="0">
                 <a:ln>
                   <a:noFill/>
                 </a:ln>
@@ -18062,7 +18525,7 @@
               </a:rPr>
               <a:t>	bl	stackleak_erase</a:t>
             </a:r>
-            <a:endParaRPr kumimoji="0" lang="zh-CN" altLang="en-US" sz="4000" b="0" i="0" u="none" strike="noStrike" cap="none" spc="0" normalizeH="0" baseline="0">
+            <a:endParaRPr kumimoji="0" lang="zh-CN" altLang="en-US" sz="3200" b="0" i="0" baseline="0">
               <a:ln>
                 <a:noFill/>
               </a:ln>
@@ -18094,7 +18557,7 @@
               <a:buNone/>
             </a:pPr>
             <a:r>
-              <a:rPr kumimoji="0" lang="zh-CN" altLang="en-US" sz="4000" b="0" i="0" u="none" strike="noStrike" cap="none" spc="0" normalizeH="0" baseline="0">
+              <a:rPr kumimoji="0" lang="zh-CN" altLang="en-US" sz="3200" b="0" i="0" baseline="0">
                 <a:ln>
                   <a:noFill/>
                 </a:ln>
@@ -18110,7 +18573,7 @@
               </a:rPr>
               <a:t>#endif</a:t>
             </a:r>
-            <a:endParaRPr kumimoji="0" lang="zh-CN" altLang="en-US" sz="4000" b="0" i="0" u="none" strike="noStrike" cap="none" spc="0" normalizeH="0" baseline="0">
+            <a:endParaRPr kumimoji="0" lang="zh-CN" altLang="en-US" sz="3200" b="0" i="0" baseline="0">
               <a:ln>
                 <a:noFill/>
               </a:ln>
@@ -18142,7 +18605,7 @@
               <a:buNone/>
             </a:pPr>
             <a:r>
-              <a:rPr kumimoji="0" lang="zh-CN" altLang="en-US" sz="4000" b="0" i="0" u="none" strike="noStrike" cap="none" spc="0" normalizeH="0" baseline="0">
+              <a:rPr kumimoji="0" lang="zh-CN" altLang="en-US" sz="3200" b="0" i="0" baseline="0">
                 <a:ln>
                   <a:noFill/>
                 </a:ln>
@@ -18158,7 +18621,7 @@
               </a:rPr>
               <a:t>	kernel_exit 0</a:t>
             </a:r>
-            <a:endParaRPr kumimoji="0" lang="zh-CN" altLang="en-US" sz="4000" b="0" i="0" u="none" strike="noStrike" cap="none" spc="0" normalizeH="0" baseline="0">
+            <a:endParaRPr kumimoji="0" lang="zh-CN" altLang="en-US" sz="3200" b="0" i="0" baseline="0">
               <a:ln>
                 <a:noFill/>
               </a:ln>
@@ -18190,7 +18653,7 @@
               <a:buNone/>
             </a:pPr>
             <a:r>
-              <a:rPr kumimoji="0" lang="zh-CN" altLang="en-US" sz="4000" b="0" i="0" u="none" strike="noStrike" cap="none" spc="0" normalizeH="0" baseline="0">
+              <a:rPr kumimoji="0" lang="zh-CN" altLang="en-US" sz="3200" b="0" i="0" baseline="0">
                 <a:ln>
                   <a:noFill/>
                 </a:ln>
@@ -18206,7 +18669,7 @@
               </a:rPr>
               <a:t>ENDPROC(ret_to_user)</a:t>
             </a:r>
-            <a:endParaRPr kumimoji="0" lang="zh-CN" altLang="en-US" sz="4000" b="0" i="0" u="none" strike="noStrike" cap="none" spc="0" normalizeH="0" baseline="0">
+            <a:endParaRPr kumimoji="0" lang="zh-CN" altLang="en-US" sz="3200" b="0" i="0" baseline="0">
               <a:ln>
                 <a:noFill/>
               </a:ln>
@@ -20231,7 +20694,7 @@
         <p:spPr>
           <a:xfrm>
             <a:off x="1652905" y="4625975"/>
-            <a:ext cx="22731095" cy="12412980"/>
+            <a:ext cx="22731095" cy="7980680"/>
           </a:xfrm>
           <a:prstGeom prst="rect">
             <a:avLst/>
@@ -20275,390 +20738,510 @@
               <a:buNone/>
             </a:pPr>
             <a:r>
-              <a:rPr lang="zh-CN" altLang="en-US">
+              <a:rPr lang="zh-CN" altLang="en-US" sz="3200">
+                <a:solidFill>
+                  <a:srgbClr val="000000"/>
+                </a:solidFill>
+                <a:uFillTx/>
                 <a:sym typeface="Helvetica Light"/>
               </a:rPr>
               <a:t>static void invoke_syscall(struct pt_regs *regs, unsigned int scno,</a:t>
             </a:r>
-            <a:endParaRPr lang="zh-CN" altLang="en-US">
-              <a:sym typeface="Helvetica Light"/>
-            </a:endParaRPr>
-          </a:p>
-          <a:p>
-            <a:pPr marL="0" marR="0" indent="0" algn="l" defTabSz="825500" rtl="0" fontAlgn="auto" latinLnBrk="0" hangingPunct="0">
-              <a:lnSpc>
-                <a:spcPct val="100000"/>
-              </a:lnSpc>
-              <a:spcBef>
-                <a:spcPts val="0"/>
-              </a:spcBef>
-              <a:spcAft>
-                <a:spcPts val="0"/>
-              </a:spcAft>
-              <a:buClrTx/>
-              <a:buSzTx/>
-              <a:buFontTx/>
-              <a:buNone/>
-            </a:pPr>
-            <a:r>
-              <a:rPr lang="zh-CN" altLang="en-US">
+            <a:endParaRPr lang="zh-CN" altLang="en-US" sz="3200">
+              <a:solidFill>
+                <a:srgbClr val="000000"/>
+              </a:solidFill>
+              <a:uFillTx/>
+              <a:sym typeface="Helvetica Light"/>
+            </a:endParaRPr>
+          </a:p>
+          <a:p>
+            <a:pPr marL="0" marR="0" indent="0" algn="l" defTabSz="825500" rtl="0" fontAlgn="auto" latinLnBrk="0" hangingPunct="0">
+              <a:lnSpc>
+                <a:spcPct val="100000"/>
+              </a:lnSpc>
+              <a:spcBef>
+                <a:spcPts val="0"/>
+              </a:spcBef>
+              <a:spcAft>
+                <a:spcPts val="0"/>
+              </a:spcAft>
+              <a:buClrTx/>
+              <a:buSzTx/>
+              <a:buFontTx/>
+              <a:buNone/>
+            </a:pPr>
+            <a:r>
+              <a:rPr lang="zh-CN" altLang="en-US" sz="3200">
+                <a:solidFill>
+                  <a:srgbClr val="000000"/>
+                </a:solidFill>
+                <a:uFillTx/>
                 <a:sym typeface="Helvetica Light"/>
               </a:rPr>
               <a:t>			   unsigned int sc_nr,</a:t>
             </a:r>
-            <a:endParaRPr lang="zh-CN" altLang="en-US">
-              <a:sym typeface="Helvetica Light"/>
-            </a:endParaRPr>
-          </a:p>
-          <a:p>
-            <a:pPr marL="0" marR="0" indent="0" algn="l" defTabSz="825500" rtl="0" fontAlgn="auto" latinLnBrk="0" hangingPunct="0">
-              <a:lnSpc>
-                <a:spcPct val="100000"/>
-              </a:lnSpc>
-              <a:spcBef>
-                <a:spcPts val="0"/>
-              </a:spcBef>
-              <a:spcAft>
-                <a:spcPts val="0"/>
-              </a:spcAft>
-              <a:buClrTx/>
-              <a:buSzTx/>
-              <a:buFontTx/>
-              <a:buNone/>
-            </a:pPr>
-            <a:r>
-              <a:rPr lang="zh-CN" altLang="en-US">
+            <a:endParaRPr lang="zh-CN" altLang="en-US" sz="3200">
+              <a:solidFill>
+                <a:srgbClr val="000000"/>
+              </a:solidFill>
+              <a:uFillTx/>
+              <a:sym typeface="Helvetica Light"/>
+            </a:endParaRPr>
+          </a:p>
+          <a:p>
+            <a:pPr marL="0" marR="0" indent="0" algn="l" defTabSz="825500" rtl="0" fontAlgn="auto" latinLnBrk="0" hangingPunct="0">
+              <a:lnSpc>
+                <a:spcPct val="100000"/>
+              </a:lnSpc>
+              <a:spcBef>
+                <a:spcPts val="0"/>
+              </a:spcBef>
+              <a:spcAft>
+                <a:spcPts val="0"/>
+              </a:spcAft>
+              <a:buClrTx/>
+              <a:buSzTx/>
+              <a:buFontTx/>
+              <a:buNone/>
+            </a:pPr>
+            <a:r>
+              <a:rPr lang="zh-CN" altLang="en-US" sz="3200">
+                <a:solidFill>
+                  <a:srgbClr val="000000"/>
+                </a:solidFill>
+                <a:uFillTx/>
                 <a:sym typeface="Helvetica Light"/>
               </a:rPr>
               <a:t>			   const syscall_fn_t syscall_table[])</a:t>
             </a:r>
-            <a:endParaRPr lang="zh-CN" altLang="en-US">
-              <a:sym typeface="Helvetica Light"/>
-            </a:endParaRPr>
-          </a:p>
-          <a:p>
-            <a:pPr marL="0" marR="0" indent="0" algn="l" defTabSz="825500" rtl="0" fontAlgn="auto" latinLnBrk="0" hangingPunct="0">
-              <a:lnSpc>
-                <a:spcPct val="100000"/>
-              </a:lnSpc>
-              <a:spcBef>
-                <a:spcPts val="0"/>
-              </a:spcBef>
-              <a:spcAft>
-                <a:spcPts val="0"/>
-              </a:spcAft>
-              <a:buClrTx/>
-              <a:buSzTx/>
-              <a:buFontTx/>
-              <a:buNone/>
-            </a:pPr>
-            <a:r>
-              <a:rPr lang="zh-CN" altLang="en-US">
+            <a:endParaRPr lang="zh-CN" altLang="en-US" sz="3200">
+              <a:solidFill>
+                <a:srgbClr val="000000"/>
+              </a:solidFill>
+              <a:uFillTx/>
+              <a:sym typeface="Helvetica Light"/>
+            </a:endParaRPr>
+          </a:p>
+          <a:p>
+            <a:pPr marL="0" marR="0" indent="0" algn="l" defTabSz="825500" rtl="0" fontAlgn="auto" latinLnBrk="0" hangingPunct="0">
+              <a:lnSpc>
+                <a:spcPct val="100000"/>
+              </a:lnSpc>
+              <a:spcBef>
+                <a:spcPts val="0"/>
+              </a:spcBef>
+              <a:spcAft>
+                <a:spcPts val="0"/>
+              </a:spcAft>
+              <a:buClrTx/>
+              <a:buSzTx/>
+              <a:buFontTx/>
+              <a:buNone/>
+            </a:pPr>
+            <a:r>
+              <a:rPr lang="zh-CN" altLang="en-US" sz="3200">
+                <a:solidFill>
+                  <a:srgbClr val="000000"/>
+                </a:solidFill>
+                <a:uFillTx/>
                 <a:sym typeface="Helvetica Light"/>
               </a:rPr>
               <a:t>{</a:t>
             </a:r>
-            <a:endParaRPr lang="zh-CN" altLang="en-US">
-              <a:sym typeface="Helvetica Light"/>
-            </a:endParaRPr>
-          </a:p>
-          <a:p>
-            <a:pPr marL="0" marR="0" indent="0" algn="l" defTabSz="825500" rtl="0" fontAlgn="auto" latinLnBrk="0" hangingPunct="0">
-              <a:lnSpc>
-                <a:spcPct val="100000"/>
-              </a:lnSpc>
-              <a:spcBef>
-                <a:spcPts val="0"/>
-              </a:spcBef>
-              <a:spcAft>
-                <a:spcPts val="0"/>
-              </a:spcAft>
-              <a:buClrTx/>
-              <a:buSzTx/>
-              <a:buFontTx/>
-              <a:buNone/>
-            </a:pPr>
-            <a:r>
-              <a:rPr lang="zh-CN" altLang="en-US">
+            <a:endParaRPr lang="zh-CN" altLang="en-US" sz="3200">
+              <a:solidFill>
+                <a:srgbClr val="000000"/>
+              </a:solidFill>
+              <a:uFillTx/>
+              <a:sym typeface="Helvetica Light"/>
+            </a:endParaRPr>
+          </a:p>
+          <a:p>
+            <a:pPr marL="0" marR="0" indent="0" algn="l" defTabSz="825500" rtl="0" fontAlgn="auto" latinLnBrk="0" hangingPunct="0">
+              <a:lnSpc>
+                <a:spcPct val="100000"/>
+              </a:lnSpc>
+              <a:spcBef>
+                <a:spcPts val="0"/>
+              </a:spcBef>
+              <a:spcAft>
+                <a:spcPts val="0"/>
+              </a:spcAft>
+              <a:buClrTx/>
+              <a:buSzTx/>
+              <a:buFontTx/>
+              <a:buNone/>
+            </a:pPr>
+            <a:r>
+              <a:rPr lang="zh-CN" altLang="en-US" sz="3200">
+                <a:solidFill>
+                  <a:srgbClr val="000000"/>
+                </a:solidFill>
+                <a:uFillTx/>
                 <a:sym typeface="Helvetica Light"/>
               </a:rPr>
               <a:t>	long ret;</a:t>
             </a:r>
-            <a:endParaRPr lang="zh-CN" altLang="en-US">
-              <a:sym typeface="Helvetica Light"/>
-            </a:endParaRPr>
-          </a:p>
-          <a:p>
-            <a:pPr marL="0" marR="0" indent="0" algn="l" defTabSz="825500" rtl="0" fontAlgn="auto" latinLnBrk="0" hangingPunct="0">
-              <a:lnSpc>
-                <a:spcPct val="100000"/>
-              </a:lnSpc>
-              <a:spcBef>
-                <a:spcPts val="0"/>
-              </a:spcBef>
-              <a:spcAft>
-                <a:spcPts val="0"/>
-              </a:spcAft>
-              <a:buClrTx/>
-              <a:buSzTx/>
-              <a:buFontTx/>
-              <a:buNone/>
-            </a:pPr>
-            <a:endParaRPr lang="zh-CN" altLang="en-US">
-              <a:sym typeface="Helvetica Light"/>
-            </a:endParaRPr>
-          </a:p>
-          <a:p>
-            <a:pPr marL="0" marR="0" indent="0" algn="l" defTabSz="825500" rtl="0" fontAlgn="auto" latinLnBrk="0" hangingPunct="0">
-              <a:lnSpc>
-                <a:spcPct val="100000"/>
-              </a:lnSpc>
-              <a:spcBef>
-                <a:spcPts val="0"/>
-              </a:spcBef>
-              <a:spcAft>
-                <a:spcPts val="0"/>
-              </a:spcAft>
-              <a:buClrTx/>
-              <a:buSzTx/>
-              <a:buFontTx/>
-              <a:buNone/>
-            </a:pPr>
-            <a:r>
-              <a:rPr lang="zh-CN" altLang="en-US">
+            <a:endParaRPr lang="zh-CN" altLang="en-US" sz="3200">
+              <a:solidFill>
+                <a:srgbClr val="000000"/>
+              </a:solidFill>
+              <a:uFillTx/>
+              <a:sym typeface="Helvetica Light"/>
+            </a:endParaRPr>
+          </a:p>
+          <a:p>
+            <a:pPr marL="0" marR="0" indent="0" algn="l" defTabSz="825500" rtl="0" fontAlgn="auto" latinLnBrk="0" hangingPunct="0">
+              <a:lnSpc>
+                <a:spcPct val="100000"/>
+              </a:lnSpc>
+              <a:spcBef>
+                <a:spcPts val="0"/>
+              </a:spcBef>
+              <a:spcAft>
+                <a:spcPts val="0"/>
+              </a:spcAft>
+              <a:buClrTx/>
+              <a:buSzTx/>
+              <a:buFontTx/>
+              <a:buNone/>
+            </a:pPr>
+            <a:endParaRPr lang="zh-CN" altLang="en-US" sz="3200">
+              <a:solidFill>
+                <a:srgbClr val="000000"/>
+              </a:solidFill>
+              <a:uFillTx/>
+              <a:sym typeface="Helvetica Light"/>
+            </a:endParaRPr>
+          </a:p>
+          <a:p>
+            <a:pPr marL="0" marR="0" indent="0" algn="l" defTabSz="825500" rtl="0" fontAlgn="auto" latinLnBrk="0" hangingPunct="0">
+              <a:lnSpc>
+                <a:spcPct val="100000"/>
+              </a:lnSpc>
+              <a:spcBef>
+                <a:spcPts val="0"/>
+              </a:spcBef>
+              <a:spcAft>
+                <a:spcPts val="0"/>
+              </a:spcAft>
+              <a:buClrTx/>
+              <a:buSzTx/>
+              <a:buFontTx/>
+              <a:buNone/>
+            </a:pPr>
+            <a:r>
+              <a:rPr lang="zh-CN" altLang="en-US" sz="3200">
+                <a:solidFill>
+                  <a:srgbClr val="000000"/>
+                </a:solidFill>
+                <a:uFillTx/>
                 <a:sym typeface="Helvetica Light"/>
               </a:rPr>
               <a:t>	if (scno &lt; sc_nr) {</a:t>
             </a:r>
-            <a:endParaRPr lang="zh-CN" altLang="en-US">
-              <a:sym typeface="Helvetica Light"/>
-            </a:endParaRPr>
-          </a:p>
-          <a:p>
-            <a:pPr marL="0" marR="0" indent="0" algn="l" defTabSz="825500" rtl="0" fontAlgn="auto" latinLnBrk="0" hangingPunct="0">
-              <a:lnSpc>
-                <a:spcPct val="100000"/>
-              </a:lnSpc>
-              <a:spcBef>
-                <a:spcPts val="0"/>
-              </a:spcBef>
-              <a:spcAft>
-                <a:spcPts val="0"/>
-              </a:spcAft>
-              <a:buClrTx/>
-              <a:buSzTx/>
-              <a:buFontTx/>
-              <a:buNone/>
-            </a:pPr>
-            <a:r>
-              <a:rPr lang="zh-CN" altLang="en-US">
+            <a:endParaRPr lang="zh-CN" altLang="en-US" sz="3200">
+              <a:solidFill>
+                <a:srgbClr val="000000"/>
+              </a:solidFill>
+              <a:uFillTx/>
+              <a:sym typeface="Helvetica Light"/>
+            </a:endParaRPr>
+          </a:p>
+          <a:p>
+            <a:pPr marL="0" marR="0" indent="0" algn="l" defTabSz="825500" rtl="0" fontAlgn="auto" latinLnBrk="0" hangingPunct="0">
+              <a:lnSpc>
+                <a:spcPct val="100000"/>
+              </a:lnSpc>
+              <a:spcBef>
+                <a:spcPts val="0"/>
+              </a:spcBef>
+              <a:spcAft>
+                <a:spcPts val="0"/>
+              </a:spcAft>
+              <a:buClrTx/>
+              <a:buSzTx/>
+              <a:buFontTx/>
+              <a:buNone/>
+            </a:pPr>
+            <a:r>
+              <a:rPr lang="zh-CN" altLang="en-US" sz="3200">
+                <a:solidFill>
+                  <a:srgbClr val="000000"/>
+                </a:solidFill>
+                <a:uFillTx/>
                 <a:sym typeface="Helvetica Light"/>
               </a:rPr>
               <a:t>		syscall_fn_t syscall_fn;</a:t>
             </a:r>
-            <a:endParaRPr lang="zh-CN" altLang="en-US">
-              <a:sym typeface="Helvetica Light"/>
-            </a:endParaRPr>
-          </a:p>
-          <a:p>
-            <a:pPr marL="0" marR="0" indent="0" algn="l" defTabSz="825500" rtl="0" fontAlgn="auto" latinLnBrk="0" hangingPunct="0">
-              <a:lnSpc>
-                <a:spcPct val="100000"/>
-              </a:lnSpc>
-              <a:spcBef>
-                <a:spcPts val="0"/>
-              </a:spcBef>
-              <a:spcAft>
-                <a:spcPts val="0"/>
-              </a:spcAft>
-              <a:buClrTx/>
-              <a:buSzTx/>
-              <a:buFontTx/>
-              <a:buNone/>
-            </a:pPr>
-            <a:r>
-              <a:rPr lang="zh-CN" altLang="en-US">
+            <a:endParaRPr lang="zh-CN" altLang="en-US" sz="3200">
+              <a:solidFill>
+                <a:srgbClr val="000000"/>
+              </a:solidFill>
+              <a:uFillTx/>
+              <a:sym typeface="Helvetica Light"/>
+            </a:endParaRPr>
+          </a:p>
+          <a:p>
+            <a:pPr marL="0" marR="0" indent="0" algn="l" defTabSz="825500" rtl="0" fontAlgn="auto" latinLnBrk="0" hangingPunct="0">
+              <a:lnSpc>
+                <a:spcPct val="100000"/>
+              </a:lnSpc>
+              <a:spcBef>
+                <a:spcPts val="0"/>
+              </a:spcBef>
+              <a:spcAft>
+                <a:spcPts val="0"/>
+              </a:spcAft>
+              <a:buClrTx/>
+              <a:buSzTx/>
+              <a:buFontTx/>
+              <a:buNone/>
+            </a:pPr>
+            <a:r>
+              <a:rPr lang="zh-CN" altLang="en-US" sz="3200">
+                <a:solidFill>
+                  <a:srgbClr val="000000"/>
+                </a:solidFill>
+                <a:uFillTx/>
                 <a:sym typeface="Helvetica Light"/>
               </a:rPr>
               <a:t>		syscall_fn = syscall_table[array_index_nospec(scno, sc_nr)];</a:t>
             </a:r>
-            <a:endParaRPr lang="zh-CN" altLang="en-US">
-              <a:sym typeface="Helvetica Light"/>
-            </a:endParaRPr>
-          </a:p>
-          <a:p>
-            <a:pPr marL="0" marR="0" indent="0" algn="l" defTabSz="825500" rtl="0" fontAlgn="auto" latinLnBrk="0" hangingPunct="0">
-              <a:lnSpc>
-                <a:spcPct val="100000"/>
-              </a:lnSpc>
-              <a:spcBef>
-                <a:spcPts val="0"/>
-              </a:spcBef>
-              <a:spcAft>
-                <a:spcPts val="0"/>
-              </a:spcAft>
-              <a:buClrTx/>
-              <a:buSzTx/>
-              <a:buFontTx/>
-              <a:buNone/>
-            </a:pPr>
-            <a:r>
-              <a:rPr lang="zh-CN" altLang="en-US">
+            <a:endParaRPr lang="zh-CN" altLang="en-US" sz="3200">
+              <a:solidFill>
+                <a:srgbClr val="000000"/>
+              </a:solidFill>
+              <a:uFillTx/>
+              <a:sym typeface="Helvetica Light"/>
+            </a:endParaRPr>
+          </a:p>
+          <a:p>
+            <a:pPr marL="0" marR="0" indent="0" algn="l" defTabSz="825500" rtl="0" fontAlgn="auto" latinLnBrk="0" hangingPunct="0">
+              <a:lnSpc>
+                <a:spcPct val="100000"/>
+              </a:lnSpc>
+              <a:spcBef>
+                <a:spcPts val="0"/>
+              </a:spcBef>
+              <a:spcAft>
+                <a:spcPts val="0"/>
+              </a:spcAft>
+              <a:buClrTx/>
+              <a:buSzTx/>
+              <a:buFontTx/>
+              <a:buNone/>
+            </a:pPr>
+            <a:r>
+              <a:rPr lang="zh-CN" altLang="en-US" sz="3200">
+                <a:solidFill>
+                  <a:srgbClr val="000000"/>
+                </a:solidFill>
+                <a:uFillTx/>
                 <a:sym typeface="Helvetica Light"/>
               </a:rPr>
               <a:t>		ret = __invoke_syscall(regs, syscall_fn);</a:t>
             </a:r>
-            <a:endParaRPr lang="zh-CN" altLang="en-US">
-              <a:sym typeface="Helvetica Light"/>
-            </a:endParaRPr>
-          </a:p>
-          <a:p>
-            <a:pPr marL="0" marR="0" indent="0" algn="l" defTabSz="825500" rtl="0" fontAlgn="auto" latinLnBrk="0" hangingPunct="0">
-              <a:lnSpc>
-                <a:spcPct val="100000"/>
-              </a:lnSpc>
-              <a:spcBef>
-                <a:spcPts val="0"/>
-              </a:spcBef>
-              <a:spcAft>
-                <a:spcPts val="0"/>
-              </a:spcAft>
-              <a:buClrTx/>
-              <a:buSzTx/>
-              <a:buFontTx/>
-              <a:buNone/>
-            </a:pPr>
-            <a:r>
-              <a:rPr lang="zh-CN" altLang="en-US">
+            <a:endParaRPr lang="zh-CN" altLang="en-US" sz="3200">
+              <a:solidFill>
+                <a:srgbClr val="000000"/>
+              </a:solidFill>
+              <a:uFillTx/>
+              <a:sym typeface="Helvetica Light"/>
+            </a:endParaRPr>
+          </a:p>
+          <a:p>
+            <a:pPr marL="0" marR="0" indent="0" algn="l" defTabSz="825500" rtl="0" fontAlgn="auto" latinLnBrk="0" hangingPunct="0">
+              <a:lnSpc>
+                <a:spcPct val="100000"/>
+              </a:lnSpc>
+              <a:spcBef>
+                <a:spcPts val="0"/>
+              </a:spcBef>
+              <a:spcAft>
+                <a:spcPts val="0"/>
+              </a:spcAft>
+              <a:buClrTx/>
+              <a:buSzTx/>
+              <a:buFontTx/>
+              <a:buNone/>
+            </a:pPr>
+            <a:r>
+              <a:rPr lang="zh-CN" altLang="en-US" sz="3200">
+                <a:solidFill>
+                  <a:srgbClr val="000000"/>
+                </a:solidFill>
+                <a:uFillTx/>
                 <a:sym typeface="Helvetica Light"/>
               </a:rPr>
               <a:t>	} else {</a:t>
             </a:r>
-            <a:endParaRPr lang="zh-CN" altLang="en-US">
-              <a:sym typeface="Helvetica Light"/>
-            </a:endParaRPr>
-          </a:p>
-          <a:p>
-            <a:pPr marL="0" marR="0" indent="0" algn="l" defTabSz="825500" rtl="0" fontAlgn="auto" latinLnBrk="0" hangingPunct="0">
-              <a:lnSpc>
-                <a:spcPct val="100000"/>
-              </a:lnSpc>
-              <a:spcBef>
-                <a:spcPts val="0"/>
-              </a:spcBef>
-              <a:spcAft>
-                <a:spcPts val="0"/>
-              </a:spcAft>
-              <a:buClrTx/>
-              <a:buSzTx/>
-              <a:buFontTx/>
-              <a:buNone/>
-            </a:pPr>
-            <a:r>
-              <a:rPr lang="zh-CN" altLang="en-US">
+            <a:endParaRPr lang="zh-CN" altLang="en-US" sz="3200">
+              <a:solidFill>
+                <a:srgbClr val="000000"/>
+              </a:solidFill>
+              <a:uFillTx/>
+              <a:sym typeface="Helvetica Light"/>
+            </a:endParaRPr>
+          </a:p>
+          <a:p>
+            <a:pPr marL="0" marR="0" indent="0" algn="l" defTabSz="825500" rtl="0" fontAlgn="auto" latinLnBrk="0" hangingPunct="0">
+              <a:lnSpc>
+                <a:spcPct val="100000"/>
+              </a:lnSpc>
+              <a:spcBef>
+                <a:spcPts val="0"/>
+              </a:spcBef>
+              <a:spcAft>
+                <a:spcPts val="0"/>
+              </a:spcAft>
+              <a:buClrTx/>
+              <a:buSzTx/>
+              <a:buFontTx/>
+              <a:buNone/>
+            </a:pPr>
+            <a:r>
+              <a:rPr lang="zh-CN" altLang="en-US" sz="3200">
+                <a:solidFill>
+                  <a:srgbClr val="000000"/>
+                </a:solidFill>
+                <a:uFillTx/>
                 <a:sym typeface="Helvetica Light"/>
               </a:rPr>
               <a:t>		ret = do_ni_syscall(regs, scno);</a:t>
             </a:r>
-            <a:endParaRPr lang="zh-CN" altLang="en-US">
-              <a:sym typeface="Helvetica Light"/>
-            </a:endParaRPr>
-          </a:p>
-          <a:p>
-            <a:pPr marL="0" marR="0" indent="0" algn="l" defTabSz="825500" rtl="0" fontAlgn="auto" latinLnBrk="0" hangingPunct="0">
-              <a:lnSpc>
-                <a:spcPct val="100000"/>
-              </a:lnSpc>
-              <a:spcBef>
-                <a:spcPts val="0"/>
-              </a:spcBef>
-              <a:spcAft>
-                <a:spcPts val="0"/>
-              </a:spcAft>
-              <a:buClrTx/>
-              <a:buSzTx/>
-              <a:buFontTx/>
-              <a:buNone/>
-            </a:pPr>
-            <a:r>
-              <a:rPr lang="zh-CN" altLang="en-US">
+            <a:endParaRPr lang="zh-CN" altLang="en-US" sz="3200">
+              <a:solidFill>
+                <a:srgbClr val="000000"/>
+              </a:solidFill>
+              <a:uFillTx/>
+              <a:sym typeface="Helvetica Light"/>
+            </a:endParaRPr>
+          </a:p>
+          <a:p>
+            <a:pPr marL="0" marR="0" indent="0" algn="l" defTabSz="825500" rtl="0" fontAlgn="auto" latinLnBrk="0" hangingPunct="0">
+              <a:lnSpc>
+                <a:spcPct val="100000"/>
+              </a:lnSpc>
+              <a:spcBef>
+                <a:spcPts val="0"/>
+              </a:spcBef>
+              <a:spcAft>
+                <a:spcPts val="0"/>
+              </a:spcAft>
+              <a:buClrTx/>
+              <a:buSzTx/>
+              <a:buFontTx/>
+              <a:buNone/>
+            </a:pPr>
+            <a:r>
+              <a:rPr lang="zh-CN" altLang="en-US" sz="3200">
+                <a:solidFill>
+                  <a:srgbClr val="000000"/>
+                </a:solidFill>
+                <a:uFillTx/>
                 <a:sym typeface="Helvetica Light"/>
               </a:rPr>
               <a:t>	}</a:t>
             </a:r>
-            <a:endParaRPr lang="zh-CN" altLang="en-US">
-              <a:sym typeface="Helvetica Light"/>
-            </a:endParaRPr>
-          </a:p>
-          <a:p>
-            <a:pPr marL="0" marR="0" indent="0" algn="l" defTabSz="825500" rtl="0" fontAlgn="auto" latinLnBrk="0" hangingPunct="0">
-              <a:lnSpc>
-                <a:spcPct val="100000"/>
-              </a:lnSpc>
-              <a:spcBef>
-                <a:spcPts val="0"/>
-              </a:spcBef>
-              <a:spcAft>
-                <a:spcPts val="0"/>
-              </a:spcAft>
-              <a:buClrTx/>
-              <a:buSzTx/>
-              <a:buFontTx/>
-              <a:buNone/>
-            </a:pPr>
-            <a:endParaRPr lang="zh-CN" altLang="en-US">
-              <a:sym typeface="Helvetica Light"/>
-            </a:endParaRPr>
-          </a:p>
-          <a:p>
-            <a:pPr marL="0" marR="0" indent="0" algn="l" defTabSz="825500" rtl="0" fontAlgn="auto" latinLnBrk="0" hangingPunct="0">
-              <a:lnSpc>
-                <a:spcPct val="100000"/>
-              </a:lnSpc>
-              <a:spcBef>
-                <a:spcPts val="0"/>
-              </a:spcBef>
-              <a:spcAft>
-                <a:spcPts val="0"/>
-              </a:spcAft>
-              <a:buClrTx/>
-              <a:buSzTx/>
-              <a:buFontTx/>
-              <a:buNone/>
-            </a:pPr>
-            <a:r>
-              <a:rPr lang="zh-CN" altLang="en-US">
+            <a:endParaRPr lang="zh-CN" altLang="en-US" sz="3200">
+              <a:solidFill>
+                <a:srgbClr val="000000"/>
+              </a:solidFill>
+              <a:uFillTx/>
+              <a:sym typeface="Helvetica Light"/>
+            </a:endParaRPr>
+          </a:p>
+          <a:p>
+            <a:pPr marL="0" marR="0" indent="0" algn="l" defTabSz="825500" rtl="0" fontAlgn="auto" latinLnBrk="0" hangingPunct="0">
+              <a:lnSpc>
+                <a:spcPct val="100000"/>
+              </a:lnSpc>
+              <a:spcBef>
+                <a:spcPts val="0"/>
+              </a:spcBef>
+              <a:spcAft>
+                <a:spcPts val="0"/>
+              </a:spcAft>
+              <a:buClrTx/>
+              <a:buSzTx/>
+              <a:buFontTx/>
+              <a:buNone/>
+            </a:pPr>
+            <a:endParaRPr lang="zh-CN" altLang="en-US" sz="3200">
+              <a:solidFill>
+                <a:srgbClr val="000000"/>
+              </a:solidFill>
+              <a:uFillTx/>
+              <a:sym typeface="Helvetica Light"/>
+            </a:endParaRPr>
+          </a:p>
+          <a:p>
+            <a:pPr marL="0" marR="0" indent="0" algn="l" defTabSz="825500" rtl="0" fontAlgn="auto" latinLnBrk="0" hangingPunct="0">
+              <a:lnSpc>
+                <a:spcPct val="100000"/>
+              </a:lnSpc>
+              <a:spcBef>
+                <a:spcPts val="0"/>
+              </a:spcBef>
+              <a:spcAft>
+                <a:spcPts val="0"/>
+              </a:spcAft>
+              <a:buClrTx/>
+              <a:buSzTx/>
+              <a:buFontTx/>
+              <a:buNone/>
+            </a:pPr>
+            <a:r>
+              <a:rPr lang="zh-CN" altLang="en-US" sz="3200">
+                <a:solidFill>
+                  <a:srgbClr val="000000"/>
+                </a:solidFill>
+                <a:uFillTx/>
                 <a:sym typeface="Helvetica Light"/>
               </a:rPr>
               <a:t>	regs-&gt;regs[0] = ret;</a:t>
             </a:r>
-            <a:endParaRPr lang="zh-CN" altLang="en-US">
-              <a:sym typeface="Helvetica Light"/>
-            </a:endParaRPr>
-          </a:p>
-          <a:p>
-            <a:pPr marL="0" marR="0" indent="0" algn="l" defTabSz="825500" rtl="0" fontAlgn="auto" latinLnBrk="0" hangingPunct="0">
-              <a:lnSpc>
-                <a:spcPct val="100000"/>
-              </a:lnSpc>
-              <a:spcBef>
-                <a:spcPts val="0"/>
-              </a:spcBef>
-              <a:spcAft>
-                <a:spcPts val="0"/>
-              </a:spcAft>
-              <a:buClrTx/>
-              <a:buSzTx/>
-              <a:buFontTx/>
-              <a:buNone/>
-            </a:pPr>
-            <a:r>
-              <a:rPr lang="zh-CN" altLang="en-US">
+            <a:endParaRPr lang="zh-CN" altLang="en-US" sz="3200">
+              <a:solidFill>
+                <a:srgbClr val="000000"/>
+              </a:solidFill>
+              <a:uFillTx/>
+              <a:sym typeface="Helvetica Light"/>
+            </a:endParaRPr>
+          </a:p>
+          <a:p>
+            <a:pPr marL="0" marR="0" indent="0" algn="l" defTabSz="825500" rtl="0" fontAlgn="auto" latinLnBrk="0" hangingPunct="0">
+              <a:lnSpc>
+                <a:spcPct val="100000"/>
+              </a:lnSpc>
+              <a:spcBef>
+                <a:spcPts val="0"/>
+              </a:spcBef>
+              <a:spcAft>
+                <a:spcPts val="0"/>
+              </a:spcAft>
+              <a:buClrTx/>
+              <a:buSzTx/>
+              <a:buFontTx/>
+              <a:buNone/>
+            </a:pPr>
+            <a:r>
+              <a:rPr lang="zh-CN" altLang="en-US" sz="3200">
+                <a:solidFill>
+                  <a:srgbClr val="000000"/>
+                </a:solidFill>
+                <a:uFillTx/>
                 <a:sym typeface="Helvetica Light"/>
               </a:rPr>
               <a:t>}</a:t>
             </a:r>
-            <a:endParaRPr lang="zh-CN" altLang="en-US">
+            <a:endParaRPr lang="zh-CN" altLang="en-US" sz="3200">
+              <a:solidFill>
+                <a:srgbClr val="000000"/>
+              </a:solidFill>
+              <a:uFillTx/>
               <a:sym typeface="Helvetica Light"/>
             </a:endParaRPr>
           </a:p>
@@ -22024,7 +22607,7 @@
         <p:spPr>
           <a:xfrm>
             <a:off x="1689100" y="3238500"/>
-            <a:ext cx="21005800" cy="3774440"/>
+            <a:ext cx="21005800" cy="2051685"/>
           </a:xfrm>
           <a:prstGeom prst="rect">
             <a:avLst/>
@@ -22032,7 +22615,7 @@
         </p:spPr>
         <p:txBody>
           <a:bodyPr>
-            <a:normAutofit lnSpcReduction="10000"/>
+            <a:normAutofit fontScale="60000"/>
           </a:bodyPr>
           <a:lstStyle/>
           <a:p>
@@ -22058,8 +22641,8 @@
         </p:nvSpPr>
         <p:spPr>
           <a:xfrm>
-            <a:off x="1894840" y="6930390"/>
-            <a:ext cx="25586690" cy="13181965"/>
+            <a:off x="2183130" y="5057775"/>
+            <a:ext cx="25586690" cy="8472805"/>
           </a:xfrm>
           <a:prstGeom prst="rect">
             <a:avLst/>
@@ -22103,422 +22686,554 @@
               <a:buNone/>
             </a:pPr>
             <a:r>
-              <a:rPr lang="zh-CN" altLang="en-US">
+              <a:rPr lang="zh-CN" altLang="en-US" sz="3200">
+                <a:solidFill>
+                  <a:srgbClr val="000000"/>
+                </a:solidFill>
+                <a:uFillTx/>
                 <a:sym typeface="Helvetica Light"/>
               </a:rPr>
               <a:t>SYSCALL_DEFINE2(gettimeofday, struct timeval __user *, tv,</a:t>
             </a:r>
-            <a:endParaRPr lang="zh-CN" altLang="en-US">
-              <a:sym typeface="Helvetica Light"/>
-            </a:endParaRPr>
-          </a:p>
-          <a:p>
-            <a:pPr marL="0" marR="0" indent="0" algn="l" defTabSz="825500" rtl="0" fontAlgn="auto" latinLnBrk="0" hangingPunct="0">
-              <a:lnSpc>
-                <a:spcPct val="100000"/>
-              </a:lnSpc>
-              <a:spcBef>
-                <a:spcPts val="0"/>
-              </a:spcBef>
-              <a:spcAft>
-                <a:spcPts val="0"/>
-              </a:spcAft>
-              <a:buClrTx/>
-              <a:buSzTx/>
-              <a:buFontTx/>
-              <a:buNone/>
-            </a:pPr>
-            <a:r>
-              <a:rPr lang="zh-CN" altLang="en-US">
+            <a:endParaRPr lang="zh-CN" altLang="en-US" sz="3200">
+              <a:solidFill>
+                <a:srgbClr val="000000"/>
+              </a:solidFill>
+              <a:uFillTx/>
+              <a:sym typeface="Helvetica Light"/>
+            </a:endParaRPr>
+          </a:p>
+          <a:p>
+            <a:pPr marL="0" marR="0" indent="0" algn="l" defTabSz="825500" rtl="0" fontAlgn="auto" latinLnBrk="0" hangingPunct="0">
+              <a:lnSpc>
+                <a:spcPct val="100000"/>
+              </a:lnSpc>
+              <a:spcBef>
+                <a:spcPts val="0"/>
+              </a:spcBef>
+              <a:spcAft>
+                <a:spcPts val="0"/>
+              </a:spcAft>
+              <a:buClrTx/>
+              <a:buSzTx/>
+              <a:buFontTx/>
+              <a:buNone/>
+            </a:pPr>
+            <a:r>
+              <a:rPr lang="zh-CN" altLang="en-US" sz="3200">
+                <a:solidFill>
+                  <a:srgbClr val="000000"/>
+                </a:solidFill>
+                <a:uFillTx/>
                 <a:sym typeface="Helvetica Light"/>
               </a:rPr>
               <a:t>		struct timezone __user *, tz)</a:t>
             </a:r>
-            <a:endParaRPr lang="zh-CN" altLang="en-US">
-              <a:sym typeface="Helvetica Light"/>
-            </a:endParaRPr>
-          </a:p>
-          <a:p>
-            <a:pPr marL="0" marR="0" indent="0" algn="l" defTabSz="825500" rtl="0" fontAlgn="auto" latinLnBrk="0" hangingPunct="0">
-              <a:lnSpc>
-                <a:spcPct val="100000"/>
-              </a:lnSpc>
-              <a:spcBef>
-                <a:spcPts val="0"/>
-              </a:spcBef>
-              <a:spcAft>
-                <a:spcPts val="0"/>
-              </a:spcAft>
-              <a:buClrTx/>
-              <a:buSzTx/>
-              <a:buFontTx/>
-              <a:buNone/>
-            </a:pPr>
-            <a:r>
-              <a:rPr lang="zh-CN" altLang="en-US">
+            <a:endParaRPr lang="zh-CN" altLang="en-US" sz="3200">
+              <a:solidFill>
+                <a:srgbClr val="000000"/>
+              </a:solidFill>
+              <a:uFillTx/>
+              <a:sym typeface="Helvetica Light"/>
+            </a:endParaRPr>
+          </a:p>
+          <a:p>
+            <a:pPr marL="0" marR="0" indent="0" algn="l" defTabSz="825500" rtl="0" fontAlgn="auto" latinLnBrk="0" hangingPunct="0">
+              <a:lnSpc>
+                <a:spcPct val="100000"/>
+              </a:lnSpc>
+              <a:spcBef>
+                <a:spcPts val="0"/>
+              </a:spcBef>
+              <a:spcAft>
+                <a:spcPts val="0"/>
+              </a:spcAft>
+              <a:buClrTx/>
+              <a:buSzTx/>
+              <a:buFontTx/>
+              <a:buNone/>
+            </a:pPr>
+            <a:r>
+              <a:rPr lang="zh-CN" altLang="en-US" sz="3200">
+                <a:solidFill>
+                  <a:srgbClr val="000000"/>
+                </a:solidFill>
+                <a:uFillTx/>
                 <a:sym typeface="Helvetica Light"/>
               </a:rPr>
               <a:t>{</a:t>
             </a:r>
-            <a:endParaRPr lang="zh-CN" altLang="en-US">
-              <a:sym typeface="Helvetica Light"/>
-            </a:endParaRPr>
-          </a:p>
-          <a:p>
-            <a:pPr marL="0" marR="0" indent="0" algn="l" defTabSz="825500" rtl="0" fontAlgn="auto" latinLnBrk="0" hangingPunct="0">
-              <a:lnSpc>
-                <a:spcPct val="100000"/>
-              </a:lnSpc>
-              <a:spcBef>
-                <a:spcPts val="0"/>
-              </a:spcBef>
-              <a:spcAft>
-                <a:spcPts val="0"/>
-              </a:spcAft>
-              <a:buClrTx/>
-              <a:buSzTx/>
-              <a:buFontTx/>
-              <a:buNone/>
-            </a:pPr>
-            <a:r>
-              <a:rPr lang="zh-CN" altLang="en-US">
+            <a:endParaRPr lang="zh-CN" altLang="en-US" sz="3200">
+              <a:solidFill>
+                <a:srgbClr val="000000"/>
+              </a:solidFill>
+              <a:uFillTx/>
+              <a:sym typeface="Helvetica Light"/>
+            </a:endParaRPr>
+          </a:p>
+          <a:p>
+            <a:pPr marL="0" marR="0" indent="0" algn="l" defTabSz="825500" rtl="0" fontAlgn="auto" latinLnBrk="0" hangingPunct="0">
+              <a:lnSpc>
+                <a:spcPct val="100000"/>
+              </a:lnSpc>
+              <a:spcBef>
+                <a:spcPts val="0"/>
+              </a:spcBef>
+              <a:spcAft>
+                <a:spcPts val="0"/>
+              </a:spcAft>
+              <a:buClrTx/>
+              <a:buSzTx/>
+              <a:buFontTx/>
+              <a:buNone/>
+            </a:pPr>
+            <a:r>
+              <a:rPr lang="zh-CN" altLang="en-US" sz="3200">
+                <a:solidFill>
+                  <a:srgbClr val="000000"/>
+                </a:solidFill>
+                <a:uFillTx/>
                 <a:sym typeface="Helvetica Light"/>
               </a:rPr>
               <a:t>	if (likely(tv != NULL)) {</a:t>
             </a:r>
-            <a:endParaRPr lang="zh-CN" altLang="en-US">
-              <a:sym typeface="Helvetica Light"/>
-            </a:endParaRPr>
-          </a:p>
-          <a:p>
-            <a:pPr marL="0" marR="0" indent="0" algn="l" defTabSz="825500" rtl="0" fontAlgn="auto" latinLnBrk="0" hangingPunct="0">
-              <a:lnSpc>
-                <a:spcPct val="100000"/>
-              </a:lnSpc>
-              <a:spcBef>
-                <a:spcPts val="0"/>
-              </a:spcBef>
-              <a:spcAft>
-                <a:spcPts val="0"/>
-              </a:spcAft>
-              <a:buClrTx/>
-              <a:buSzTx/>
-              <a:buFontTx/>
-              <a:buNone/>
-            </a:pPr>
-            <a:r>
-              <a:rPr lang="zh-CN" altLang="en-US">
+            <a:endParaRPr lang="zh-CN" altLang="en-US" sz="3200">
+              <a:solidFill>
+                <a:srgbClr val="000000"/>
+              </a:solidFill>
+              <a:uFillTx/>
+              <a:sym typeface="Helvetica Light"/>
+            </a:endParaRPr>
+          </a:p>
+          <a:p>
+            <a:pPr marL="0" marR="0" indent="0" algn="l" defTabSz="825500" rtl="0" fontAlgn="auto" latinLnBrk="0" hangingPunct="0">
+              <a:lnSpc>
+                <a:spcPct val="100000"/>
+              </a:lnSpc>
+              <a:spcBef>
+                <a:spcPts val="0"/>
+              </a:spcBef>
+              <a:spcAft>
+                <a:spcPts val="0"/>
+              </a:spcAft>
+              <a:buClrTx/>
+              <a:buSzTx/>
+              <a:buFontTx/>
+              <a:buNone/>
+            </a:pPr>
+            <a:r>
+              <a:rPr lang="zh-CN" altLang="en-US" sz="3200">
+                <a:solidFill>
+                  <a:srgbClr val="000000"/>
+                </a:solidFill>
+                <a:uFillTx/>
                 <a:sym typeface="Helvetica Light"/>
               </a:rPr>
               <a:t>		struct timespec64 ts;</a:t>
             </a:r>
-            <a:endParaRPr lang="zh-CN" altLang="en-US">
-              <a:sym typeface="Helvetica Light"/>
-            </a:endParaRPr>
-          </a:p>
-          <a:p>
-            <a:pPr marL="0" marR="0" indent="0" algn="l" defTabSz="825500" rtl="0" fontAlgn="auto" latinLnBrk="0" hangingPunct="0">
-              <a:lnSpc>
-                <a:spcPct val="100000"/>
-              </a:lnSpc>
-              <a:spcBef>
-                <a:spcPts val="0"/>
-              </a:spcBef>
-              <a:spcAft>
-                <a:spcPts val="0"/>
-              </a:spcAft>
-              <a:buClrTx/>
-              <a:buSzTx/>
-              <a:buFontTx/>
-              <a:buNone/>
-            </a:pPr>
-            <a:endParaRPr lang="zh-CN" altLang="en-US">
-              <a:sym typeface="Helvetica Light"/>
-            </a:endParaRPr>
-          </a:p>
-          <a:p>
-            <a:pPr marL="0" marR="0" indent="0" algn="l" defTabSz="825500" rtl="0" fontAlgn="auto" latinLnBrk="0" hangingPunct="0">
-              <a:lnSpc>
-                <a:spcPct val="100000"/>
-              </a:lnSpc>
-              <a:spcBef>
-                <a:spcPts val="0"/>
-              </a:spcBef>
-              <a:spcAft>
-                <a:spcPts val="0"/>
-              </a:spcAft>
-              <a:buClrTx/>
-              <a:buSzTx/>
-              <a:buFontTx/>
-              <a:buNone/>
-            </a:pPr>
-            <a:r>
-              <a:rPr lang="zh-CN" altLang="en-US">
+            <a:endParaRPr lang="zh-CN" altLang="en-US" sz="3200">
+              <a:solidFill>
+                <a:srgbClr val="000000"/>
+              </a:solidFill>
+              <a:uFillTx/>
+              <a:sym typeface="Helvetica Light"/>
+            </a:endParaRPr>
+          </a:p>
+          <a:p>
+            <a:pPr marL="0" marR="0" indent="0" algn="l" defTabSz="825500" rtl="0" fontAlgn="auto" latinLnBrk="0" hangingPunct="0">
+              <a:lnSpc>
+                <a:spcPct val="100000"/>
+              </a:lnSpc>
+              <a:spcBef>
+                <a:spcPts val="0"/>
+              </a:spcBef>
+              <a:spcAft>
+                <a:spcPts val="0"/>
+              </a:spcAft>
+              <a:buClrTx/>
+              <a:buSzTx/>
+              <a:buFontTx/>
+              <a:buNone/>
+            </a:pPr>
+            <a:endParaRPr lang="zh-CN" altLang="en-US" sz="3200">
+              <a:solidFill>
+                <a:srgbClr val="000000"/>
+              </a:solidFill>
+              <a:uFillTx/>
+              <a:sym typeface="Helvetica Light"/>
+            </a:endParaRPr>
+          </a:p>
+          <a:p>
+            <a:pPr marL="0" marR="0" indent="0" algn="l" defTabSz="825500" rtl="0" fontAlgn="auto" latinLnBrk="0" hangingPunct="0">
+              <a:lnSpc>
+                <a:spcPct val="100000"/>
+              </a:lnSpc>
+              <a:spcBef>
+                <a:spcPts val="0"/>
+              </a:spcBef>
+              <a:spcAft>
+                <a:spcPts val="0"/>
+              </a:spcAft>
+              <a:buClrTx/>
+              <a:buSzTx/>
+              <a:buFontTx/>
+              <a:buNone/>
+            </a:pPr>
+            <a:r>
+              <a:rPr lang="zh-CN" altLang="en-US" sz="3200">
+                <a:solidFill>
+                  <a:srgbClr val="000000"/>
+                </a:solidFill>
+                <a:uFillTx/>
                 <a:sym typeface="Helvetica Light"/>
               </a:rPr>
               <a:t>		ktime_get_real_ts64(&amp;ts);</a:t>
             </a:r>
-            <a:endParaRPr lang="zh-CN" altLang="en-US">
-              <a:sym typeface="Helvetica Light"/>
-            </a:endParaRPr>
-          </a:p>
-          <a:p>
-            <a:pPr marL="0" marR="0" indent="0" algn="l" defTabSz="825500" rtl="0" fontAlgn="auto" latinLnBrk="0" hangingPunct="0">
-              <a:lnSpc>
-                <a:spcPct val="100000"/>
-              </a:lnSpc>
-              <a:spcBef>
-                <a:spcPts val="0"/>
-              </a:spcBef>
-              <a:spcAft>
-                <a:spcPts val="0"/>
-              </a:spcAft>
-              <a:buClrTx/>
-              <a:buSzTx/>
-              <a:buFontTx/>
-              <a:buNone/>
-            </a:pPr>
-            <a:r>
-              <a:rPr lang="zh-CN" altLang="en-US">
+            <a:endParaRPr lang="zh-CN" altLang="en-US" sz="3200">
+              <a:solidFill>
+                <a:srgbClr val="000000"/>
+              </a:solidFill>
+              <a:uFillTx/>
+              <a:sym typeface="Helvetica Light"/>
+            </a:endParaRPr>
+          </a:p>
+          <a:p>
+            <a:pPr marL="0" marR="0" indent="0" algn="l" defTabSz="825500" rtl="0" fontAlgn="auto" latinLnBrk="0" hangingPunct="0">
+              <a:lnSpc>
+                <a:spcPct val="100000"/>
+              </a:lnSpc>
+              <a:spcBef>
+                <a:spcPts val="0"/>
+              </a:spcBef>
+              <a:spcAft>
+                <a:spcPts val="0"/>
+              </a:spcAft>
+              <a:buClrTx/>
+              <a:buSzTx/>
+              <a:buFontTx/>
+              <a:buNone/>
+            </a:pPr>
+            <a:r>
+              <a:rPr lang="zh-CN" altLang="en-US" sz="3200">
+                <a:solidFill>
+                  <a:srgbClr val="000000"/>
+                </a:solidFill>
+                <a:uFillTx/>
                 <a:sym typeface="Helvetica Light"/>
               </a:rPr>
               <a:t>		if (put_user(ts.tv_sec, &amp;tv-&gt;tv_sec) ||</a:t>
             </a:r>
-            <a:endParaRPr lang="zh-CN" altLang="en-US">
-              <a:sym typeface="Helvetica Light"/>
-            </a:endParaRPr>
-          </a:p>
-          <a:p>
-            <a:pPr marL="0" marR="0" indent="0" algn="l" defTabSz="825500" rtl="0" fontAlgn="auto" latinLnBrk="0" hangingPunct="0">
-              <a:lnSpc>
-                <a:spcPct val="100000"/>
-              </a:lnSpc>
-              <a:spcBef>
-                <a:spcPts val="0"/>
-              </a:spcBef>
-              <a:spcAft>
-                <a:spcPts val="0"/>
-              </a:spcAft>
-              <a:buClrTx/>
-              <a:buSzTx/>
-              <a:buFontTx/>
-              <a:buNone/>
-            </a:pPr>
-            <a:r>
-              <a:rPr lang="zh-CN" altLang="en-US">
+            <a:endParaRPr lang="zh-CN" altLang="en-US" sz="3200">
+              <a:solidFill>
+                <a:srgbClr val="000000"/>
+              </a:solidFill>
+              <a:uFillTx/>
+              <a:sym typeface="Helvetica Light"/>
+            </a:endParaRPr>
+          </a:p>
+          <a:p>
+            <a:pPr marL="0" marR="0" indent="0" algn="l" defTabSz="825500" rtl="0" fontAlgn="auto" latinLnBrk="0" hangingPunct="0">
+              <a:lnSpc>
+                <a:spcPct val="100000"/>
+              </a:lnSpc>
+              <a:spcBef>
+                <a:spcPts val="0"/>
+              </a:spcBef>
+              <a:spcAft>
+                <a:spcPts val="0"/>
+              </a:spcAft>
+              <a:buClrTx/>
+              <a:buSzTx/>
+              <a:buFontTx/>
+              <a:buNone/>
+            </a:pPr>
+            <a:r>
+              <a:rPr lang="zh-CN" altLang="en-US" sz="3200">
+                <a:solidFill>
+                  <a:srgbClr val="000000"/>
+                </a:solidFill>
+                <a:uFillTx/>
                 <a:sym typeface="Helvetica Light"/>
               </a:rPr>
               <a:t>		    put_user(ts.tv_nsec / 1000, &amp;tv-&gt;tv_usec))</a:t>
             </a:r>
-            <a:endParaRPr lang="zh-CN" altLang="en-US">
-              <a:sym typeface="Helvetica Light"/>
-            </a:endParaRPr>
-          </a:p>
-          <a:p>
-            <a:pPr marL="0" marR="0" indent="0" algn="l" defTabSz="825500" rtl="0" fontAlgn="auto" latinLnBrk="0" hangingPunct="0">
-              <a:lnSpc>
-                <a:spcPct val="100000"/>
-              </a:lnSpc>
-              <a:spcBef>
-                <a:spcPts val="0"/>
-              </a:spcBef>
-              <a:spcAft>
-                <a:spcPts val="0"/>
-              </a:spcAft>
-              <a:buClrTx/>
-              <a:buSzTx/>
-              <a:buFontTx/>
-              <a:buNone/>
-            </a:pPr>
-            <a:r>
-              <a:rPr lang="zh-CN" altLang="en-US">
+            <a:endParaRPr lang="zh-CN" altLang="en-US" sz="3200">
+              <a:solidFill>
+                <a:srgbClr val="000000"/>
+              </a:solidFill>
+              <a:uFillTx/>
+              <a:sym typeface="Helvetica Light"/>
+            </a:endParaRPr>
+          </a:p>
+          <a:p>
+            <a:pPr marL="0" marR="0" indent="0" algn="l" defTabSz="825500" rtl="0" fontAlgn="auto" latinLnBrk="0" hangingPunct="0">
+              <a:lnSpc>
+                <a:spcPct val="100000"/>
+              </a:lnSpc>
+              <a:spcBef>
+                <a:spcPts val="0"/>
+              </a:spcBef>
+              <a:spcAft>
+                <a:spcPts val="0"/>
+              </a:spcAft>
+              <a:buClrTx/>
+              <a:buSzTx/>
+              <a:buFontTx/>
+              <a:buNone/>
+            </a:pPr>
+            <a:r>
+              <a:rPr lang="zh-CN" altLang="en-US" sz="3200">
+                <a:solidFill>
+                  <a:srgbClr val="000000"/>
+                </a:solidFill>
+                <a:uFillTx/>
                 <a:sym typeface="Helvetica Light"/>
               </a:rPr>
               <a:t>			return -EFAULT;</a:t>
             </a:r>
-            <a:endParaRPr lang="zh-CN" altLang="en-US">
-              <a:sym typeface="Helvetica Light"/>
-            </a:endParaRPr>
-          </a:p>
-          <a:p>
-            <a:pPr marL="0" marR="0" indent="0" algn="l" defTabSz="825500" rtl="0" fontAlgn="auto" latinLnBrk="0" hangingPunct="0">
-              <a:lnSpc>
-                <a:spcPct val="100000"/>
-              </a:lnSpc>
-              <a:spcBef>
-                <a:spcPts val="0"/>
-              </a:spcBef>
-              <a:spcAft>
-                <a:spcPts val="0"/>
-              </a:spcAft>
-              <a:buClrTx/>
-              <a:buSzTx/>
-              <a:buFontTx/>
-              <a:buNone/>
-            </a:pPr>
-            <a:r>
-              <a:rPr lang="zh-CN" altLang="en-US">
+            <a:endParaRPr lang="zh-CN" altLang="en-US" sz="3200">
+              <a:solidFill>
+                <a:srgbClr val="000000"/>
+              </a:solidFill>
+              <a:uFillTx/>
+              <a:sym typeface="Helvetica Light"/>
+            </a:endParaRPr>
+          </a:p>
+          <a:p>
+            <a:pPr marL="0" marR="0" indent="0" algn="l" defTabSz="825500" rtl="0" fontAlgn="auto" latinLnBrk="0" hangingPunct="0">
+              <a:lnSpc>
+                <a:spcPct val="100000"/>
+              </a:lnSpc>
+              <a:spcBef>
+                <a:spcPts val="0"/>
+              </a:spcBef>
+              <a:spcAft>
+                <a:spcPts val="0"/>
+              </a:spcAft>
+              <a:buClrTx/>
+              <a:buSzTx/>
+              <a:buFontTx/>
+              <a:buNone/>
+            </a:pPr>
+            <a:r>
+              <a:rPr lang="zh-CN" altLang="en-US" sz="3200">
+                <a:solidFill>
+                  <a:srgbClr val="000000"/>
+                </a:solidFill>
+                <a:uFillTx/>
                 <a:sym typeface="Helvetica Light"/>
               </a:rPr>
               <a:t>	}</a:t>
             </a:r>
-            <a:endParaRPr lang="zh-CN" altLang="en-US">
-              <a:sym typeface="Helvetica Light"/>
-            </a:endParaRPr>
-          </a:p>
-          <a:p>
-            <a:pPr marL="0" marR="0" indent="0" algn="l" defTabSz="825500" rtl="0" fontAlgn="auto" latinLnBrk="0" hangingPunct="0">
-              <a:lnSpc>
-                <a:spcPct val="100000"/>
-              </a:lnSpc>
-              <a:spcBef>
-                <a:spcPts val="0"/>
-              </a:spcBef>
-              <a:spcAft>
-                <a:spcPts val="0"/>
-              </a:spcAft>
-              <a:buClrTx/>
-              <a:buSzTx/>
-              <a:buFontTx/>
-              <a:buNone/>
-            </a:pPr>
-            <a:r>
-              <a:rPr lang="zh-CN" altLang="en-US">
+            <a:endParaRPr lang="zh-CN" altLang="en-US" sz="3200">
+              <a:solidFill>
+                <a:srgbClr val="000000"/>
+              </a:solidFill>
+              <a:uFillTx/>
+              <a:sym typeface="Helvetica Light"/>
+            </a:endParaRPr>
+          </a:p>
+          <a:p>
+            <a:pPr marL="0" marR="0" indent="0" algn="l" defTabSz="825500" rtl="0" fontAlgn="auto" latinLnBrk="0" hangingPunct="0">
+              <a:lnSpc>
+                <a:spcPct val="100000"/>
+              </a:lnSpc>
+              <a:spcBef>
+                <a:spcPts val="0"/>
+              </a:spcBef>
+              <a:spcAft>
+                <a:spcPts val="0"/>
+              </a:spcAft>
+              <a:buClrTx/>
+              <a:buSzTx/>
+              <a:buFontTx/>
+              <a:buNone/>
+            </a:pPr>
+            <a:r>
+              <a:rPr lang="zh-CN" altLang="en-US" sz="3200">
+                <a:solidFill>
+                  <a:srgbClr val="000000"/>
+                </a:solidFill>
+                <a:uFillTx/>
                 <a:sym typeface="Helvetica Light"/>
               </a:rPr>
               <a:t>	if (unlikely(tz != NULL)) {</a:t>
             </a:r>
-            <a:endParaRPr lang="zh-CN" altLang="en-US">
-              <a:sym typeface="Helvetica Light"/>
-            </a:endParaRPr>
-          </a:p>
-          <a:p>
-            <a:pPr marL="0" marR="0" indent="0" algn="l" defTabSz="825500" rtl="0" fontAlgn="auto" latinLnBrk="0" hangingPunct="0">
-              <a:lnSpc>
-                <a:spcPct val="100000"/>
-              </a:lnSpc>
-              <a:spcBef>
-                <a:spcPts val="0"/>
-              </a:spcBef>
-              <a:spcAft>
-                <a:spcPts val="0"/>
-              </a:spcAft>
-              <a:buClrTx/>
-              <a:buSzTx/>
-              <a:buFontTx/>
-              <a:buNone/>
-            </a:pPr>
-            <a:r>
-              <a:rPr lang="zh-CN" altLang="en-US">
+            <a:endParaRPr lang="zh-CN" altLang="en-US" sz="3200">
+              <a:solidFill>
+                <a:srgbClr val="000000"/>
+              </a:solidFill>
+              <a:uFillTx/>
+              <a:sym typeface="Helvetica Light"/>
+            </a:endParaRPr>
+          </a:p>
+          <a:p>
+            <a:pPr marL="0" marR="0" indent="0" algn="l" defTabSz="825500" rtl="0" fontAlgn="auto" latinLnBrk="0" hangingPunct="0">
+              <a:lnSpc>
+                <a:spcPct val="100000"/>
+              </a:lnSpc>
+              <a:spcBef>
+                <a:spcPts val="0"/>
+              </a:spcBef>
+              <a:spcAft>
+                <a:spcPts val="0"/>
+              </a:spcAft>
+              <a:buClrTx/>
+              <a:buSzTx/>
+              <a:buFontTx/>
+              <a:buNone/>
+            </a:pPr>
+            <a:r>
+              <a:rPr lang="zh-CN" altLang="en-US" sz="3200">
+                <a:solidFill>
+                  <a:srgbClr val="000000"/>
+                </a:solidFill>
+                <a:uFillTx/>
                 <a:sym typeface="Helvetica Light"/>
               </a:rPr>
               <a:t>		if (copy_to_user(tz, &amp;sys_tz, sizeof(sys_tz)))</a:t>
             </a:r>
-            <a:endParaRPr lang="zh-CN" altLang="en-US">
-              <a:sym typeface="Helvetica Light"/>
-            </a:endParaRPr>
-          </a:p>
-          <a:p>
-            <a:pPr marL="0" marR="0" indent="0" algn="l" defTabSz="825500" rtl="0" fontAlgn="auto" latinLnBrk="0" hangingPunct="0">
-              <a:lnSpc>
-                <a:spcPct val="100000"/>
-              </a:lnSpc>
-              <a:spcBef>
-                <a:spcPts val="0"/>
-              </a:spcBef>
-              <a:spcAft>
-                <a:spcPts val="0"/>
-              </a:spcAft>
-              <a:buClrTx/>
-              <a:buSzTx/>
-              <a:buFontTx/>
-              <a:buNone/>
-            </a:pPr>
-            <a:r>
-              <a:rPr lang="zh-CN" altLang="en-US">
+            <a:endParaRPr lang="zh-CN" altLang="en-US" sz="3200">
+              <a:solidFill>
+                <a:srgbClr val="000000"/>
+              </a:solidFill>
+              <a:uFillTx/>
+              <a:sym typeface="Helvetica Light"/>
+            </a:endParaRPr>
+          </a:p>
+          <a:p>
+            <a:pPr marL="0" marR="0" indent="0" algn="l" defTabSz="825500" rtl="0" fontAlgn="auto" latinLnBrk="0" hangingPunct="0">
+              <a:lnSpc>
+                <a:spcPct val="100000"/>
+              </a:lnSpc>
+              <a:spcBef>
+                <a:spcPts val="0"/>
+              </a:spcBef>
+              <a:spcAft>
+                <a:spcPts val="0"/>
+              </a:spcAft>
+              <a:buClrTx/>
+              <a:buSzTx/>
+              <a:buFontTx/>
+              <a:buNone/>
+            </a:pPr>
+            <a:r>
+              <a:rPr lang="zh-CN" altLang="en-US" sz="3200">
+                <a:solidFill>
+                  <a:srgbClr val="000000"/>
+                </a:solidFill>
+                <a:uFillTx/>
                 <a:sym typeface="Helvetica Light"/>
               </a:rPr>
               <a:t>			return -EFAULT;</a:t>
             </a:r>
-            <a:endParaRPr lang="zh-CN" altLang="en-US">
-              <a:sym typeface="Helvetica Light"/>
-            </a:endParaRPr>
-          </a:p>
-          <a:p>
-            <a:pPr marL="0" marR="0" indent="0" algn="l" defTabSz="825500" rtl="0" fontAlgn="auto" latinLnBrk="0" hangingPunct="0">
-              <a:lnSpc>
-                <a:spcPct val="100000"/>
-              </a:lnSpc>
-              <a:spcBef>
-                <a:spcPts val="0"/>
-              </a:spcBef>
-              <a:spcAft>
-                <a:spcPts val="0"/>
-              </a:spcAft>
-              <a:buClrTx/>
-              <a:buSzTx/>
-              <a:buFontTx/>
-              <a:buNone/>
-            </a:pPr>
-            <a:r>
-              <a:rPr lang="zh-CN" altLang="en-US">
+            <a:endParaRPr lang="zh-CN" altLang="en-US" sz="3200">
+              <a:solidFill>
+                <a:srgbClr val="000000"/>
+              </a:solidFill>
+              <a:uFillTx/>
+              <a:sym typeface="Helvetica Light"/>
+            </a:endParaRPr>
+          </a:p>
+          <a:p>
+            <a:pPr marL="0" marR="0" indent="0" algn="l" defTabSz="825500" rtl="0" fontAlgn="auto" latinLnBrk="0" hangingPunct="0">
+              <a:lnSpc>
+                <a:spcPct val="100000"/>
+              </a:lnSpc>
+              <a:spcBef>
+                <a:spcPts val="0"/>
+              </a:spcBef>
+              <a:spcAft>
+                <a:spcPts val="0"/>
+              </a:spcAft>
+              <a:buClrTx/>
+              <a:buSzTx/>
+              <a:buFontTx/>
+              <a:buNone/>
+            </a:pPr>
+            <a:r>
+              <a:rPr lang="zh-CN" altLang="en-US" sz="3200">
+                <a:solidFill>
+                  <a:srgbClr val="000000"/>
+                </a:solidFill>
+                <a:uFillTx/>
                 <a:sym typeface="Helvetica Light"/>
               </a:rPr>
               <a:t>	}</a:t>
             </a:r>
-            <a:endParaRPr lang="zh-CN" altLang="en-US">
-              <a:sym typeface="Helvetica Light"/>
-            </a:endParaRPr>
-          </a:p>
-          <a:p>
-            <a:pPr marL="0" marR="0" indent="0" algn="l" defTabSz="825500" rtl="0" fontAlgn="auto" latinLnBrk="0" hangingPunct="0">
-              <a:lnSpc>
-                <a:spcPct val="100000"/>
-              </a:lnSpc>
-              <a:spcBef>
-                <a:spcPts val="0"/>
-              </a:spcBef>
-              <a:spcAft>
-                <a:spcPts val="0"/>
-              </a:spcAft>
-              <a:buClrTx/>
-              <a:buSzTx/>
-              <a:buFontTx/>
-              <a:buNone/>
-            </a:pPr>
-            <a:r>
-              <a:rPr lang="zh-CN" altLang="en-US">
+            <a:endParaRPr lang="zh-CN" altLang="en-US" sz="3200">
+              <a:solidFill>
+                <a:srgbClr val="000000"/>
+              </a:solidFill>
+              <a:uFillTx/>
+              <a:sym typeface="Helvetica Light"/>
+            </a:endParaRPr>
+          </a:p>
+          <a:p>
+            <a:pPr marL="0" marR="0" indent="0" algn="l" defTabSz="825500" rtl="0" fontAlgn="auto" latinLnBrk="0" hangingPunct="0">
+              <a:lnSpc>
+                <a:spcPct val="100000"/>
+              </a:lnSpc>
+              <a:spcBef>
+                <a:spcPts val="0"/>
+              </a:spcBef>
+              <a:spcAft>
+                <a:spcPts val="0"/>
+              </a:spcAft>
+              <a:buClrTx/>
+              <a:buSzTx/>
+              <a:buFontTx/>
+              <a:buNone/>
+            </a:pPr>
+            <a:r>
+              <a:rPr lang="zh-CN" altLang="en-US" sz="3200">
+                <a:solidFill>
+                  <a:srgbClr val="000000"/>
+                </a:solidFill>
+                <a:uFillTx/>
                 <a:sym typeface="Helvetica Light"/>
               </a:rPr>
               <a:t>	return 0;</a:t>
             </a:r>
-            <a:endParaRPr lang="zh-CN" altLang="en-US">
-              <a:sym typeface="Helvetica Light"/>
-            </a:endParaRPr>
-          </a:p>
-          <a:p>
-            <a:pPr marL="0" marR="0" indent="0" algn="l" defTabSz="825500" rtl="0" fontAlgn="auto" latinLnBrk="0" hangingPunct="0">
-              <a:lnSpc>
-                <a:spcPct val="100000"/>
-              </a:lnSpc>
-              <a:spcBef>
-                <a:spcPts val="0"/>
-              </a:spcBef>
-              <a:spcAft>
-                <a:spcPts val="0"/>
-              </a:spcAft>
-              <a:buClrTx/>
-              <a:buSzTx/>
-              <a:buFontTx/>
-              <a:buNone/>
-            </a:pPr>
-            <a:r>
-              <a:rPr lang="zh-CN" altLang="en-US">
+            <a:endParaRPr lang="zh-CN" altLang="en-US" sz="3200">
+              <a:solidFill>
+                <a:srgbClr val="000000"/>
+              </a:solidFill>
+              <a:uFillTx/>
+              <a:sym typeface="Helvetica Light"/>
+            </a:endParaRPr>
+          </a:p>
+          <a:p>
+            <a:pPr marL="0" marR="0" indent="0" algn="l" defTabSz="825500" rtl="0" fontAlgn="auto" latinLnBrk="0" hangingPunct="0">
+              <a:lnSpc>
+                <a:spcPct val="100000"/>
+              </a:lnSpc>
+              <a:spcBef>
+                <a:spcPts val="0"/>
+              </a:spcBef>
+              <a:spcAft>
+                <a:spcPts val="0"/>
+              </a:spcAft>
+              <a:buClrTx/>
+              <a:buSzTx/>
+              <a:buFontTx/>
+              <a:buNone/>
+            </a:pPr>
+            <a:r>
+              <a:rPr lang="zh-CN" altLang="en-US" sz="3200">
+                <a:solidFill>
+                  <a:srgbClr val="000000"/>
+                </a:solidFill>
+                <a:uFillTx/>
                 <a:sym typeface="Helvetica Light"/>
               </a:rPr>
               <a:t>}</a:t>
             </a:r>
-            <a:endParaRPr lang="zh-CN" altLang="en-US">
+            <a:endParaRPr lang="zh-CN" altLang="en-US" sz="3200">
+              <a:solidFill>
+                <a:srgbClr val="000000"/>
+              </a:solidFill>
+              <a:uFillTx/>
               <a:sym typeface="Helvetica Light"/>
             </a:endParaRPr>
           </a:p>
@@ -22666,8 +23381,8 @@
         </p:nvSpPr>
         <p:spPr>
           <a:xfrm>
-            <a:off x="1102360" y="593090"/>
-            <a:ext cx="22731095" cy="18568670"/>
+            <a:off x="1390650" y="897890"/>
+            <a:ext cx="22731095" cy="11920220"/>
           </a:xfrm>
           <a:prstGeom prst="rect">
             <a:avLst/>
@@ -22711,604 +23426,792 @@
               <a:buNone/>
             </a:pPr>
             <a:r>
-              <a:rPr lang="zh-CN" altLang="en-US">
+              <a:rPr lang="zh-CN" altLang="en-US" sz="3200">
+                <a:solidFill>
+                  <a:srgbClr val="000000"/>
+                </a:solidFill>
+                <a:uFillTx/>
                 <a:sym typeface="Helvetica Light"/>
               </a:rPr>
               <a:t>struct pt_regs;</a:t>
             </a:r>
-            <a:endParaRPr lang="zh-CN" altLang="en-US">
-              <a:sym typeface="Helvetica Light"/>
-            </a:endParaRPr>
-          </a:p>
-          <a:p>
-            <a:pPr marL="0" marR="0" indent="0" algn="l" defTabSz="825500" rtl="0" fontAlgn="auto" latinLnBrk="0" hangingPunct="0">
-              <a:lnSpc>
-                <a:spcPct val="100000"/>
-              </a:lnSpc>
-              <a:spcBef>
-                <a:spcPts val="0"/>
-              </a:spcBef>
-              <a:spcAft>
-                <a:spcPts val="0"/>
-              </a:spcAft>
-              <a:buClrTx/>
-              <a:buSzTx/>
-              <a:buFontTx/>
-              <a:buNone/>
-            </a:pPr>
-            <a:endParaRPr lang="zh-CN" altLang="en-US">
-              <a:sym typeface="Helvetica Light"/>
-            </a:endParaRPr>
-          </a:p>
-          <a:p>
-            <a:pPr marL="0" marR="0" indent="0" algn="l" defTabSz="825500" rtl="0" fontAlgn="auto" latinLnBrk="0" hangingPunct="0">
-              <a:lnSpc>
-                <a:spcPct val="100000"/>
-              </a:lnSpc>
-              <a:spcBef>
-                <a:spcPts val="0"/>
-              </a:spcBef>
-              <a:spcAft>
-                <a:spcPts val="0"/>
-              </a:spcAft>
-              <a:buClrTx/>
-              <a:buSzTx/>
-              <a:buFontTx/>
-              <a:buNone/>
-            </a:pPr>
-            <a:r>
-              <a:rPr lang="zh-CN" altLang="en-US">
+            <a:endParaRPr lang="zh-CN" altLang="en-US" sz="3200">
+              <a:solidFill>
+                <a:srgbClr val="000000"/>
+              </a:solidFill>
+              <a:uFillTx/>
+              <a:sym typeface="Helvetica Light"/>
+            </a:endParaRPr>
+          </a:p>
+          <a:p>
+            <a:pPr marL="0" marR="0" indent="0" algn="l" defTabSz="825500" rtl="0" fontAlgn="auto" latinLnBrk="0" hangingPunct="0">
+              <a:lnSpc>
+                <a:spcPct val="100000"/>
+              </a:lnSpc>
+              <a:spcBef>
+                <a:spcPts val="0"/>
+              </a:spcBef>
+              <a:spcAft>
+                <a:spcPts val="0"/>
+              </a:spcAft>
+              <a:buClrTx/>
+              <a:buSzTx/>
+              <a:buFontTx/>
+              <a:buNone/>
+            </a:pPr>
+            <a:endParaRPr lang="zh-CN" altLang="en-US" sz="3200">
+              <a:solidFill>
+                <a:srgbClr val="000000"/>
+              </a:solidFill>
+              <a:uFillTx/>
+              <a:sym typeface="Helvetica Light"/>
+            </a:endParaRPr>
+          </a:p>
+          <a:p>
+            <a:pPr marL="0" marR="0" indent="0" algn="l" defTabSz="825500" rtl="0" fontAlgn="auto" latinLnBrk="0" hangingPunct="0">
+              <a:lnSpc>
+                <a:spcPct val="100000"/>
+              </a:lnSpc>
+              <a:spcBef>
+                <a:spcPts val="0"/>
+              </a:spcBef>
+              <a:spcAft>
+                <a:spcPts val="0"/>
+              </a:spcAft>
+              <a:buClrTx/>
+              <a:buSzTx/>
+              <a:buFontTx/>
+              <a:buNone/>
+            </a:pPr>
+            <a:r>
+              <a:rPr lang="zh-CN" altLang="en-US" sz="3200">
+                <a:solidFill>
+                  <a:srgbClr val="000000"/>
+                </a:solidFill>
+                <a:uFillTx/>
                 <a:sym typeface="Helvetica Light"/>
               </a:rPr>
               <a:t>#define SC_ARM64_REGS_TO_ARGS(x, ...)				\</a:t>
             </a:r>
-            <a:endParaRPr lang="zh-CN" altLang="en-US">
-              <a:sym typeface="Helvetica Light"/>
-            </a:endParaRPr>
-          </a:p>
-          <a:p>
-            <a:pPr marL="0" marR="0" indent="0" algn="l" defTabSz="825500" rtl="0" fontAlgn="auto" latinLnBrk="0" hangingPunct="0">
-              <a:lnSpc>
-                <a:spcPct val="100000"/>
-              </a:lnSpc>
-              <a:spcBef>
-                <a:spcPts val="0"/>
-              </a:spcBef>
-              <a:spcAft>
-                <a:spcPts val="0"/>
-              </a:spcAft>
-              <a:buClrTx/>
-              <a:buSzTx/>
-              <a:buFontTx/>
-              <a:buNone/>
-            </a:pPr>
-            <a:r>
-              <a:rPr lang="zh-CN" altLang="en-US">
+            <a:endParaRPr lang="zh-CN" altLang="en-US" sz="3200">
+              <a:solidFill>
+                <a:srgbClr val="000000"/>
+              </a:solidFill>
+              <a:uFillTx/>
+              <a:sym typeface="Helvetica Light"/>
+            </a:endParaRPr>
+          </a:p>
+          <a:p>
+            <a:pPr marL="0" marR="0" indent="0" algn="l" defTabSz="825500" rtl="0" fontAlgn="auto" latinLnBrk="0" hangingPunct="0">
+              <a:lnSpc>
+                <a:spcPct val="100000"/>
+              </a:lnSpc>
+              <a:spcBef>
+                <a:spcPts val="0"/>
+              </a:spcBef>
+              <a:spcAft>
+                <a:spcPts val="0"/>
+              </a:spcAft>
+              <a:buClrTx/>
+              <a:buSzTx/>
+              <a:buFontTx/>
+              <a:buNone/>
+            </a:pPr>
+            <a:r>
+              <a:rPr lang="zh-CN" altLang="en-US" sz="3200">
+                <a:solidFill>
+                  <a:srgbClr val="000000"/>
+                </a:solidFill>
+                <a:uFillTx/>
                 <a:sym typeface="Helvetica Light"/>
               </a:rPr>
               <a:t>	__MAP(x,__SC_ARGS					\</a:t>
             </a:r>
-            <a:endParaRPr lang="zh-CN" altLang="en-US">
-              <a:sym typeface="Helvetica Light"/>
-            </a:endParaRPr>
-          </a:p>
-          <a:p>
-            <a:pPr marL="0" marR="0" indent="0" algn="l" defTabSz="825500" rtl="0" fontAlgn="auto" latinLnBrk="0" hangingPunct="0">
-              <a:lnSpc>
-                <a:spcPct val="100000"/>
-              </a:lnSpc>
-              <a:spcBef>
-                <a:spcPts val="0"/>
-              </a:spcBef>
-              <a:spcAft>
-                <a:spcPts val="0"/>
-              </a:spcAft>
-              <a:buClrTx/>
-              <a:buSzTx/>
-              <a:buFontTx/>
-              <a:buNone/>
-            </a:pPr>
-            <a:r>
-              <a:rPr lang="zh-CN" altLang="en-US">
+            <a:endParaRPr lang="zh-CN" altLang="en-US" sz="3200">
+              <a:solidFill>
+                <a:srgbClr val="000000"/>
+              </a:solidFill>
+              <a:uFillTx/>
+              <a:sym typeface="Helvetica Light"/>
+            </a:endParaRPr>
+          </a:p>
+          <a:p>
+            <a:pPr marL="0" marR="0" indent="0" algn="l" defTabSz="825500" rtl="0" fontAlgn="auto" latinLnBrk="0" hangingPunct="0">
+              <a:lnSpc>
+                <a:spcPct val="100000"/>
+              </a:lnSpc>
+              <a:spcBef>
+                <a:spcPts val="0"/>
+              </a:spcBef>
+              <a:spcAft>
+                <a:spcPts val="0"/>
+              </a:spcAft>
+              <a:buClrTx/>
+              <a:buSzTx/>
+              <a:buFontTx/>
+              <a:buNone/>
+            </a:pPr>
+            <a:r>
+              <a:rPr lang="zh-CN" altLang="en-US" sz="3200">
+                <a:solidFill>
+                  <a:srgbClr val="000000"/>
+                </a:solidFill>
+                <a:uFillTx/>
                 <a:sym typeface="Helvetica Light"/>
               </a:rPr>
               <a:t>	      ,,regs-&gt;regs[0],,regs-&gt;regs[1],,regs-&gt;regs[2]	\</a:t>
             </a:r>
-            <a:endParaRPr lang="zh-CN" altLang="en-US">
-              <a:sym typeface="Helvetica Light"/>
-            </a:endParaRPr>
-          </a:p>
-          <a:p>
-            <a:pPr marL="0" marR="0" indent="0" algn="l" defTabSz="825500" rtl="0" fontAlgn="auto" latinLnBrk="0" hangingPunct="0">
-              <a:lnSpc>
-                <a:spcPct val="100000"/>
-              </a:lnSpc>
-              <a:spcBef>
-                <a:spcPts val="0"/>
-              </a:spcBef>
-              <a:spcAft>
-                <a:spcPts val="0"/>
-              </a:spcAft>
-              <a:buClrTx/>
-              <a:buSzTx/>
-              <a:buFontTx/>
-              <a:buNone/>
-            </a:pPr>
-            <a:r>
-              <a:rPr lang="zh-CN" altLang="en-US">
+            <a:endParaRPr lang="zh-CN" altLang="en-US" sz="3200">
+              <a:solidFill>
+                <a:srgbClr val="000000"/>
+              </a:solidFill>
+              <a:uFillTx/>
+              <a:sym typeface="Helvetica Light"/>
+            </a:endParaRPr>
+          </a:p>
+          <a:p>
+            <a:pPr marL="0" marR="0" indent="0" algn="l" defTabSz="825500" rtl="0" fontAlgn="auto" latinLnBrk="0" hangingPunct="0">
+              <a:lnSpc>
+                <a:spcPct val="100000"/>
+              </a:lnSpc>
+              <a:spcBef>
+                <a:spcPts val="0"/>
+              </a:spcBef>
+              <a:spcAft>
+                <a:spcPts val="0"/>
+              </a:spcAft>
+              <a:buClrTx/>
+              <a:buSzTx/>
+              <a:buFontTx/>
+              <a:buNone/>
+            </a:pPr>
+            <a:r>
+              <a:rPr lang="zh-CN" altLang="en-US" sz="3200">
+                <a:solidFill>
+                  <a:srgbClr val="000000"/>
+                </a:solidFill>
+                <a:uFillTx/>
                 <a:sym typeface="Helvetica Light"/>
               </a:rPr>
               <a:t>	      ,,regs-&gt;regs[3],,regs-&gt;regs[4],,regs-&gt;regs[5])</a:t>
             </a:r>
-            <a:endParaRPr lang="zh-CN" altLang="en-US">
-              <a:sym typeface="Helvetica Light"/>
-            </a:endParaRPr>
-          </a:p>
-          <a:p>
-            <a:pPr marL="0" marR="0" indent="0" algn="l" defTabSz="825500" rtl="0" fontAlgn="auto" latinLnBrk="0" hangingPunct="0">
-              <a:lnSpc>
-                <a:spcPct val="100000"/>
-              </a:lnSpc>
-              <a:spcBef>
-                <a:spcPts val="0"/>
-              </a:spcBef>
-              <a:spcAft>
-                <a:spcPts val="0"/>
-              </a:spcAft>
-              <a:buClrTx/>
-              <a:buSzTx/>
-              <a:buFontTx/>
-              <a:buNone/>
-            </a:pPr>
-            <a:r>
-              <a:rPr lang="zh-CN" altLang="en-US">
+            <a:endParaRPr lang="zh-CN" altLang="en-US" sz="3200">
+              <a:solidFill>
+                <a:srgbClr val="000000"/>
+              </a:solidFill>
+              <a:uFillTx/>
+              <a:sym typeface="Helvetica Light"/>
+            </a:endParaRPr>
+          </a:p>
+          <a:p>
+            <a:pPr marL="0" marR="0" indent="0" algn="l" defTabSz="825500" rtl="0" fontAlgn="auto" latinLnBrk="0" hangingPunct="0">
+              <a:lnSpc>
+                <a:spcPct val="100000"/>
+              </a:lnSpc>
+              <a:spcBef>
+                <a:spcPts val="0"/>
+              </a:spcBef>
+              <a:spcAft>
+                <a:spcPts val="0"/>
+              </a:spcAft>
+              <a:buClrTx/>
+              <a:buSzTx/>
+              <a:buFontTx/>
+              <a:buNone/>
+            </a:pPr>
+            <a:r>
+              <a:rPr lang="zh-CN" altLang="en-US" sz="3200">
+                <a:solidFill>
+                  <a:srgbClr val="000000"/>
+                </a:solidFill>
+                <a:uFillTx/>
                 <a:sym typeface="Helvetica Light"/>
               </a:rPr>
               <a:t>。。。</a:t>
             </a:r>
-            <a:endParaRPr lang="zh-CN" altLang="en-US">
-              <a:sym typeface="Helvetica Light"/>
-            </a:endParaRPr>
-          </a:p>
-          <a:p>
-            <a:pPr marL="0" marR="0" indent="0" algn="l" defTabSz="825500" rtl="0" fontAlgn="auto" latinLnBrk="0" hangingPunct="0">
-              <a:lnSpc>
-                <a:spcPct val="100000"/>
-              </a:lnSpc>
-              <a:spcBef>
-                <a:spcPts val="0"/>
-              </a:spcBef>
-              <a:spcAft>
-                <a:spcPts val="0"/>
-              </a:spcAft>
-              <a:buClrTx/>
-              <a:buSzTx/>
-              <a:buFontTx/>
-              <a:buNone/>
-            </a:pPr>
-            <a:r>
-              <a:rPr lang="zh-CN" altLang="en-US">
+            <a:endParaRPr lang="zh-CN" altLang="en-US" sz="3200">
+              <a:solidFill>
+                <a:srgbClr val="000000"/>
+              </a:solidFill>
+              <a:uFillTx/>
+              <a:sym typeface="Helvetica Light"/>
+            </a:endParaRPr>
+          </a:p>
+          <a:p>
+            <a:pPr marL="0" marR="0" indent="0" algn="l" defTabSz="825500" rtl="0" fontAlgn="auto" latinLnBrk="0" hangingPunct="0">
+              <a:lnSpc>
+                <a:spcPct val="100000"/>
+              </a:lnSpc>
+              <a:spcBef>
+                <a:spcPts val="0"/>
+              </a:spcBef>
+              <a:spcAft>
+                <a:spcPts val="0"/>
+              </a:spcAft>
+              <a:buClrTx/>
+              <a:buSzTx/>
+              <a:buFontTx/>
+              <a:buNone/>
+            </a:pPr>
+            <a:r>
+              <a:rPr lang="zh-CN" altLang="en-US" sz="3200">
+                <a:solidFill>
+                  <a:srgbClr val="000000"/>
+                </a:solidFill>
+                <a:uFillTx/>
                 <a:sym typeface="Helvetica Light"/>
               </a:rPr>
               <a:t>#define __SYSCALL_DEFINEx(x, name, ...) \</a:t>
             </a:r>
-            <a:endParaRPr lang="zh-CN" altLang="en-US">
-              <a:sym typeface="Helvetica Light"/>
-            </a:endParaRPr>
-          </a:p>
-          <a:p>
-            <a:pPr marL="0" marR="0" indent="0" algn="l" defTabSz="825500" rtl="0" fontAlgn="auto" latinLnBrk="0" hangingPunct="0">
-              <a:lnSpc>
-                <a:spcPct val="100000"/>
-              </a:lnSpc>
-              <a:spcBef>
-                <a:spcPts val="0"/>
-              </a:spcBef>
-              <a:spcAft>
-                <a:spcPts val="0"/>
-              </a:spcAft>
-              <a:buClrTx/>
-              <a:buSzTx/>
-              <a:buFontTx/>
-              <a:buNone/>
-            </a:pPr>
-            <a:r>
-              <a:rPr lang="zh-CN" altLang="en-US">
+            <a:endParaRPr lang="zh-CN" altLang="en-US" sz="3200">
+              <a:solidFill>
+                <a:srgbClr val="000000"/>
+              </a:solidFill>
+              <a:uFillTx/>
+              <a:sym typeface="Helvetica Light"/>
+            </a:endParaRPr>
+          </a:p>
+          <a:p>
+            <a:pPr marL="0" marR="0" indent="0" algn="l" defTabSz="825500" rtl="0" fontAlgn="auto" latinLnBrk="0" hangingPunct="0">
+              <a:lnSpc>
+                <a:spcPct val="100000"/>
+              </a:lnSpc>
+              <a:spcBef>
+                <a:spcPts val="0"/>
+              </a:spcBef>
+              <a:spcAft>
+                <a:spcPts val="0"/>
+              </a:spcAft>
+              <a:buClrTx/>
+              <a:buSzTx/>
+              <a:buFontTx/>
+              <a:buNone/>
+            </a:pPr>
+            <a:r>
+              <a:rPr lang="zh-CN" altLang="en-US" sz="3200">
+                <a:solidFill>
+                  <a:srgbClr val="000000"/>
+                </a:solidFill>
+                <a:uFillTx/>
                 <a:sym typeface="Helvetica Light"/>
               </a:rPr>
               <a:t>asmlinkage long __arm64_sys##name(const struct pt_regs *regs); \</a:t>
             </a:r>
-            <a:endParaRPr lang="zh-CN" altLang="en-US">
-              <a:sym typeface="Helvetica Light"/>
-            </a:endParaRPr>
-          </a:p>
-          <a:p>
-            <a:pPr marL="0" marR="0" indent="0" algn="l" defTabSz="825500" rtl="0" fontAlgn="auto" latinLnBrk="0" hangingPunct="0">
-              <a:lnSpc>
-                <a:spcPct val="100000"/>
-              </a:lnSpc>
-              <a:spcBef>
-                <a:spcPts val="0"/>
-              </a:spcBef>
-              <a:spcAft>
-                <a:spcPts val="0"/>
-              </a:spcAft>
-              <a:buClrTx/>
-              <a:buSzTx/>
-              <a:buFontTx/>
-              <a:buNone/>
-            </a:pPr>
-            <a:r>
-              <a:rPr lang="zh-CN" altLang="en-US">
+            <a:endParaRPr lang="zh-CN" altLang="en-US" sz="3200">
+              <a:solidFill>
+                <a:srgbClr val="000000"/>
+              </a:solidFill>
+              <a:uFillTx/>
+              <a:sym typeface="Helvetica Light"/>
+            </a:endParaRPr>
+          </a:p>
+          <a:p>
+            <a:pPr marL="0" marR="0" indent="0" algn="l" defTabSz="825500" rtl="0" fontAlgn="auto" latinLnBrk="0" hangingPunct="0">
+              <a:lnSpc>
+                <a:spcPct val="100000"/>
+              </a:lnSpc>
+              <a:spcBef>
+                <a:spcPts val="0"/>
+              </a:spcBef>
+              <a:spcAft>
+                <a:spcPts val="0"/>
+              </a:spcAft>
+              <a:buClrTx/>
+              <a:buSzTx/>
+              <a:buFontTx/>
+              <a:buNone/>
+            </a:pPr>
+            <a:r>
+              <a:rPr lang="zh-CN" altLang="en-US" sz="3200">
+                <a:solidFill>
+                  <a:srgbClr val="000000"/>
+                </a:solidFill>
+                <a:uFillTx/>
                 <a:sym typeface="Helvetica Light"/>
               </a:rPr>
               <a:t>ALLOW_ERROR_INJECTION(__arm64_sys##name, ERRNO); \</a:t>
             </a:r>
-            <a:endParaRPr lang="zh-CN" altLang="en-US">
-              <a:sym typeface="Helvetica Light"/>
-            </a:endParaRPr>
-          </a:p>
-          <a:p>
-            <a:pPr marL="0" marR="0" indent="0" algn="l" defTabSz="825500" rtl="0" fontAlgn="auto" latinLnBrk="0" hangingPunct="0">
-              <a:lnSpc>
-                <a:spcPct val="100000"/>
-              </a:lnSpc>
-              <a:spcBef>
-                <a:spcPts val="0"/>
-              </a:spcBef>
-              <a:spcAft>
-                <a:spcPts val="0"/>
-              </a:spcAft>
-              <a:buClrTx/>
-              <a:buSzTx/>
-              <a:buFontTx/>
-              <a:buNone/>
-            </a:pPr>
-            <a:r>
-              <a:rPr lang="zh-CN" altLang="en-US">
+            <a:endParaRPr lang="zh-CN" altLang="en-US" sz="3200">
+              <a:solidFill>
+                <a:srgbClr val="000000"/>
+              </a:solidFill>
+              <a:uFillTx/>
+              <a:sym typeface="Helvetica Light"/>
+            </a:endParaRPr>
+          </a:p>
+          <a:p>
+            <a:pPr marL="0" marR="0" indent="0" algn="l" defTabSz="825500" rtl="0" fontAlgn="auto" latinLnBrk="0" hangingPunct="0">
+              <a:lnSpc>
+                <a:spcPct val="100000"/>
+              </a:lnSpc>
+              <a:spcBef>
+                <a:spcPts val="0"/>
+              </a:spcBef>
+              <a:spcAft>
+                <a:spcPts val="0"/>
+              </a:spcAft>
+              <a:buClrTx/>
+              <a:buSzTx/>
+              <a:buFontTx/>
+              <a:buNone/>
+            </a:pPr>
+            <a:r>
+              <a:rPr lang="zh-CN" altLang="en-US" sz="3200">
+                <a:solidFill>
+                  <a:srgbClr val="000000"/>
+                </a:solidFill>
+                <a:uFillTx/>
                 <a:sym typeface="Helvetica Light"/>
               </a:rPr>
               <a:t>static long __se_sys##name(__MAP(x,__SC_LONG,__VA_ARGS__)); \</a:t>
             </a:r>
-            <a:endParaRPr lang="zh-CN" altLang="en-US">
-              <a:sym typeface="Helvetica Light"/>
-            </a:endParaRPr>
-          </a:p>
-          <a:p>
-            <a:pPr marL="0" marR="0" indent="0" algn="l" defTabSz="825500" rtl="0" fontAlgn="auto" latinLnBrk="0" hangingPunct="0">
-              <a:lnSpc>
-                <a:spcPct val="100000"/>
-              </a:lnSpc>
-              <a:spcBef>
-                <a:spcPts val="0"/>
-              </a:spcBef>
-              <a:spcAft>
-                <a:spcPts val="0"/>
-              </a:spcAft>
-              <a:buClrTx/>
-              <a:buSzTx/>
-              <a:buFontTx/>
-              <a:buNone/>
-            </a:pPr>
-            <a:r>
-              <a:rPr lang="zh-CN" altLang="en-US">
+            <a:endParaRPr lang="zh-CN" altLang="en-US" sz="3200">
+              <a:solidFill>
+                <a:srgbClr val="000000"/>
+              </a:solidFill>
+              <a:uFillTx/>
+              <a:sym typeface="Helvetica Light"/>
+            </a:endParaRPr>
+          </a:p>
+          <a:p>
+            <a:pPr marL="0" marR="0" indent="0" algn="l" defTabSz="825500" rtl="0" fontAlgn="auto" latinLnBrk="0" hangingPunct="0">
+              <a:lnSpc>
+                <a:spcPct val="100000"/>
+              </a:lnSpc>
+              <a:spcBef>
+                <a:spcPts val="0"/>
+              </a:spcBef>
+              <a:spcAft>
+                <a:spcPts val="0"/>
+              </a:spcAft>
+              <a:buClrTx/>
+              <a:buSzTx/>
+              <a:buFontTx/>
+              <a:buNone/>
+            </a:pPr>
+            <a:r>
+              <a:rPr lang="zh-CN" altLang="en-US" sz="3200">
+                <a:solidFill>
+                  <a:srgbClr val="000000"/>
+                </a:solidFill>
+                <a:uFillTx/>
                 <a:sym typeface="Helvetica Light"/>
               </a:rPr>
               <a:t>static inline long __do_sys##name(__MAP(x,__SC_DECL,__VA_ARGS__)); \</a:t>
             </a:r>
-            <a:endParaRPr lang="zh-CN" altLang="en-US">
-              <a:sym typeface="Helvetica Light"/>
-            </a:endParaRPr>
-          </a:p>
-          <a:p>
-            <a:pPr marL="0" marR="0" indent="0" algn="l" defTabSz="825500" rtl="0" fontAlgn="auto" latinLnBrk="0" hangingPunct="0">
-              <a:lnSpc>
-                <a:spcPct val="100000"/>
-              </a:lnSpc>
-              <a:spcBef>
-                <a:spcPts val="0"/>
-              </a:spcBef>
-              <a:spcAft>
-                <a:spcPts val="0"/>
-              </a:spcAft>
-              <a:buClrTx/>
-              <a:buSzTx/>
-              <a:buFontTx/>
-              <a:buNone/>
-            </a:pPr>
-            <a:r>
-              <a:rPr lang="zh-CN" altLang="en-US">
+            <a:endParaRPr lang="zh-CN" altLang="en-US" sz="3200">
+              <a:solidFill>
+                <a:srgbClr val="000000"/>
+              </a:solidFill>
+              <a:uFillTx/>
+              <a:sym typeface="Helvetica Light"/>
+            </a:endParaRPr>
+          </a:p>
+          <a:p>
+            <a:pPr marL="0" marR="0" indent="0" algn="l" defTabSz="825500" rtl="0" fontAlgn="auto" latinLnBrk="0" hangingPunct="0">
+              <a:lnSpc>
+                <a:spcPct val="100000"/>
+              </a:lnSpc>
+              <a:spcBef>
+                <a:spcPts val="0"/>
+              </a:spcBef>
+              <a:spcAft>
+                <a:spcPts val="0"/>
+              </a:spcAft>
+              <a:buClrTx/>
+              <a:buSzTx/>
+              <a:buFontTx/>
+              <a:buNone/>
+            </a:pPr>
+            <a:r>
+              <a:rPr lang="zh-CN" altLang="en-US" sz="3200">
+                <a:solidFill>
+                  <a:srgbClr val="000000"/>
+                </a:solidFill>
+                <a:uFillTx/>
                 <a:sym typeface="Helvetica Light"/>
               </a:rPr>
               <a:t>asmlinkage long __arm64_sys##name(const struct pt_regs *regs) \</a:t>
             </a:r>
-            <a:endParaRPr lang="zh-CN" altLang="en-US">
-              <a:sym typeface="Helvetica Light"/>
-            </a:endParaRPr>
-          </a:p>
-          <a:p>
-            <a:pPr marL="0" marR="0" indent="0" algn="l" defTabSz="825500" rtl="0" fontAlgn="auto" latinLnBrk="0" hangingPunct="0">
-              <a:lnSpc>
-                <a:spcPct val="100000"/>
-              </a:lnSpc>
-              <a:spcBef>
-                <a:spcPts val="0"/>
-              </a:spcBef>
-              <a:spcAft>
-                <a:spcPts val="0"/>
-              </a:spcAft>
-              <a:buClrTx/>
-              <a:buSzTx/>
-              <a:buFontTx/>
-              <a:buNone/>
-            </a:pPr>
-            <a:r>
-              <a:rPr lang="zh-CN" altLang="en-US">
+            <a:endParaRPr lang="zh-CN" altLang="en-US" sz="3200">
+              <a:solidFill>
+                <a:srgbClr val="000000"/>
+              </a:solidFill>
+              <a:uFillTx/>
+              <a:sym typeface="Helvetica Light"/>
+            </a:endParaRPr>
+          </a:p>
+          <a:p>
+            <a:pPr marL="0" marR="0" indent="0" algn="l" defTabSz="825500" rtl="0" fontAlgn="auto" latinLnBrk="0" hangingPunct="0">
+              <a:lnSpc>
+                <a:spcPct val="100000"/>
+              </a:lnSpc>
+              <a:spcBef>
+                <a:spcPts val="0"/>
+              </a:spcBef>
+              <a:spcAft>
+                <a:spcPts val="0"/>
+              </a:spcAft>
+              <a:buClrTx/>
+              <a:buSzTx/>
+              <a:buFontTx/>
+              <a:buNone/>
+            </a:pPr>
+            <a:r>
+              <a:rPr lang="zh-CN" altLang="en-US" sz="3200">
+                <a:solidFill>
+                  <a:srgbClr val="000000"/>
+                </a:solidFill>
+                <a:uFillTx/>
                 <a:sym typeface="Helvetica Light"/>
               </a:rPr>
               <a:t>{ \</a:t>
             </a:r>
-            <a:endParaRPr lang="zh-CN" altLang="en-US">
-              <a:sym typeface="Helvetica Light"/>
-            </a:endParaRPr>
-          </a:p>
-          <a:p>
-            <a:pPr marL="0" marR="0" indent="0" algn="l" defTabSz="825500" rtl="0" fontAlgn="auto" latinLnBrk="0" hangingPunct="0">
-              <a:lnSpc>
-                <a:spcPct val="100000"/>
-              </a:lnSpc>
-              <a:spcBef>
-                <a:spcPts val="0"/>
-              </a:spcBef>
-              <a:spcAft>
-                <a:spcPts val="0"/>
-              </a:spcAft>
-              <a:buClrTx/>
-              <a:buSzTx/>
-              <a:buFontTx/>
-              <a:buNone/>
-            </a:pPr>
-            <a:r>
-              <a:rPr lang="zh-CN" altLang="en-US">
+            <a:endParaRPr lang="zh-CN" altLang="en-US" sz="3200">
+              <a:solidFill>
+                <a:srgbClr val="000000"/>
+              </a:solidFill>
+              <a:uFillTx/>
+              <a:sym typeface="Helvetica Light"/>
+            </a:endParaRPr>
+          </a:p>
+          <a:p>
+            <a:pPr marL="0" marR="0" indent="0" algn="l" defTabSz="825500" rtl="0" fontAlgn="auto" latinLnBrk="0" hangingPunct="0">
+              <a:lnSpc>
+                <a:spcPct val="100000"/>
+              </a:lnSpc>
+              <a:spcBef>
+                <a:spcPts val="0"/>
+              </a:spcBef>
+              <a:spcAft>
+                <a:spcPts val="0"/>
+              </a:spcAft>
+              <a:buClrTx/>
+              <a:buSzTx/>
+              <a:buFontTx/>
+              <a:buNone/>
+            </a:pPr>
+            <a:r>
+              <a:rPr lang="zh-CN" altLang="en-US" sz="3200">
+                <a:solidFill>
+                  <a:srgbClr val="000000"/>
+                </a:solidFill>
+                <a:uFillTx/>
                 <a:sym typeface="Helvetica Light"/>
               </a:rPr>
               <a:t>return __se_sys##name(SC_ARM64_REGS_TO_ARGS(x,__VA_ARGS__)); \</a:t>
             </a:r>
-            <a:endParaRPr lang="zh-CN" altLang="en-US">
-              <a:sym typeface="Helvetica Light"/>
-            </a:endParaRPr>
-          </a:p>
-          <a:p>
-            <a:pPr marL="0" marR="0" indent="0" algn="l" defTabSz="825500" rtl="0" fontAlgn="auto" latinLnBrk="0" hangingPunct="0">
-              <a:lnSpc>
-                <a:spcPct val="100000"/>
-              </a:lnSpc>
-              <a:spcBef>
-                <a:spcPts val="0"/>
-              </a:spcBef>
-              <a:spcAft>
-                <a:spcPts val="0"/>
-              </a:spcAft>
-              <a:buClrTx/>
-              <a:buSzTx/>
-              <a:buFontTx/>
-              <a:buNone/>
-            </a:pPr>
-            <a:r>
-              <a:rPr lang="zh-CN" altLang="en-US">
+            <a:endParaRPr lang="zh-CN" altLang="en-US" sz="3200">
+              <a:solidFill>
+                <a:srgbClr val="000000"/>
+              </a:solidFill>
+              <a:uFillTx/>
+              <a:sym typeface="Helvetica Light"/>
+            </a:endParaRPr>
+          </a:p>
+          <a:p>
+            <a:pPr marL="0" marR="0" indent="0" algn="l" defTabSz="825500" rtl="0" fontAlgn="auto" latinLnBrk="0" hangingPunct="0">
+              <a:lnSpc>
+                <a:spcPct val="100000"/>
+              </a:lnSpc>
+              <a:spcBef>
+                <a:spcPts val="0"/>
+              </a:spcBef>
+              <a:spcAft>
+                <a:spcPts val="0"/>
+              </a:spcAft>
+              <a:buClrTx/>
+              <a:buSzTx/>
+              <a:buFontTx/>
+              <a:buNone/>
+            </a:pPr>
+            <a:r>
+              <a:rPr lang="zh-CN" altLang="en-US" sz="3200">
+                <a:solidFill>
+                  <a:srgbClr val="000000"/>
+                </a:solidFill>
+                <a:uFillTx/>
                 <a:sym typeface="Helvetica Light"/>
               </a:rPr>
               <a:t>} \</a:t>
             </a:r>
-            <a:endParaRPr lang="zh-CN" altLang="en-US">
-              <a:sym typeface="Helvetica Light"/>
-            </a:endParaRPr>
-          </a:p>
-          <a:p>
-            <a:pPr marL="0" marR="0" indent="0" algn="l" defTabSz="825500" rtl="0" fontAlgn="auto" latinLnBrk="0" hangingPunct="0">
-              <a:lnSpc>
-                <a:spcPct val="100000"/>
-              </a:lnSpc>
-              <a:spcBef>
-                <a:spcPts val="0"/>
-              </a:spcBef>
-              <a:spcAft>
-                <a:spcPts val="0"/>
-              </a:spcAft>
-              <a:buClrTx/>
-              <a:buSzTx/>
-              <a:buFontTx/>
-              <a:buNone/>
-            </a:pPr>
-            <a:r>
-              <a:rPr lang="zh-CN" altLang="en-US">
+            <a:endParaRPr lang="zh-CN" altLang="en-US" sz="3200">
+              <a:solidFill>
+                <a:srgbClr val="000000"/>
+              </a:solidFill>
+              <a:uFillTx/>
+              <a:sym typeface="Helvetica Light"/>
+            </a:endParaRPr>
+          </a:p>
+          <a:p>
+            <a:pPr marL="0" marR="0" indent="0" algn="l" defTabSz="825500" rtl="0" fontAlgn="auto" latinLnBrk="0" hangingPunct="0">
+              <a:lnSpc>
+                <a:spcPct val="100000"/>
+              </a:lnSpc>
+              <a:spcBef>
+                <a:spcPts val="0"/>
+              </a:spcBef>
+              <a:spcAft>
+                <a:spcPts val="0"/>
+              </a:spcAft>
+              <a:buClrTx/>
+              <a:buSzTx/>
+              <a:buFontTx/>
+              <a:buNone/>
+            </a:pPr>
+            <a:r>
+              <a:rPr lang="zh-CN" altLang="en-US" sz="3200">
+                <a:solidFill>
+                  <a:srgbClr val="000000"/>
+                </a:solidFill>
+                <a:uFillTx/>
                 <a:sym typeface="Helvetica Light"/>
               </a:rPr>
               <a:t>static long __se_sys##name(__MAP(x,__SC_LONG,__VA_ARGS__)) \</a:t>
             </a:r>
-            <a:endParaRPr lang="zh-CN" altLang="en-US">
-              <a:sym typeface="Helvetica Light"/>
-            </a:endParaRPr>
-          </a:p>
-          <a:p>
-            <a:pPr marL="0" marR="0" indent="0" algn="l" defTabSz="825500" rtl="0" fontAlgn="auto" latinLnBrk="0" hangingPunct="0">
-              <a:lnSpc>
-                <a:spcPct val="100000"/>
-              </a:lnSpc>
-              <a:spcBef>
-                <a:spcPts val="0"/>
-              </a:spcBef>
-              <a:spcAft>
-                <a:spcPts val="0"/>
-              </a:spcAft>
-              <a:buClrTx/>
-              <a:buSzTx/>
-              <a:buFontTx/>
-              <a:buNone/>
-            </a:pPr>
-            <a:r>
-              <a:rPr lang="zh-CN" altLang="en-US">
+            <a:endParaRPr lang="zh-CN" altLang="en-US" sz="3200">
+              <a:solidFill>
+                <a:srgbClr val="000000"/>
+              </a:solidFill>
+              <a:uFillTx/>
+              <a:sym typeface="Helvetica Light"/>
+            </a:endParaRPr>
+          </a:p>
+          <a:p>
+            <a:pPr marL="0" marR="0" indent="0" algn="l" defTabSz="825500" rtl="0" fontAlgn="auto" latinLnBrk="0" hangingPunct="0">
+              <a:lnSpc>
+                <a:spcPct val="100000"/>
+              </a:lnSpc>
+              <a:spcBef>
+                <a:spcPts val="0"/>
+              </a:spcBef>
+              <a:spcAft>
+                <a:spcPts val="0"/>
+              </a:spcAft>
+              <a:buClrTx/>
+              <a:buSzTx/>
+              <a:buFontTx/>
+              <a:buNone/>
+            </a:pPr>
+            <a:r>
+              <a:rPr lang="zh-CN" altLang="en-US" sz="3200">
+                <a:solidFill>
+                  <a:srgbClr val="000000"/>
+                </a:solidFill>
+                <a:uFillTx/>
                 <a:sym typeface="Helvetica Light"/>
               </a:rPr>
               <a:t>{ \</a:t>
             </a:r>
-            <a:endParaRPr lang="zh-CN" altLang="en-US">
-              <a:sym typeface="Helvetica Light"/>
-            </a:endParaRPr>
-          </a:p>
-          <a:p>
-            <a:pPr marL="0" marR="0" indent="0" algn="l" defTabSz="825500" rtl="0" fontAlgn="auto" latinLnBrk="0" hangingPunct="0">
-              <a:lnSpc>
-                <a:spcPct val="100000"/>
-              </a:lnSpc>
-              <a:spcBef>
-                <a:spcPts val="0"/>
-              </a:spcBef>
-              <a:spcAft>
-                <a:spcPts val="0"/>
-              </a:spcAft>
-              <a:buClrTx/>
-              <a:buSzTx/>
-              <a:buFontTx/>
-              <a:buNone/>
-            </a:pPr>
-            <a:r>
-              <a:rPr lang="zh-CN" altLang="en-US">
+            <a:endParaRPr lang="zh-CN" altLang="en-US" sz="3200">
+              <a:solidFill>
+                <a:srgbClr val="000000"/>
+              </a:solidFill>
+              <a:uFillTx/>
+              <a:sym typeface="Helvetica Light"/>
+            </a:endParaRPr>
+          </a:p>
+          <a:p>
+            <a:pPr marL="0" marR="0" indent="0" algn="l" defTabSz="825500" rtl="0" fontAlgn="auto" latinLnBrk="0" hangingPunct="0">
+              <a:lnSpc>
+                <a:spcPct val="100000"/>
+              </a:lnSpc>
+              <a:spcBef>
+                <a:spcPts val="0"/>
+              </a:spcBef>
+              <a:spcAft>
+                <a:spcPts val="0"/>
+              </a:spcAft>
+              <a:buClrTx/>
+              <a:buSzTx/>
+              <a:buFontTx/>
+              <a:buNone/>
+            </a:pPr>
+            <a:r>
+              <a:rPr lang="zh-CN" altLang="en-US" sz="3200">
+                <a:solidFill>
+                  <a:srgbClr val="000000"/>
+                </a:solidFill>
+                <a:uFillTx/>
                 <a:sym typeface="Helvetica Light"/>
               </a:rPr>
               <a:t>long ret = __do_sys##name(__MAP(x,__SC_CAST,__VA_ARGS__)); \</a:t>
             </a:r>
-            <a:endParaRPr lang="zh-CN" altLang="en-US">
-              <a:sym typeface="Helvetica Light"/>
-            </a:endParaRPr>
-          </a:p>
-          <a:p>
-            <a:pPr marL="0" marR="0" indent="0" algn="l" defTabSz="825500" rtl="0" fontAlgn="auto" latinLnBrk="0" hangingPunct="0">
-              <a:lnSpc>
-                <a:spcPct val="100000"/>
-              </a:lnSpc>
-              <a:spcBef>
-                <a:spcPts val="0"/>
-              </a:spcBef>
-              <a:spcAft>
-                <a:spcPts val="0"/>
-              </a:spcAft>
-              <a:buClrTx/>
-              <a:buSzTx/>
-              <a:buFontTx/>
-              <a:buNone/>
-            </a:pPr>
-            <a:r>
-              <a:rPr lang="zh-CN" altLang="en-US">
+            <a:endParaRPr lang="zh-CN" altLang="en-US" sz="3200">
+              <a:solidFill>
+                <a:srgbClr val="000000"/>
+              </a:solidFill>
+              <a:uFillTx/>
+              <a:sym typeface="Helvetica Light"/>
+            </a:endParaRPr>
+          </a:p>
+          <a:p>
+            <a:pPr marL="0" marR="0" indent="0" algn="l" defTabSz="825500" rtl="0" fontAlgn="auto" latinLnBrk="0" hangingPunct="0">
+              <a:lnSpc>
+                <a:spcPct val="100000"/>
+              </a:lnSpc>
+              <a:spcBef>
+                <a:spcPts val="0"/>
+              </a:spcBef>
+              <a:spcAft>
+                <a:spcPts val="0"/>
+              </a:spcAft>
+              <a:buClrTx/>
+              <a:buSzTx/>
+              <a:buFontTx/>
+              <a:buNone/>
+            </a:pPr>
+            <a:r>
+              <a:rPr lang="zh-CN" altLang="en-US" sz="3200">
+                <a:solidFill>
+                  <a:srgbClr val="000000"/>
+                </a:solidFill>
+                <a:uFillTx/>
                 <a:sym typeface="Helvetica Light"/>
               </a:rPr>
               <a:t>__MAP(x,__SC_TEST,__VA_ARGS__); \</a:t>
             </a:r>
-            <a:endParaRPr lang="zh-CN" altLang="en-US">
-              <a:sym typeface="Helvetica Light"/>
-            </a:endParaRPr>
-          </a:p>
-          <a:p>
-            <a:pPr marL="0" marR="0" indent="0" algn="l" defTabSz="825500" rtl="0" fontAlgn="auto" latinLnBrk="0" hangingPunct="0">
-              <a:lnSpc>
-                <a:spcPct val="100000"/>
-              </a:lnSpc>
-              <a:spcBef>
-                <a:spcPts val="0"/>
-              </a:spcBef>
-              <a:spcAft>
-                <a:spcPts val="0"/>
-              </a:spcAft>
-              <a:buClrTx/>
-              <a:buSzTx/>
-              <a:buFontTx/>
-              <a:buNone/>
-            </a:pPr>
-            <a:r>
-              <a:rPr lang="zh-CN" altLang="en-US">
+            <a:endParaRPr lang="zh-CN" altLang="en-US" sz="3200">
+              <a:solidFill>
+                <a:srgbClr val="000000"/>
+              </a:solidFill>
+              <a:uFillTx/>
+              <a:sym typeface="Helvetica Light"/>
+            </a:endParaRPr>
+          </a:p>
+          <a:p>
+            <a:pPr marL="0" marR="0" indent="0" algn="l" defTabSz="825500" rtl="0" fontAlgn="auto" latinLnBrk="0" hangingPunct="0">
+              <a:lnSpc>
+                <a:spcPct val="100000"/>
+              </a:lnSpc>
+              <a:spcBef>
+                <a:spcPts val="0"/>
+              </a:spcBef>
+              <a:spcAft>
+                <a:spcPts val="0"/>
+              </a:spcAft>
+              <a:buClrTx/>
+              <a:buSzTx/>
+              <a:buFontTx/>
+              <a:buNone/>
+            </a:pPr>
+            <a:r>
+              <a:rPr lang="zh-CN" altLang="en-US" sz="3200">
+                <a:solidFill>
+                  <a:srgbClr val="000000"/>
+                </a:solidFill>
+                <a:uFillTx/>
                 <a:sym typeface="Helvetica Light"/>
               </a:rPr>
               <a:t>__PROTECT(x, ret,__MAP(x,__SC_ARGS,__VA_ARGS__)); \</a:t>
             </a:r>
-            <a:endParaRPr lang="zh-CN" altLang="en-US">
-              <a:sym typeface="Helvetica Light"/>
-            </a:endParaRPr>
-          </a:p>
-          <a:p>
-            <a:pPr marL="0" marR="0" indent="0" algn="l" defTabSz="825500" rtl="0" fontAlgn="auto" latinLnBrk="0" hangingPunct="0">
-              <a:lnSpc>
-                <a:spcPct val="100000"/>
-              </a:lnSpc>
-              <a:spcBef>
-                <a:spcPts val="0"/>
-              </a:spcBef>
-              <a:spcAft>
-                <a:spcPts val="0"/>
-              </a:spcAft>
-              <a:buClrTx/>
-              <a:buSzTx/>
-              <a:buFontTx/>
-              <a:buNone/>
-            </a:pPr>
-            <a:r>
-              <a:rPr lang="zh-CN" altLang="en-US">
+            <a:endParaRPr lang="zh-CN" altLang="en-US" sz="3200">
+              <a:solidFill>
+                <a:srgbClr val="000000"/>
+              </a:solidFill>
+              <a:uFillTx/>
+              <a:sym typeface="Helvetica Light"/>
+            </a:endParaRPr>
+          </a:p>
+          <a:p>
+            <a:pPr marL="0" marR="0" indent="0" algn="l" defTabSz="825500" rtl="0" fontAlgn="auto" latinLnBrk="0" hangingPunct="0">
+              <a:lnSpc>
+                <a:spcPct val="100000"/>
+              </a:lnSpc>
+              <a:spcBef>
+                <a:spcPts val="0"/>
+              </a:spcBef>
+              <a:spcAft>
+                <a:spcPts val="0"/>
+              </a:spcAft>
+              <a:buClrTx/>
+              <a:buSzTx/>
+              <a:buFontTx/>
+              <a:buNone/>
+            </a:pPr>
+            <a:r>
+              <a:rPr lang="zh-CN" altLang="en-US" sz="3200">
+                <a:solidFill>
+                  <a:srgbClr val="000000"/>
+                </a:solidFill>
+                <a:uFillTx/>
                 <a:sym typeface="Helvetica Light"/>
               </a:rPr>
               <a:t>return ret; \</a:t>
             </a:r>
-            <a:endParaRPr lang="zh-CN" altLang="en-US">
-              <a:sym typeface="Helvetica Light"/>
-            </a:endParaRPr>
-          </a:p>
-          <a:p>
-            <a:pPr marL="0" marR="0" indent="0" algn="l" defTabSz="825500" rtl="0" fontAlgn="auto" latinLnBrk="0" hangingPunct="0">
-              <a:lnSpc>
-                <a:spcPct val="100000"/>
-              </a:lnSpc>
-              <a:spcBef>
-                <a:spcPts val="0"/>
-              </a:spcBef>
-              <a:spcAft>
-                <a:spcPts val="0"/>
-              </a:spcAft>
-              <a:buClrTx/>
-              <a:buSzTx/>
-              <a:buFontTx/>
-              <a:buNone/>
-            </a:pPr>
-            <a:r>
-              <a:rPr lang="zh-CN" altLang="en-US">
+            <a:endParaRPr lang="zh-CN" altLang="en-US" sz="3200">
+              <a:solidFill>
+                <a:srgbClr val="000000"/>
+              </a:solidFill>
+              <a:uFillTx/>
+              <a:sym typeface="Helvetica Light"/>
+            </a:endParaRPr>
+          </a:p>
+          <a:p>
+            <a:pPr marL="0" marR="0" indent="0" algn="l" defTabSz="825500" rtl="0" fontAlgn="auto" latinLnBrk="0" hangingPunct="0">
+              <a:lnSpc>
+                <a:spcPct val="100000"/>
+              </a:lnSpc>
+              <a:spcBef>
+                <a:spcPts val="0"/>
+              </a:spcBef>
+              <a:spcAft>
+                <a:spcPts val="0"/>
+              </a:spcAft>
+              <a:buClrTx/>
+              <a:buSzTx/>
+              <a:buFontTx/>
+              <a:buNone/>
+            </a:pPr>
+            <a:r>
+              <a:rPr lang="zh-CN" altLang="en-US" sz="3200">
+                <a:solidFill>
+                  <a:srgbClr val="000000"/>
+                </a:solidFill>
+                <a:uFillTx/>
                 <a:sym typeface="Helvetica Light"/>
               </a:rPr>
               <a:t>} \</a:t>
             </a:r>
-            <a:endParaRPr lang="zh-CN" altLang="en-US">
-              <a:sym typeface="Helvetica Light"/>
-            </a:endParaRPr>
-          </a:p>
-          <a:p>
-            <a:pPr marL="0" marR="0" indent="0" algn="l" defTabSz="825500" rtl="0" fontAlgn="auto" latinLnBrk="0" hangingPunct="0">
-              <a:lnSpc>
-                <a:spcPct val="100000"/>
-              </a:lnSpc>
-              <a:spcBef>
-                <a:spcPts val="0"/>
-              </a:spcBef>
-              <a:spcAft>
-                <a:spcPts val="0"/>
-              </a:spcAft>
-              <a:buClrTx/>
-              <a:buSzTx/>
-              <a:buFontTx/>
-              <a:buNone/>
-            </a:pPr>
-            <a:r>
-              <a:rPr lang="zh-CN" altLang="en-US">
+            <a:endParaRPr lang="zh-CN" altLang="en-US" sz="3200">
+              <a:solidFill>
+                <a:srgbClr val="000000"/>
+              </a:solidFill>
+              <a:uFillTx/>
+              <a:sym typeface="Helvetica Light"/>
+            </a:endParaRPr>
+          </a:p>
+          <a:p>
+            <a:pPr marL="0" marR="0" indent="0" algn="l" defTabSz="825500" rtl="0" fontAlgn="auto" latinLnBrk="0" hangingPunct="0">
+              <a:lnSpc>
+                <a:spcPct val="100000"/>
+              </a:lnSpc>
+              <a:spcBef>
+                <a:spcPts val="0"/>
+              </a:spcBef>
+              <a:spcAft>
+                <a:spcPts val="0"/>
+              </a:spcAft>
+              <a:buClrTx/>
+              <a:buSzTx/>
+              <a:buFontTx/>
+              <a:buNone/>
+            </a:pPr>
+            <a:r>
+              <a:rPr lang="zh-CN" altLang="en-US" sz="3200">
+                <a:solidFill>
+                  <a:srgbClr val="000000"/>
+                </a:solidFill>
+                <a:uFillTx/>
                 <a:sym typeface="Helvetica Light"/>
               </a:rPr>
               <a:t>static inline long __do_sys##name(__MAP(x,__SC_DECL,__VA_ARGS__))</a:t>
             </a:r>
-            <a:endParaRPr lang="zh-CN" altLang="en-US">
+            <a:endParaRPr lang="zh-CN" altLang="en-US" sz="3200">
+              <a:solidFill>
+                <a:srgbClr val="000000"/>
+              </a:solidFill>
+              <a:uFillTx/>
               <a:sym typeface="Helvetica Light"/>
             </a:endParaRPr>
           </a:p>
